--- a/Presentation1.pptx
+++ b/Presentation1.pptx
@@ -9,6 +9,11 @@
     <p:sldId id="257" r:id="rId3"/>
     <p:sldId id="258" r:id="rId4"/>
     <p:sldId id="259" r:id="rId5"/>
+    <p:sldId id="260" r:id="rId6"/>
+    <p:sldId id="261" r:id="rId7"/>
+    <p:sldId id="263" r:id="rId8"/>
+    <p:sldId id="264" r:id="rId9"/>
+    <p:sldId id="262" r:id="rId10"/>
   </p:sldIdLst>
   <p:sldSz cx="12192000" cy="6858000"/>
   <p:notesSz cx="6858000" cy="9144000"/>
@@ -728,7 +733,7 @@
           <a:p>
             <a:fld id="{D543175A-9B48-43C3-B5DB-22B6028B34BC}" type="datetimeFigureOut">
               <a:rPr lang="en-US" smtClean="0"/>
-              <a:t>10/29/2023</a:t>
+              <a:t>11/9/2023</a:t>
             </a:fld>
             <a:endParaRPr lang="en-US"/>
           </a:p>
@@ -926,7 +931,7 @@
           <a:p>
             <a:fld id="{D543175A-9B48-43C3-B5DB-22B6028B34BC}" type="datetimeFigureOut">
               <a:rPr lang="en-US" smtClean="0"/>
-              <a:t>10/29/2023</a:t>
+              <a:t>11/9/2023</a:t>
             </a:fld>
             <a:endParaRPr lang="en-US"/>
           </a:p>
@@ -1134,7 +1139,7 @@
           <a:p>
             <a:fld id="{D543175A-9B48-43C3-B5DB-22B6028B34BC}" type="datetimeFigureOut">
               <a:rPr lang="en-US" smtClean="0"/>
-              <a:t>10/29/2023</a:t>
+              <a:t>11/9/2023</a:t>
             </a:fld>
             <a:endParaRPr lang="en-US"/>
           </a:p>
@@ -1332,7 +1337,7 @@
           <a:p>
             <a:fld id="{D543175A-9B48-43C3-B5DB-22B6028B34BC}" type="datetimeFigureOut">
               <a:rPr lang="en-US" smtClean="0"/>
-              <a:t>10/29/2023</a:t>
+              <a:t>11/9/2023</a:t>
             </a:fld>
             <a:endParaRPr lang="en-US"/>
           </a:p>
@@ -1607,7 +1612,7 @@
           <a:p>
             <a:fld id="{D543175A-9B48-43C3-B5DB-22B6028B34BC}" type="datetimeFigureOut">
               <a:rPr lang="en-US" smtClean="0"/>
-              <a:t>10/29/2023</a:t>
+              <a:t>11/9/2023</a:t>
             </a:fld>
             <a:endParaRPr lang="en-US"/>
           </a:p>
@@ -1872,7 +1877,7 @@
           <a:p>
             <a:fld id="{D543175A-9B48-43C3-B5DB-22B6028B34BC}" type="datetimeFigureOut">
               <a:rPr lang="en-US" smtClean="0"/>
-              <a:t>10/29/2023</a:t>
+              <a:t>11/9/2023</a:t>
             </a:fld>
             <a:endParaRPr lang="en-US"/>
           </a:p>
@@ -2284,7 +2289,7 @@
           <a:p>
             <a:fld id="{D543175A-9B48-43C3-B5DB-22B6028B34BC}" type="datetimeFigureOut">
               <a:rPr lang="en-US" smtClean="0"/>
-              <a:t>10/29/2023</a:t>
+              <a:t>11/9/2023</a:t>
             </a:fld>
             <a:endParaRPr lang="en-US"/>
           </a:p>
@@ -2425,7 +2430,7 @@
           <a:p>
             <a:fld id="{D543175A-9B48-43C3-B5DB-22B6028B34BC}" type="datetimeFigureOut">
               <a:rPr lang="en-US" smtClean="0"/>
-              <a:t>10/29/2023</a:t>
+              <a:t>11/9/2023</a:t>
             </a:fld>
             <a:endParaRPr lang="en-US"/>
           </a:p>
@@ -2538,7 +2543,7 @@
           <a:p>
             <a:fld id="{D543175A-9B48-43C3-B5DB-22B6028B34BC}" type="datetimeFigureOut">
               <a:rPr lang="en-US" smtClean="0"/>
-              <a:t>10/29/2023</a:t>
+              <a:t>11/9/2023</a:t>
             </a:fld>
             <a:endParaRPr lang="en-US"/>
           </a:p>
@@ -2849,7 +2854,7 @@
           <a:p>
             <a:fld id="{D543175A-9B48-43C3-B5DB-22B6028B34BC}" type="datetimeFigureOut">
               <a:rPr lang="en-US" smtClean="0"/>
-              <a:t>10/29/2023</a:t>
+              <a:t>11/9/2023</a:t>
             </a:fld>
             <a:endParaRPr lang="en-US"/>
           </a:p>
@@ -3137,7 +3142,7 @@
           <a:p>
             <a:fld id="{D543175A-9B48-43C3-B5DB-22B6028B34BC}" type="datetimeFigureOut">
               <a:rPr lang="en-US" smtClean="0"/>
-              <a:t>10/29/2023</a:t>
+              <a:t>11/9/2023</a:t>
             </a:fld>
             <a:endParaRPr lang="en-US"/>
           </a:p>
@@ -3378,7 +3383,7 @@
           <a:p>
             <a:fld id="{D543175A-9B48-43C3-B5DB-22B6028B34BC}" type="datetimeFigureOut">
               <a:rPr lang="en-US" smtClean="0"/>
-              <a:t>10/29/2023</a:t>
+              <a:t>11/9/2023</a:t>
             </a:fld>
             <a:endParaRPr lang="en-US"/>
           </a:p>
@@ -8581,10 +8586,5546 @@
           </a:p>
         </p:txBody>
       </p:sp>
+      <p:grpSp>
+        <p:nvGrpSpPr>
+          <p:cNvPr id="2" name="Group 1">
+            <a:extLst>
+              <a:ext uri="{FF2B5EF4-FFF2-40B4-BE49-F238E27FC236}">
+                <a16:creationId xmlns:a16="http://schemas.microsoft.com/office/drawing/2014/main" id="{F457959F-8D45-4D7D-434B-88B7430D9200}"/>
+              </a:ext>
+            </a:extLst>
+          </p:cNvPr>
+          <p:cNvGrpSpPr/>
+          <p:nvPr/>
+        </p:nvGrpSpPr>
+        <p:grpSpPr>
+          <a:xfrm>
+            <a:off x="1306460" y="1269278"/>
+            <a:ext cx="4075262" cy="437603"/>
+            <a:chOff x="1306460" y="1269278"/>
+            <a:chExt cx="4075262" cy="437603"/>
+          </a:xfrm>
+        </p:grpSpPr>
+        <p:cxnSp>
+          <p:nvCxnSpPr>
+            <p:cNvPr id="8" name="Straight Arrow Connector 7">
+              <a:extLst>
+                <a:ext uri="{FF2B5EF4-FFF2-40B4-BE49-F238E27FC236}">
+                  <a16:creationId xmlns:a16="http://schemas.microsoft.com/office/drawing/2014/main" id="{F5A6EC4E-88EF-CF48-BD34-38286FCCF3D4}"/>
+                </a:ext>
+              </a:extLst>
+            </p:cNvPr>
+            <p:cNvCxnSpPr>
+              <a:cxnSpLocks/>
+            </p:cNvCxnSpPr>
+            <p:nvPr/>
+          </p:nvCxnSpPr>
+          <p:spPr>
+            <a:xfrm>
+              <a:off x="1306460" y="1282640"/>
+              <a:ext cx="1" cy="424241"/>
+            </a:xfrm>
+            <a:prstGeom prst="straightConnector1">
+              <a:avLst/>
+            </a:prstGeom>
+            <a:ln>
+              <a:tailEnd type="triangle"/>
+            </a:ln>
+          </p:spPr>
+          <p:style>
+            <a:lnRef idx="1">
+              <a:schemeClr val="accent1"/>
+            </a:lnRef>
+            <a:fillRef idx="0">
+              <a:schemeClr val="accent1"/>
+            </a:fillRef>
+            <a:effectRef idx="0">
+              <a:schemeClr val="accent1"/>
+            </a:effectRef>
+            <a:fontRef idx="minor">
+              <a:schemeClr val="tx1"/>
+            </a:fontRef>
+          </p:style>
+        </p:cxnSp>
+        <p:cxnSp>
+          <p:nvCxnSpPr>
+            <p:cNvPr id="10" name="Straight Arrow Connector 9">
+              <a:extLst>
+                <a:ext uri="{FF2B5EF4-FFF2-40B4-BE49-F238E27FC236}">
+                  <a16:creationId xmlns:a16="http://schemas.microsoft.com/office/drawing/2014/main" id="{34F01C87-F223-B5A5-AEFF-53FB720B0A14}"/>
+                </a:ext>
+              </a:extLst>
+            </p:cNvPr>
+            <p:cNvCxnSpPr>
+              <a:cxnSpLocks/>
+            </p:cNvCxnSpPr>
+            <p:nvPr/>
+          </p:nvCxnSpPr>
+          <p:spPr>
+            <a:xfrm>
+              <a:off x="5381721" y="1281250"/>
+              <a:ext cx="1" cy="425631"/>
+            </a:xfrm>
+            <a:prstGeom prst="straightConnector1">
+              <a:avLst/>
+            </a:prstGeom>
+            <a:ln>
+              <a:tailEnd type="triangle"/>
+            </a:ln>
+          </p:spPr>
+          <p:style>
+            <a:lnRef idx="1">
+              <a:schemeClr val="accent1"/>
+            </a:lnRef>
+            <a:fillRef idx="0">
+              <a:schemeClr val="accent1"/>
+            </a:fillRef>
+            <a:effectRef idx="0">
+              <a:schemeClr val="accent1"/>
+            </a:effectRef>
+            <a:fontRef idx="minor">
+              <a:schemeClr val="tx1"/>
+            </a:fontRef>
+          </p:style>
+        </p:cxnSp>
+        <p:cxnSp>
+          <p:nvCxnSpPr>
+            <p:cNvPr id="16" name="Straight Arrow Connector 15">
+              <a:extLst>
+                <a:ext uri="{FF2B5EF4-FFF2-40B4-BE49-F238E27FC236}">
+                  <a16:creationId xmlns:a16="http://schemas.microsoft.com/office/drawing/2014/main" id="{965D419C-1DC1-6A94-610F-1713DAE43824}"/>
+                </a:ext>
+              </a:extLst>
+            </p:cNvPr>
+            <p:cNvCxnSpPr>
+              <a:cxnSpLocks/>
+            </p:cNvCxnSpPr>
+            <p:nvPr/>
+          </p:nvCxnSpPr>
+          <p:spPr>
+            <a:xfrm>
+              <a:off x="3319174" y="1277985"/>
+              <a:ext cx="1" cy="428896"/>
+            </a:xfrm>
+            <a:prstGeom prst="straightConnector1">
+              <a:avLst/>
+            </a:prstGeom>
+            <a:ln>
+              <a:tailEnd type="triangle"/>
+            </a:ln>
+          </p:spPr>
+          <p:style>
+            <a:lnRef idx="1">
+              <a:schemeClr val="accent1"/>
+            </a:lnRef>
+            <a:fillRef idx="0">
+              <a:schemeClr val="accent1"/>
+            </a:fillRef>
+            <a:effectRef idx="0">
+              <a:schemeClr val="accent1"/>
+            </a:effectRef>
+            <a:fontRef idx="minor">
+              <a:schemeClr val="tx1"/>
+            </a:fontRef>
+          </p:style>
+        </p:cxnSp>
+        <p:cxnSp>
+          <p:nvCxnSpPr>
+            <p:cNvPr id="24" name="Straight Connector 23">
+              <a:extLst>
+                <a:ext uri="{FF2B5EF4-FFF2-40B4-BE49-F238E27FC236}">
+                  <a16:creationId xmlns:a16="http://schemas.microsoft.com/office/drawing/2014/main" id="{7781309B-7059-41A1-AA1C-FC04E85CB29E}"/>
+                </a:ext>
+              </a:extLst>
+            </p:cNvPr>
+            <p:cNvCxnSpPr>
+              <a:cxnSpLocks/>
+            </p:cNvCxnSpPr>
+            <p:nvPr/>
+          </p:nvCxnSpPr>
+          <p:spPr>
+            <a:xfrm flipV="1">
+              <a:off x="1306460" y="1269278"/>
+              <a:ext cx="4075261" cy="13361"/>
+            </a:xfrm>
+            <a:prstGeom prst="line">
+              <a:avLst/>
+            </a:prstGeom>
+          </p:spPr>
+          <p:style>
+            <a:lnRef idx="1">
+              <a:schemeClr val="accent1"/>
+            </a:lnRef>
+            <a:fillRef idx="0">
+              <a:schemeClr val="accent1"/>
+            </a:fillRef>
+            <a:effectRef idx="0">
+              <a:schemeClr val="accent1"/>
+            </a:effectRef>
+            <a:fontRef idx="minor">
+              <a:schemeClr val="tx1"/>
+            </a:fontRef>
+          </p:style>
+        </p:cxnSp>
+      </p:grpSp>
+      <p:cxnSp>
+        <p:nvCxnSpPr>
+          <p:cNvPr id="35" name="Straight Arrow Connector 34">
+            <a:extLst>
+              <a:ext uri="{FF2B5EF4-FFF2-40B4-BE49-F238E27FC236}">
+                <a16:creationId xmlns:a16="http://schemas.microsoft.com/office/drawing/2014/main" id="{BDC3CB0B-E009-A8BF-2F49-B64470D95A0E}"/>
+              </a:ext>
+            </a:extLst>
+          </p:cNvPr>
+          <p:cNvCxnSpPr>
+            <a:cxnSpLocks/>
+          </p:cNvCxnSpPr>
+          <p:nvPr/>
+        </p:nvCxnSpPr>
+        <p:spPr>
+          <a:xfrm>
+            <a:off x="11519528" y="1273992"/>
+            <a:ext cx="1" cy="425631"/>
+          </a:xfrm>
+          <a:prstGeom prst="straightConnector1">
+            <a:avLst/>
+          </a:prstGeom>
+          <a:ln>
+            <a:tailEnd type="triangle"/>
+          </a:ln>
+        </p:spPr>
+        <p:style>
+          <a:lnRef idx="1">
+            <a:schemeClr val="accent1"/>
+          </a:lnRef>
+          <a:fillRef idx="0">
+            <a:schemeClr val="accent1"/>
+          </a:fillRef>
+          <a:effectRef idx="0">
+            <a:schemeClr val="accent1"/>
+          </a:effectRef>
+          <a:fontRef idx="minor">
+            <a:schemeClr val="tx1"/>
+          </a:fontRef>
+        </p:style>
+      </p:cxnSp>
+      <p:cxnSp>
+        <p:nvCxnSpPr>
+          <p:cNvPr id="36" name="Straight Arrow Connector 35">
+            <a:extLst>
+              <a:ext uri="{FF2B5EF4-FFF2-40B4-BE49-F238E27FC236}">
+                <a16:creationId xmlns:a16="http://schemas.microsoft.com/office/drawing/2014/main" id="{2AA0EA53-DDB9-A2A5-6EB0-227C3147B92E}"/>
+              </a:ext>
+            </a:extLst>
+          </p:cNvPr>
+          <p:cNvCxnSpPr>
+            <a:cxnSpLocks/>
+          </p:cNvCxnSpPr>
+          <p:nvPr/>
+        </p:nvCxnSpPr>
+        <p:spPr>
+          <a:xfrm>
+            <a:off x="9456981" y="1270727"/>
+            <a:ext cx="1" cy="428896"/>
+          </a:xfrm>
+          <a:prstGeom prst="straightConnector1">
+            <a:avLst/>
+          </a:prstGeom>
+          <a:ln>
+            <a:tailEnd type="triangle"/>
+          </a:ln>
+        </p:spPr>
+        <p:style>
+          <a:lnRef idx="1">
+            <a:schemeClr val="accent1"/>
+          </a:lnRef>
+          <a:fillRef idx="0">
+            <a:schemeClr val="accent1"/>
+          </a:fillRef>
+          <a:effectRef idx="0">
+            <a:schemeClr val="accent1"/>
+          </a:effectRef>
+          <a:fontRef idx="minor">
+            <a:schemeClr val="tx1"/>
+          </a:fontRef>
+        </p:style>
+      </p:cxnSp>
+      <p:cxnSp>
+        <p:nvCxnSpPr>
+          <p:cNvPr id="37" name="Straight Connector 36">
+            <a:extLst>
+              <a:ext uri="{FF2B5EF4-FFF2-40B4-BE49-F238E27FC236}">
+                <a16:creationId xmlns:a16="http://schemas.microsoft.com/office/drawing/2014/main" id="{CE3F3B56-6A01-3791-75FF-EBAB02DE3710}"/>
+              </a:ext>
+            </a:extLst>
+          </p:cNvPr>
+          <p:cNvCxnSpPr>
+            <a:cxnSpLocks/>
+          </p:cNvCxnSpPr>
+          <p:nvPr/>
+        </p:nvCxnSpPr>
+        <p:spPr>
+          <a:xfrm>
+            <a:off x="9456980" y="1271484"/>
+            <a:ext cx="2062548" cy="0"/>
+          </a:xfrm>
+          <a:prstGeom prst="line">
+            <a:avLst/>
+          </a:prstGeom>
+        </p:spPr>
+        <p:style>
+          <a:lnRef idx="1">
+            <a:schemeClr val="accent1"/>
+          </a:lnRef>
+          <a:fillRef idx="0">
+            <a:schemeClr val="accent1"/>
+          </a:fillRef>
+          <a:effectRef idx="0">
+            <a:schemeClr val="accent1"/>
+          </a:effectRef>
+          <a:fontRef idx="minor">
+            <a:schemeClr val="tx1"/>
+          </a:fontRef>
+        </p:style>
+      </p:cxnSp>
     </p:spTree>
     <p:extLst>
       <p:ext uri="{BB962C8B-B14F-4D97-AF65-F5344CB8AC3E}">
         <p14:creationId xmlns:p14="http://schemas.microsoft.com/office/powerpoint/2010/main" val="928549449"/>
+      </p:ext>
+    </p:extLst>
+  </p:cSld>
+  <p:clrMapOvr>
+    <a:masterClrMapping/>
+  </p:clrMapOvr>
+</p:sld>
+</file>
+
+<file path=ppt/slides/slide5.xml><?xml version="1.0" encoding="utf-8"?>
+<p:sld xmlns:a="http://schemas.openxmlformats.org/drawingml/2006/main" xmlns:r="http://schemas.openxmlformats.org/officeDocument/2006/relationships" xmlns:p="http://schemas.openxmlformats.org/presentationml/2006/main">
+  <p:cSld>
+    <p:spTree>
+      <p:nvGrpSpPr>
+        <p:cNvPr id="1" name=""/>
+        <p:cNvGrpSpPr/>
+        <p:nvPr/>
+      </p:nvGrpSpPr>
+      <p:grpSpPr>
+        <a:xfrm>
+          <a:off x="0" y="0"/>
+          <a:ext cx="0" cy="0"/>
+          <a:chOff x="0" y="0"/>
+          <a:chExt cx="0" cy="0"/>
+        </a:xfrm>
+      </p:grpSpPr>
+    </p:spTree>
+    <p:extLst>
+      <p:ext uri="{BB962C8B-B14F-4D97-AF65-F5344CB8AC3E}">
+        <p14:creationId xmlns:p14="http://schemas.microsoft.com/office/powerpoint/2010/main" val="714532325"/>
+      </p:ext>
+    </p:extLst>
+  </p:cSld>
+  <p:clrMapOvr>
+    <a:masterClrMapping/>
+  </p:clrMapOvr>
+</p:sld>
+</file>
+
+<file path=ppt/slides/slide6.xml><?xml version="1.0" encoding="utf-8"?>
+<p:sld xmlns:a="http://schemas.openxmlformats.org/drawingml/2006/main" xmlns:r="http://schemas.openxmlformats.org/officeDocument/2006/relationships" xmlns:p="http://schemas.openxmlformats.org/presentationml/2006/main">
+  <p:cSld>
+    <p:spTree>
+      <p:nvGrpSpPr>
+        <p:cNvPr id="1" name=""/>
+        <p:cNvGrpSpPr/>
+        <p:nvPr/>
+      </p:nvGrpSpPr>
+      <p:grpSpPr>
+        <a:xfrm>
+          <a:off x="0" y="0"/>
+          <a:ext cx="0" cy="0"/>
+          <a:chOff x="0" y="0"/>
+          <a:chExt cx="0" cy="0"/>
+        </a:xfrm>
+      </p:grpSpPr>
+      <p:grpSp>
+        <p:nvGrpSpPr>
+          <p:cNvPr id="4" name="Group 3">
+            <a:extLst>
+              <a:ext uri="{FF2B5EF4-FFF2-40B4-BE49-F238E27FC236}">
+                <a16:creationId xmlns:a16="http://schemas.microsoft.com/office/drawing/2014/main" id="{BFFA0A5C-BD04-0B78-3ACE-58F2727A8705}"/>
+              </a:ext>
+            </a:extLst>
+          </p:cNvPr>
+          <p:cNvGrpSpPr/>
+          <p:nvPr/>
+        </p:nvGrpSpPr>
+        <p:grpSpPr>
+          <a:xfrm>
+            <a:off x="4764404" y="303689"/>
+            <a:ext cx="1393372" cy="1525111"/>
+            <a:chOff x="5294811" y="1984443"/>
+            <a:chExt cx="1393372" cy="1525111"/>
+          </a:xfrm>
+        </p:grpSpPr>
+        <p:sp>
+          <p:nvSpPr>
+            <p:cNvPr id="2" name="Oval 1">
+              <a:extLst>
+                <a:ext uri="{FF2B5EF4-FFF2-40B4-BE49-F238E27FC236}">
+                  <a16:creationId xmlns:a16="http://schemas.microsoft.com/office/drawing/2014/main" id="{81BB8621-7C29-580F-7053-892E3AB63E32}"/>
+                </a:ext>
+              </a:extLst>
+            </p:cNvPr>
+            <p:cNvSpPr/>
+            <p:nvPr/>
+          </p:nvSpPr>
+          <p:spPr>
+            <a:xfrm>
+              <a:off x="5429794" y="1984443"/>
+              <a:ext cx="1123406" cy="568800"/>
+            </a:xfrm>
+            <a:prstGeom prst="ellipse">
+              <a:avLst/>
+            </a:prstGeom>
+          </p:spPr>
+          <p:style>
+            <a:lnRef idx="2">
+              <a:schemeClr val="accent1">
+                <a:shade val="15000"/>
+              </a:schemeClr>
+            </a:lnRef>
+            <a:fillRef idx="1">
+              <a:schemeClr val="accent1"/>
+            </a:fillRef>
+            <a:effectRef idx="0">
+              <a:schemeClr val="accent1"/>
+            </a:effectRef>
+            <a:fontRef idx="minor">
+              <a:schemeClr val="lt1"/>
+            </a:fontRef>
+          </p:style>
+          <p:txBody>
+            <a:bodyPr rtlCol="0" anchor="ctr"/>
+            <a:lstStyle/>
+            <a:p>
+              <a:pPr algn="ctr"/>
+              <a:r>
+                <a:rPr lang="en-US" dirty="0"/>
+                <a:t>start</a:t>
+              </a:r>
+            </a:p>
+          </p:txBody>
+        </p:sp>
+        <p:sp>
+          <p:nvSpPr>
+            <p:cNvPr id="3" name="Rectangle: Rounded Corners 2">
+              <a:extLst>
+                <a:ext uri="{FF2B5EF4-FFF2-40B4-BE49-F238E27FC236}">
+                  <a16:creationId xmlns:a16="http://schemas.microsoft.com/office/drawing/2014/main" id="{FDE5C258-C08A-3110-54EA-4D07DD90530B}"/>
+                </a:ext>
+              </a:extLst>
+            </p:cNvPr>
+            <p:cNvSpPr/>
+            <p:nvPr/>
+          </p:nvSpPr>
+          <p:spPr>
+            <a:xfrm>
+              <a:off x="5294811" y="2940754"/>
+              <a:ext cx="1393372" cy="568800"/>
+            </a:xfrm>
+            <a:prstGeom prst="roundRect">
+              <a:avLst/>
+            </a:prstGeom>
+          </p:spPr>
+          <p:style>
+            <a:lnRef idx="2">
+              <a:schemeClr val="accent1">
+                <a:shade val="15000"/>
+              </a:schemeClr>
+            </a:lnRef>
+            <a:fillRef idx="1">
+              <a:schemeClr val="accent1"/>
+            </a:fillRef>
+            <a:effectRef idx="0">
+              <a:schemeClr val="accent1"/>
+            </a:effectRef>
+            <a:fontRef idx="minor">
+              <a:schemeClr val="lt1"/>
+            </a:fontRef>
+          </p:style>
+          <p:txBody>
+            <a:bodyPr rtlCol="0" anchor="ctr"/>
+            <a:lstStyle/>
+            <a:p>
+              <a:pPr algn="ctr"/>
+              <a:r>
+                <a:rPr lang="en-US" dirty="0"/>
+                <a:t>Login</a:t>
+              </a:r>
+              <a:br>
+                <a:rPr lang="en-US" dirty="0"/>
+              </a:br>
+              <a:r>
+                <a:rPr lang="en-US" dirty="0"/>
+                <a:t>(admin1)</a:t>
+              </a:r>
+            </a:p>
+          </p:txBody>
+        </p:sp>
+      </p:grpSp>
+      <p:sp>
+        <p:nvSpPr>
+          <p:cNvPr id="5" name="Rectangle 4">
+            <a:extLst>
+              <a:ext uri="{FF2B5EF4-FFF2-40B4-BE49-F238E27FC236}">
+                <a16:creationId xmlns:a16="http://schemas.microsoft.com/office/drawing/2014/main" id="{2BA1EA92-3FCC-526A-6D35-835F6C713725}"/>
+              </a:ext>
+            </a:extLst>
+          </p:cNvPr>
+          <p:cNvSpPr/>
+          <p:nvPr/>
+        </p:nvSpPr>
+        <p:spPr>
+          <a:xfrm>
+            <a:off x="1182459" y="2201637"/>
+            <a:ext cx="2164230" cy="583474"/>
+          </a:xfrm>
+          <a:prstGeom prst="rect">
+            <a:avLst/>
+          </a:prstGeom>
+        </p:spPr>
+        <p:style>
+          <a:lnRef idx="2">
+            <a:schemeClr val="accent1">
+              <a:shade val="15000"/>
+            </a:schemeClr>
+          </a:lnRef>
+          <a:fillRef idx="1">
+            <a:schemeClr val="accent1"/>
+          </a:fillRef>
+          <a:effectRef idx="0">
+            <a:schemeClr val="accent1"/>
+          </a:effectRef>
+          <a:fontRef idx="minor">
+            <a:schemeClr val="lt1"/>
+          </a:fontRef>
+        </p:style>
+        <p:txBody>
+          <a:bodyPr rtlCol="0" anchor="ctr"/>
+          <a:lstStyle/>
+          <a:p>
+            <a:pPr algn="ctr"/>
+            <a:r>
+              <a:rPr lang="en-US" dirty="0"/>
+              <a:t>HOME</a:t>
+            </a:r>
+          </a:p>
+        </p:txBody>
+      </p:sp>
+      <p:sp>
+        <p:nvSpPr>
+          <p:cNvPr id="6" name="Rectangle 5">
+            <a:extLst>
+              <a:ext uri="{FF2B5EF4-FFF2-40B4-BE49-F238E27FC236}">
+                <a16:creationId xmlns:a16="http://schemas.microsoft.com/office/drawing/2014/main" id="{4A0E8D0D-854C-D447-B424-F30D544AF7D9}"/>
+              </a:ext>
+            </a:extLst>
+          </p:cNvPr>
+          <p:cNvSpPr/>
+          <p:nvPr/>
+        </p:nvSpPr>
+        <p:spPr>
+          <a:xfrm>
+            <a:off x="4542668" y="2201637"/>
+            <a:ext cx="2164230" cy="583474"/>
+          </a:xfrm>
+          <a:prstGeom prst="rect">
+            <a:avLst/>
+          </a:prstGeom>
+        </p:spPr>
+        <p:style>
+          <a:lnRef idx="2">
+            <a:schemeClr val="accent1">
+              <a:shade val="15000"/>
+            </a:schemeClr>
+          </a:lnRef>
+          <a:fillRef idx="1">
+            <a:schemeClr val="accent1"/>
+          </a:fillRef>
+          <a:effectRef idx="0">
+            <a:schemeClr val="accent1"/>
+          </a:effectRef>
+          <a:fontRef idx="minor">
+            <a:schemeClr val="lt1"/>
+          </a:fontRef>
+        </p:style>
+        <p:txBody>
+          <a:bodyPr rtlCol="0" anchor="ctr"/>
+          <a:lstStyle/>
+          <a:p>
+            <a:pPr algn="ctr"/>
+            <a:r>
+              <a:rPr lang="en-US" dirty="0"/>
+              <a:t>ASSET</a:t>
+            </a:r>
+          </a:p>
+        </p:txBody>
+      </p:sp>
+      <p:grpSp>
+        <p:nvGrpSpPr>
+          <p:cNvPr id="14" name="Group 13">
+            <a:extLst>
+              <a:ext uri="{FF2B5EF4-FFF2-40B4-BE49-F238E27FC236}">
+                <a16:creationId xmlns:a16="http://schemas.microsoft.com/office/drawing/2014/main" id="{A142C400-568B-DCC5-699F-479F4966661A}"/>
+              </a:ext>
+            </a:extLst>
+          </p:cNvPr>
+          <p:cNvGrpSpPr/>
+          <p:nvPr/>
+        </p:nvGrpSpPr>
+        <p:grpSpPr>
+          <a:xfrm>
+            <a:off x="262073" y="3741422"/>
+            <a:ext cx="6761388" cy="583474"/>
+            <a:chOff x="283846" y="3322320"/>
+            <a:chExt cx="6761388" cy="583474"/>
+          </a:xfrm>
+        </p:grpSpPr>
+        <p:sp>
+          <p:nvSpPr>
+            <p:cNvPr id="10" name="Rectangle: Rounded Corners 9">
+              <a:extLst>
+                <a:ext uri="{FF2B5EF4-FFF2-40B4-BE49-F238E27FC236}">
+                  <a16:creationId xmlns:a16="http://schemas.microsoft.com/office/drawing/2014/main" id="{32DC4C0E-8522-8B8B-C4BF-4580C51825CC}"/>
+                </a:ext>
+              </a:extLst>
+            </p:cNvPr>
+            <p:cNvSpPr/>
+            <p:nvPr/>
+          </p:nvSpPr>
+          <p:spPr>
+            <a:xfrm>
+              <a:off x="283846" y="3322320"/>
+              <a:ext cx="1267099" cy="583474"/>
+            </a:xfrm>
+            <a:prstGeom prst="roundRect">
+              <a:avLst/>
+            </a:prstGeom>
+          </p:spPr>
+          <p:style>
+            <a:lnRef idx="2">
+              <a:schemeClr val="accent1">
+                <a:shade val="15000"/>
+              </a:schemeClr>
+            </a:lnRef>
+            <a:fillRef idx="1">
+              <a:schemeClr val="accent1"/>
+            </a:fillRef>
+            <a:effectRef idx="0">
+              <a:schemeClr val="accent1"/>
+            </a:effectRef>
+            <a:fontRef idx="minor">
+              <a:schemeClr val="lt1"/>
+            </a:fontRef>
+          </p:style>
+          <p:txBody>
+            <a:bodyPr rtlCol="0" anchor="ctr"/>
+            <a:lstStyle/>
+            <a:p>
+              <a:pPr algn="ctr"/>
+              <a:r>
+                <a:rPr lang="en-US" dirty="0"/>
+                <a:t>Assign Location</a:t>
+              </a:r>
+            </a:p>
+          </p:txBody>
+        </p:sp>
+        <p:sp>
+          <p:nvSpPr>
+            <p:cNvPr id="11" name="Rectangle: Rounded Corners 10">
+              <a:extLst>
+                <a:ext uri="{FF2B5EF4-FFF2-40B4-BE49-F238E27FC236}">
+                  <a16:creationId xmlns:a16="http://schemas.microsoft.com/office/drawing/2014/main" id="{5E7C840D-299B-EF74-2D35-89866D7FC349}"/>
+                </a:ext>
+              </a:extLst>
+            </p:cNvPr>
+            <p:cNvSpPr/>
+            <p:nvPr/>
+          </p:nvSpPr>
+          <p:spPr>
+            <a:xfrm>
+              <a:off x="2109515" y="3322320"/>
+              <a:ext cx="1261112" cy="583474"/>
+            </a:xfrm>
+            <a:prstGeom prst="roundRect">
+              <a:avLst/>
+            </a:prstGeom>
+          </p:spPr>
+          <p:style>
+            <a:lnRef idx="2">
+              <a:schemeClr val="accent1">
+                <a:shade val="15000"/>
+              </a:schemeClr>
+            </a:lnRef>
+            <a:fillRef idx="1">
+              <a:schemeClr val="accent1"/>
+            </a:fillRef>
+            <a:effectRef idx="0">
+              <a:schemeClr val="accent1"/>
+            </a:effectRef>
+            <a:fontRef idx="minor">
+              <a:schemeClr val="lt1"/>
+            </a:fontRef>
+          </p:style>
+          <p:txBody>
+            <a:bodyPr rtlCol="0" anchor="ctr"/>
+            <a:lstStyle/>
+            <a:p>
+              <a:pPr algn="ctr"/>
+              <a:r>
+                <a:rPr lang="en-US" dirty="0"/>
+                <a:t>Move </a:t>
+              </a:r>
+              <a:br>
+                <a:rPr lang="en-US" dirty="0"/>
+              </a:br>
+              <a:r>
+                <a:rPr lang="en-US" dirty="0"/>
+                <a:t>Asset</a:t>
+              </a:r>
+            </a:p>
+          </p:txBody>
+        </p:sp>
+        <p:sp>
+          <p:nvSpPr>
+            <p:cNvPr id="12" name="Rectangle: Rounded Corners 11">
+              <a:extLst>
+                <a:ext uri="{FF2B5EF4-FFF2-40B4-BE49-F238E27FC236}">
+                  <a16:creationId xmlns:a16="http://schemas.microsoft.com/office/drawing/2014/main" id="{3F09FA54-EB98-8FA4-FCF6-C6C67BCBC0D7}"/>
+                </a:ext>
+              </a:extLst>
+            </p:cNvPr>
+            <p:cNvSpPr/>
+            <p:nvPr/>
+          </p:nvSpPr>
+          <p:spPr>
+            <a:xfrm>
+              <a:off x="3964440" y="3322320"/>
+              <a:ext cx="1261112" cy="583474"/>
+            </a:xfrm>
+            <a:prstGeom prst="roundRect">
+              <a:avLst/>
+            </a:prstGeom>
+          </p:spPr>
+          <p:style>
+            <a:lnRef idx="2">
+              <a:schemeClr val="accent1">
+                <a:shade val="15000"/>
+              </a:schemeClr>
+            </a:lnRef>
+            <a:fillRef idx="1">
+              <a:schemeClr val="accent1"/>
+            </a:fillRef>
+            <a:effectRef idx="0">
+              <a:schemeClr val="accent1"/>
+            </a:effectRef>
+            <a:fontRef idx="minor">
+              <a:schemeClr val="lt1"/>
+            </a:fontRef>
+          </p:style>
+          <p:txBody>
+            <a:bodyPr rtlCol="0" anchor="ctr"/>
+            <a:lstStyle/>
+            <a:p>
+              <a:pPr algn="ctr"/>
+              <a:r>
+                <a:rPr lang="en-US" dirty="0"/>
+                <a:t>Release Asset</a:t>
+              </a:r>
+            </a:p>
+          </p:txBody>
+        </p:sp>
+        <p:sp>
+          <p:nvSpPr>
+            <p:cNvPr id="13" name="Rectangle: Rounded Corners 12">
+              <a:extLst>
+                <a:ext uri="{FF2B5EF4-FFF2-40B4-BE49-F238E27FC236}">
+                  <a16:creationId xmlns:a16="http://schemas.microsoft.com/office/drawing/2014/main" id="{9A057B16-C558-B82B-6A27-06211F05329E}"/>
+                </a:ext>
+              </a:extLst>
+            </p:cNvPr>
+            <p:cNvSpPr/>
+            <p:nvPr/>
+          </p:nvSpPr>
+          <p:spPr>
+            <a:xfrm>
+              <a:off x="5784122" y="3322320"/>
+              <a:ext cx="1261112" cy="583474"/>
+            </a:xfrm>
+            <a:prstGeom prst="roundRect">
+              <a:avLst/>
+            </a:prstGeom>
+          </p:spPr>
+          <p:style>
+            <a:lnRef idx="2">
+              <a:schemeClr val="accent1">
+                <a:shade val="15000"/>
+              </a:schemeClr>
+            </a:lnRef>
+            <a:fillRef idx="1">
+              <a:schemeClr val="accent1"/>
+            </a:fillRef>
+            <a:effectRef idx="0">
+              <a:schemeClr val="accent1"/>
+            </a:effectRef>
+            <a:fontRef idx="minor">
+              <a:schemeClr val="lt1"/>
+            </a:fontRef>
+          </p:style>
+          <p:txBody>
+            <a:bodyPr rtlCol="0" anchor="ctr"/>
+            <a:lstStyle/>
+            <a:p>
+              <a:pPr algn="ctr"/>
+              <a:r>
+                <a:rPr lang="en-US" dirty="0"/>
+                <a:t>Audit </a:t>
+              </a:r>
+              <a:br>
+                <a:rPr lang="en-US" dirty="0"/>
+              </a:br>
+              <a:r>
+                <a:rPr lang="en-US" dirty="0"/>
+                <a:t>Asset</a:t>
+              </a:r>
+            </a:p>
+          </p:txBody>
+        </p:sp>
+      </p:grpSp>
+      <p:sp>
+        <p:nvSpPr>
+          <p:cNvPr id="16" name="Rectangle 15">
+            <a:extLst>
+              <a:ext uri="{FF2B5EF4-FFF2-40B4-BE49-F238E27FC236}">
+                <a16:creationId xmlns:a16="http://schemas.microsoft.com/office/drawing/2014/main" id="{9D3B9256-E7FA-B86C-EBCD-B4498D745D32}"/>
+              </a:ext>
+            </a:extLst>
+          </p:cNvPr>
+          <p:cNvSpPr/>
+          <p:nvPr/>
+        </p:nvSpPr>
+        <p:spPr>
+          <a:xfrm>
+            <a:off x="390933" y="4820193"/>
+            <a:ext cx="1009378" cy="357052"/>
+          </a:xfrm>
+          <a:prstGeom prst="rect">
+            <a:avLst/>
+          </a:prstGeom>
+        </p:spPr>
+        <p:style>
+          <a:lnRef idx="2">
+            <a:schemeClr val="accent1">
+              <a:shade val="15000"/>
+            </a:schemeClr>
+          </a:lnRef>
+          <a:fillRef idx="1">
+            <a:schemeClr val="accent1"/>
+          </a:fillRef>
+          <a:effectRef idx="0">
+            <a:schemeClr val="accent1"/>
+          </a:effectRef>
+          <a:fontRef idx="minor">
+            <a:schemeClr val="lt1"/>
+          </a:fontRef>
+        </p:style>
+        <p:txBody>
+          <a:bodyPr rtlCol="0" anchor="ctr"/>
+          <a:lstStyle/>
+          <a:p>
+            <a:pPr algn="ctr"/>
+            <a:r>
+              <a:rPr lang="en-US" sz="1400" dirty="0"/>
+              <a:t>Scan Asset</a:t>
+            </a:r>
+            <a:br>
+              <a:rPr lang="en-US" sz="1400" dirty="0"/>
+            </a:br>
+            <a:r>
+              <a:rPr lang="en-US" sz="1000" dirty="0"/>
+              <a:t>(button)</a:t>
+            </a:r>
+          </a:p>
+        </p:txBody>
+      </p:sp>
+      <p:sp>
+        <p:nvSpPr>
+          <p:cNvPr id="17" name="Rectangle 16">
+            <a:extLst>
+              <a:ext uri="{FF2B5EF4-FFF2-40B4-BE49-F238E27FC236}">
+                <a16:creationId xmlns:a16="http://schemas.microsoft.com/office/drawing/2014/main" id="{33737F8F-B5EC-84C7-2CC3-2BB963C04DED}"/>
+              </a:ext>
+            </a:extLst>
+          </p:cNvPr>
+          <p:cNvSpPr/>
+          <p:nvPr/>
+        </p:nvSpPr>
+        <p:spPr>
+          <a:xfrm>
+            <a:off x="220231" y="5494016"/>
+            <a:ext cx="1350781" cy="357052"/>
+          </a:xfrm>
+          <a:prstGeom prst="rect">
+            <a:avLst/>
+          </a:prstGeom>
+        </p:spPr>
+        <p:style>
+          <a:lnRef idx="2">
+            <a:schemeClr val="accent1">
+              <a:shade val="15000"/>
+            </a:schemeClr>
+          </a:lnRef>
+          <a:fillRef idx="1">
+            <a:schemeClr val="accent1"/>
+          </a:fillRef>
+          <a:effectRef idx="0">
+            <a:schemeClr val="accent1"/>
+          </a:effectRef>
+          <a:fontRef idx="minor">
+            <a:schemeClr val="lt1"/>
+          </a:fontRef>
+        </p:style>
+        <p:txBody>
+          <a:bodyPr rtlCol="0" anchor="ctr"/>
+          <a:lstStyle/>
+          <a:p>
+            <a:pPr algn="ctr"/>
+            <a:r>
+              <a:rPr lang="en-US" sz="1400" dirty="0"/>
+              <a:t>Scan Location</a:t>
+            </a:r>
+            <a:br>
+              <a:rPr lang="en-US" sz="1400" dirty="0"/>
+            </a:br>
+            <a:r>
+              <a:rPr lang="en-US" sz="1000" dirty="0"/>
+              <a:t>(button)</a:t>
+            </a:r>
+          </a:p>
+        </p:txBody>
+      </p:sp>
+      <p:cxnSp>
+        <p:nvCxnSpPr>
+          <p:cNvPr id="19" name="Straight Arrow Connector 18">
+            <a:extLst>
+              <a:ext uri="{FF2B5EF4-FFF2-40B4-BE49-F238E27FC236}">
+                <a16:creationId xmlns:a16="http://schemas.microsoft.com/office/drawing/2014/main" id="{71E67E37-E7EC-E42E-329F-630E0B356F67}"/>
+              </a:ext>
+            </a:extLst>
+          </p:cNvPr>
+          <p:cNvCxnSpPr>
+            <a:cxnSpLocks/>
+            <a:stCxn id="2" idx="4"/>
+            <a:endCxn id="3" idx="0"/>
+          </p:cNvCxnSpPr>
+          <p:nvPr/>
+        </p:nvCxnSpPr>
+        <p:spPr>
+          <a:xfrm>
+            <a:off x="5461090" y="872489"/>
+            <a:ext cx="0" cy="387511"/>
+          </a:xfrm>
+          <a:prstGeom prst="straightConnector1">
+            <a:avLst/>
+          </a:prstGeom>
+          <a:ln>
+            <a:tailEnd type="triangle"/>
+          </a:ln>
+        </p:spPr>
+        <p:style>
+          <a:lnRef idx="1">
+            <a:schemeClr val="accent4"/>
+          </a:lnRef>
+          <a:fillRef idx="0">
+            <a:schemeClr val="accent4"/>
+          </a:fillRef>
+          <a:effectRef idx="0">
+            <a:schemeClr val="accent4"/>
+          </a:effectRef>
+          <a:fontRef idx="minor">
+            <a:schemeClr val="tx1"/>
+          </a:fontRef>
+        </p:style>
+      </p:cxnSp>
+      <p:cxnSp>
+        <p:nvCxnSpPr>
+          <p:cNvPr id="26" name="Straight Connector 25">
+            <a:extLst>
+              <a:ext uri="{FF2B5EF4-FFF2-40B4-BE49-F238E27FC236}">
+                <a16:creationId xmlns:a16="http://schemas.microsoft.com/office/drawing/2014/main" id="{68C3ABA8-DD3B-5A58-B739-758591EE17F3}"/>
+              </a:ext>
+            </a:extLst>
+          </p:cNvPr>
+          <p:cNvCxnSpPr>
+            <a:cxnSpLocks/>
+            <a:stCxn id="3" idx="2"/>
+          </p:cNvCxnSpPr>
+          <p:nvPr/>
+        </p:nvCxnSpPr>
+        <p:spPr>
+          <a:xfrm>
+            <a:off x="5461090" y="1828800"/>
+            <a:ext cx="0" cy="165463"/>
+          </a:xfrm>
+          <a:prstGeom prst="line">
+            <a:avLst/>
+          </a:prstGeom>
+        </p:spPr>
+        <p:style>
+          <a:lnRef idx="1">
+            <a:schemeClr val="accent1"/>
+          </a:lnRef>
+          <a:fillRef idx="0">
+            <a:schemeClr val="accent1"/>
+          </a:fillRef>
+          <a:effectRef idx="0">
+            <a:schemeClr val="accent1"/>
+          </a:effectRef>
+          <a:fontRef idx="minor">
+            <a:schemeClr val="tx1"/>
+          </a:fontRef>
+        </p:style>
+      </p:cxnSp>
+      <p:cxnSp>
+        <p:nvCxnSpPr>
+          <p:cNvPr id="29" name="Straight Connector 28">
+            <a:extLst>
+              <a:ext uri="{FF2B5EF4-FFF2-40B4-BE49-F238E27FC236}">
+                <a16:creationId xmlns:a16="http://schemas.microsoft.com/office/drawing/2014/main" id="{6BB71CF4-DA42-CD01-699D-CC9559D20B7A}"/>
+              </a:ext>
+            </a:extLst>
+          </p:cNvPr>
+          <p:cNvCxnSpPr>
+            <a:cxnSpLocks/>
+          </p:cNvCxnSpPr>
+          <p:nvPr/>
+        </p:nvCxnSpPr>
+        <p:spPr>
+          <a:xfrm>
+            <a:off x="2264574" y="1994263"/>
+            <a:ext cx="3360209" cy="0"/>
+          </a:xfrm>
+          <a:prstGeom prst="line">
+            <a:avLst/>
+          </a:prstGeom>
+        </p:spPr>
+        <p:style>
+          <a:lnRef idx="1">
+            <a:schemeClr val="accent1"/>
+          </a:lnRef>
+          <a:fillRef idx="0">
+            <a:schemeClr val="accent1"/>
+          </a:fillRef>
+          <a:effectRef idx="0">
+            <a:schemeClr val="accent1"/>
+          </a:effectRef>
+          <a:fontRef idx="minor">
+            <a:schemeClr val="tx1"/>
+          </a:fontRef>
+        </p:style>
+      </p:cxnSp>
+      <p:cxnSp>
+        <p:nvCxnSpPr>
+          <p:cNvPr id="35" name="Straight Arrow Connector 34">
+            <a:extLst>
+              <a:ext uri="{FF2B5EF4-FFF2-40B4-BE49-F238E27FC236}">
+                <a16:creationId xmlns:a16="http://schemas.microsoft.com/office/drawing/2014/main" id="{F65ADC27-FF95-3970-10DB-CD666DC68070}"/>
+              </a:ext>
+            </a:extLst>
+          </p:cNvPr>
+          <p:cNvCxnSpPr>
+            <a:cxnSpLocks/>
+            <a:endCxn id="5" idx="0"/>
+          </p:cNvCxnSpPr>
+          <p:nvPr/>
+        </p:nvCxnSpPr>
+        <p:spPr>
+          <a:xfrm>
+            <a:off x="2264574" y="1994263"/>
+            <a:ext cx="0" cy="207374"/>
+          </a:xfrm>
+          <a:prstGeom prst="straightConnector1">
+            <a:avLst/>
+          </a:prstGeom>
+          <a:ln>
+            <a:tailEnd type="triangle"/>
+          </a:ln>
+        </p:spPr>
+        <p:style>
+          <a:lnRef idx="1">
+            <a:schemeClr val="accent1"/>
+          </a:lnRef>
+          <a:fillRef idx="0">
+            <a:schemeClr val="accent1"/>
+          </a:fillRef>
+          <a:effectRef idx="0">
+            <a:schemeClr val="accent1"/>
+          </a:effectRef>
+          <a:fontRef idx="minor">
+            <a:schemeClr val="tx1"/>
+          </a:fontRef>
+        </p:style>
+      </p:cxnSp>
+      <p:cxnSp>
+        <p:nvCxnSpPr>
+          <p:cNvPr id="45" name="Straight Arrow Connector 44">
+            <a:extLst>
+              <a:ext uri="{FF2B5EF4-FFF2-40B4-BE49-F238E27FC236}">
+                <a16:creationId xmlns:a16="http://schemas.microsoft.com/office/drawing/2014/main" id="{AA7B266C-1334-8468-E96F-6E68DEBA1F19}"/>
+              </a:ext>
+            </a:extLst>
+          </p:cNvPr>
+          <p:cNvCxnSpPr>
+            <a:cxnSpLocks/>
+            <a:endCxn id="6" idx="0"/>
+          </p:cNvCxnSpPr>
+          <p:nvPr/>
+        </p:nvCxnSpPr>
+        <p:spPr>
+          <a:xfrm>
+            <a:off x="5624783" y="1994263"/>
+            <a:ext cx="0" cy="207374"/>
+          </a:xfrm>
+          <a:prstGeom prst="straightConnector1">
+            <a:avLst/>
+          </a:prstGeom>
+          <a:ln>
+            <a:tailEnd type="triangle"/>
+          </a:ln>
+        </p:spPr>
+        <p:style>
+          <a:lnRef idx="1">
+            <a:schemeClr val="accent1"/>
+          </a:lnRef>
+          <a:fillRef idx="0">
+            <a:schemeClr val="accent1"/>
+          </a:fillRef>
+          <a:effectRef idx="0">
+            <a:schemeClr val="accent1"/>
+          </a:effectRef>
+          <a:fontRef idx="minor">
+            <a:schemeClr val="tx1"/>
+          </a:fontRef>
+        </p:style>
+      </p:cxnSp>
+      <p:cxnSp>
+        <p:nvCxnSpPr>
+          <p:cNvPr id="48" name="Straight Connector 47">
+            <a:extLst>
+              <a:ext uri="{FF2B5EF4-FFF2-40B4-BE49-F238E27FC236}">
+                <a16:creationId xmlns:a16="http://schemas.microsoft.com/office/drawing/2014/main" id="{123510B8-6165-4C73-9C91-0EF08452381F}"/>
+              </a:ext>
+            </a:extLst>
+          </p:cNvPr>
+          <p:cNvCxnSpPr>
+            <a:cxnSpLocks/>
+            <a:stCxn id="5" idx="2"/>
+          </p:cNvCxnSpPr>
+          <p:nvPr/>
+        </p:nvCxnSpPr>
+        <p:spPr>
+          <a:xfrm>
+            <a:off x="2264574" y="2785111"/>
+            <a:ext cx="0" cy="607692"/>
+          </a:xfrm>
+          <a:prstGeom prst="line">
+            <a:avLst/>
+          </a:prstGeom>
+        </p:spPr>
+        <p:style>
+          <a:lnRef idx="1">
+            <a:schemeClr val="accent1"/>
+          </a:lnRef>
+          <a:fillRef idx="0">
+            <a:schemeClr val="accent1"/>
+          </a:fillRef>
+          <a:effectRef idx="0">
+            <a:schemeClr val="accent1"/>
+          </a:effectRef>
+          <a:fontRef idx="minor">
+            <a:schemeClr val="tx1"/>
+          </a:fontRef>
+        </p:style>
+      </p:cxnSp>
+      <p:cxnSp>
+        <p:nvCxnSpPr>
+          <p:cNvPr id="53" name="Straight Connector 52">
+            <a:extLst>
+              <a:ext uri="{FF2B5EF4-FFF2-40B4-BE49-F238E27FC236}">
+                <a16:creationId xmlns:a16="http://schemas.microsoft.com/office/drawing/2014/main" id="{385CEC61-7101-0378-4C83-F4E30233393F}"/>
+              </a:ext>
+            </a:extLst>
+          </p:cNvPr>
+          <p:cNvCxnSpPr>
+            <a:cxnSpLocks/>
+          </p:cNvCxnSpPr>
+          <p:nvPr/>
+        </p:nvCxnSpPr>
+        <p:spPr>
+          <a:xfrm>
+            <a:off x="895621" y="3392803"/>
+            <a:ext cx="5462898" cy="0"/>
+          </a:xfrm>
+          <a:prstGeom prst="line">
+            <a:avLst/>
+          </a:prstGeom>
+        </p:spPr>
+        <p:style>
+          <a:lnRef idx="1">
+            <a:schemeClr val="accent1"/>
+          </a:lnRef>
+          <a:fillRef idx="0">
+            <a:schemeClr val="accent1"/>
+          </a:fillRef>
+          <a:effectRef idx="0">
+            <a:schemeClr val="accent1"/>
+          </a:effectRef>
+          <a:fontRef idx="minor">
+            <a:schemeClr val="tx1"/>
+          </a:fontRef>
+        </p:style>
+      </p:cxnSp>
+      <p:grpSp>
+        <p:nvGrpSpPr>
+          <p:cNvPr id="66" name="Group 65">
+            <a:extLst>
+              <a:ext uri="{FF2B5EF4-FFF2-40B4-BE49-F238E27FC236}">
+                <a16:creationId xmlns:a16="http://schemas.microsoft.com/office/drawing/2014/main" id="{1648A0CB-C0C4-14B3-542D-FD6AD9DEEB4F}"/>
+              </a:ext>
+            </a:extLst>
+          </p:cNvPr>
+          <p:cNvGrpSpPr/>
+          <p:nvPr/>
+        </p:nvGrpSpPr>
+        <p:grpSpPr>
+          <a:xfrm>
+            <a:off x="895621" y="3392802"/>
+            <a:ext cx="5462898" cy="348619"/>
+            <a:chOff x="895621" y="3116578"/>
+            <a:chExt cx="5462900" cy="624844"/>
+          </a:xfrm>
+        </p:grpSpPr>
+        <p:cxnSp>
+          <p:nvCxnSpPr>
+            <p:cNvPr id="56" name="Straight Arrow Connector 55">
+              <a:extLst>
+                <a:ext uri="{FF2B5EF4-FFF2-40B4-BE49-F238E27FC236}">
+                  <a16:creationId xmlns:a16="http://schemas.microsoft.com/office/drawing/2014/main" id="{457AFFF6-B749-4E2F-51DF-1CD55936753E}"/>
+                </a:ext>
+              </a:extLst>
+            </p:cNvPr>
+            <p:cNvCxnSpPr>
+              <a:cxnSpLocks/>
+              <a:endCxn id="10" idx="0"/>
+            </p:cNvCxnSpPr>
+            <p:nvPr/>
+          </p:nvCxnSpPr>
+          <p:spPr>
+            <a:xfrm>
+              <a:off x="895621" y="3116578"/>
+              <a:ext cx="2" cy="624844"/>
+            </a:xfrm>
+            <a:prstGeom prst="straightConnector1">
+              <a:avLst/>
+            </a:prstGeom>
+            <a:ln>
+              <a:tailEnd type="triangle"/>
+            </a:ln>
+          </p:spPr>
+          <p:style>
+            <a:lnRef idx="1">
+              <a:schemeClr val="accent1"/>
+            </a:lnRef>
+            <a:fillRef idx="0">
+              <a:schemeClr val="accent1"/>
+            </a:fillRef>
+            <a:effectRef idx="0">
+              <a:schemeClr val="accent1"/>
+            </a:effectRef>
+            <a:fontRef idx="minor">
+              <a:schemeClr val="tx1"/>
+            </a:fontRef>
+          </p:style>
+        </p:cxnSp>
+        <p:cxnSp>
+          <p:nvCxnSpPr>
+            <p:cNvPr id="58" name="Straight Arrow Connector 57">
+              <a:extLst>
+                <a:ext uri="{FF2B5EF4-FFF2-40B4-BE49-F238E27FC236}">
+                  <a16:creationId xmlns:a16="http://schemas.microsoft.com/office/drawing/2014/main" id="{C1490FB1-1C94-2BD2-8225-E030D2D1BC4E}"/>
+                </a:ext>
+              </a:extLst>
+            </p:cNvPr>
+            <p:cNvCxnSpPr>
+              <a:cxnSpLocks/>
+            </p:cNvCxnSpPr>
+            <p:nvPr/>
+          </p:nvCxnSpPr>
+          <p:spPr>
+            <a:xfrm>
+              <a:off x="2718298" y="3116578"/>
+              <a:ext cx="2" cy="624844"/>
+            </a:xfrm>
+            <a:prstGeom prst="straightConnector1">
+              <a:avLst/>
+            </a:prstGeom>
+            <a:ln>
+              <a:tailEnd type="triangle"/>
+            </a:ln>
+          </p:spPr>
+          <p:style>
+            <a:lnRef idx="1">
+              <a:schemeClr val="accent1"/>
+            </a:lnRef>
+            <a:fillRef idx="0">
+              <a:schemeClr val="accent1"/>
+            </a:fillRef>
+            <a:effectRef idx="0">
+              <a:schemeClr val="accent1"/>
+            </a:effectRef>
+            <a:fontRef idx="minor">
+              <a:schemeClr val="tx1"/>
+            </a:fontRef>
+          </p:style>
+        </p:cxnSp>
+        <p:cxnSp>
+          <p:nvCxnSpPr>
+            <p:cNvPr id="59" name="Straight Arrow Connector 58">
+              <a:extLst>
+                <a:ext uri="{FF2B5EF4-FFF2-40B4-BE49-F238E27FC236}">
+                  <a16:creationId xmlns:a16="http://schemas.microsoft.com/office/drawing/2014/main" id="{E1301399-3EFD-1B38-A20E-3FE21616A56C}"/>
+                </a:ext>
+              </a:extLst>
+            </p:cNvPr>
+            <p:cNvCxnSpPr>
+              <a:cxnSpLocks/>
+            </p:cNvCxnSpPr>
+            <p:nvPr/>
+          </p:nvCxnSpPr>
+          <p:spPr>
+            <a:xfrm>
+              <a:off x="4540973" y="3116578"/>
+              <a:ext cx="2" cy="624844"/>
+            </a:xfrm>
+            <a:prstGeom prst="straightConnector1">
+              <a:avLst/>
+            </a:prstGeom>
+            <a:ln>
+              <a:tailEnd type="triangle"/>
+            </a:ln>
+          </p:spPr>
+          <p:style>
+            <a:lnRef idx="1">
+              <a:schemeClr val="accent1"/>
+            </a:lnRef>
+            <a:fillRef idx="0">
+              <a:schemeClr val="accent1"/>
+            </a:fillRef>
+            <a:effectRef idx="0">
+              <a:schemeClr val="accent1"/>
+            </a:effectRef>
+            <a:fontRef idx="minor">
+              <a:schemeClr val="tx1"/>
+            </a:fontRef>
+          </p:style>
+        </p:cxnSp>
+        <p:cxnSp>
+          <p:nvCxnSpPr>
+            <p:cNvPr id="60" name="Straight Arrow Connector 59">
+              <a:extLst>
+                <a:ext uri="{FF2B5EF4-FFF2-40B4-BE49-F238E27FC236}">
+                  <a16:creationId xmlns:a16="http://schemas.microsoft.com/office/drawing/2014/main" id="{FA06B3F4-6EE4-0466-95F6-CA488D0E2622}"/>
+                </a:ext>
+              </a:extLst>
+            </p:cNvPr>
+            <p:cNvCxnSpPr>
+              <a:cxnSpLocks/>
+            </p:cNvCxnSpPr>
+            <p:nvPr/>
+          </p:nvCxnSpPr>
+          <p:spPr>
+            <a:xfrm>
+              <a:off x="6358519" y="3116578"/>
+              <a:ext cx="2" cy="624844"/>
+            </a:xfrm>
+            <a:prstGeom prst="straightConnector1">
+              <a:avLst/>
+            </a:prstGeom>
+            <a:ln>
+              <a:tailEnd type="triangle"/>
+            </a:ln>
+          </p:spPr>
+          <p:style>
+            <a:lnRef idx="1">
+              <a:schemeClr val="accent1"/>
+            </a:lnRef>
+            <a:fillRef idx="0">
+              <a:schemeClr val="accent1"/>
+            </a:fillRef>
+            <a:effectRef idx="0">
+              <a:schemeClr val="accent1"/>
+            </a:effectRef>
+            <a:fontRef idx="minor">
+              <a:schemeClr val="tx1"/>
+            </a:fontRef>
+          </p:style>
+        </p:cxnSp>
+      </p:grpSp>
+      <p:cxnSp>
+        <p:nvCxnSpPr>
+          <p:cNvPr id="67" name="Straight Connector 66">
+            <a:extLst>
+              <a:ext uri="{FF2B5EF4-FFF2-40B4-BE49-F238E27FC236}">
+                <a16:creationId xmlns:a16="http://schemas.microsoft.com/office/drawing/2014/main" id="{7E77F946-B7F6-105A-8B64-194B5B32A489}"/>
+              </a:ext>
+            </a:extLst>
+          </p:cNvPr>
+          <p:cNvCxnSpPr>
+            <a:cxnSpLocks/>
+          </p:cNvCxnSpPr>
+          <p:nvPr/>
+        </p:nvCxnSpPr>
+        <p:spPr>
+          <a:xfrm>
+            <a:off x="5584307" y="2785111"/>
+            <a:ext cx="0" cy="281939"/>
+          </a:xfrm>
+          <a:prstGeom prst="line">
+            <a:avLst/>
+          </a:prstGeom>
+        </p:spPr>
+        <p:style>
+          <a:lnRef idx="1">
+            <a:schemeClr val="accent1"/>
+          </a:lnRef>
+          <a:fillRef idx="0">
+            <a:schemeClr val="accent1"/>
+          </a:fillRef>
+          <a:effectRef idx="0">
+            <a:schemeClr val="accent1"/>
+          </a:effectRef>
+          <a:fontRef idx="minor">
+            <a:schemeClr val="tx1"/>
+          </a:fontRef>
+        </p:style>
+      </p:cxnSp>
+      <p:cxnSp>
+        <p:nvCxnSpPr>
+          <p:cNvPr id="74" name="Straight Arrow Connector 73">
+            <a:extLst>
+              <a:ext uri="{FF2B5EF4-FFF2-40B4-BE49-F238E27FC236}">
+                <a16:creationId xmlns:a16="http://schemas.microsoft.com/office/drawing/2014/main" id="{4362E24E-B36C-FA2D-ADDE-80EFA2313746}"/>
+              </a:ext>
+            </a:extLst>
+          </p:cNvPr>
+          <p:cNvCxnSpPr>
+            <a:cxnSpLocks/>
+            <a:endCxn id="16" idx="0"/>
+          </p:cNvCxnSpPr>
+          <p:nvPr/>
+        </p:nvCxnSpPr>
+        <p:spPr>
+          <a:xfrm>
+            <a:off x="895619" y="4329112"/>
+            <a:ext cx="3" cy="491081"/>
+          </a:xfrm>
+          <a:prstGeom prst="straightConnector1">
+            <a:avLst/>
+          </a:prstGeom>
+          <a:ln>
+            <a:tailEnd type="triangle"/>
+          </a:ln>
+        </p:spPr>
+        <p:style>
+          <a:lnRef idx="1">
+            <a:schemeClr val="accent1"/>
+          </a:lnRef>
+          <a:fillRef idx="0">
+            <a:schemeClr val="accent1"/>
+          </a:fillRef>
+          <a:effectRef idx="0">
+            <a:schemeClr val="accent1"/>
+          </a:effectRef>
+          <a:fontRef idx="minor">
+            <a:schemeClr val="tx1"/>
+          </a:fontRef>
+        </p:style>
+      </p:cxnSp>
+      <p:cxnSp>
+        <p:nvCxnSpPr>
+          <p:cNvPr id="76" name="Straight Arrow Connector 75">
+            <a:extLst>
+              <a:ext uri="{FF2B5EF4-FFF2-40B4-BE49-F238E27FC236}">
+                <a16:creationId xmlns:a16="http://schemas.microsoft.com/office/drawing/2014/main" id="{E9EB579D-68E1-ADED-82CC-F1C6DFEE3E31}"/>
+              </a:ext>
+            </a:extLst>
+          </p:cNvPr>
+          <p:cNvCxnSpPr>
+            <a:cxnSpLocks/>
+            <a:endCxn id="17" idx="0"/>
+          </p:cNvCxnSpPr>
+          <p:nvPr/>
+        </p:nvCxnSpPr>
+        <p:spPr>
+          <a:xfrm>
+            <a:off x="895616" y="5177245"/>
+            <a:ext cx="6" cy="316771"/>
+          </a:xfrm>
+          <a:prstGeom prst="straightConnector1">
+            <a:avLst/>
+          </a:prstGeom>
+          <a:ln>
+            <a:tailEnd type="triangle"/>
+          </a:ln>
+        </p:spPr>
+        <p:style>
+          <a:lnRef idx="1">
+            <a:schemeClr val="accent1"/>
+          </a:lnRef>
+          <a:fillRef idx="0">
+            <a:schemeClr val="accent1"/>
+          </a:fillRef>
+          <a:effectRef idx="0">
+            <a:schemeClr val="accent1"/>
+          </a:effectRef>
+          <a:fontRef idx="minor">
+            <a:schemeClr val="tx1"/>
+          </a:fontRef>
+        </p:style>
+      </p:cxnSp>
+      <p:cxnSp>
+        <p:nvCxnSpPr>
+          <p:cNvPr id="101" name="Straight Connector 100">
+            <a:extLst>
+              <a:ext uri="{FF2B5EF4-FFF2-40B4-BE49-F238E27FC236}">
+                <a16:creationId xmlns:a16="http://schemas.microsoft.com/office/drawing/2014/main" id="{1DB775D4-5C8A-98FF-3257-72BA1C959FAC}"/>
+              </a:ext>
+            </a:extLst>
+          </p:cNvPr>
+          <p:cNvCxnSpPr>
+            <a:cxnSpLocks/>
+          </p:cNvCxnSpPr>
+          <p:nvPr/>
+        </p:nvCxnSpPr>
+        <p:spPr>
+          <a:xfrm>
+            <a:off x="5584307" y="3071019"/>
+            <a:ext cx="2946962" cy="0"/>
+          </a:xfrm>
+          <a:prstGeom prst="line">
+            <a:avLst/>
+          </a:prstGeom>
+        </p:spPr>
+        <p:style>
+          <a:lnRef idx="1">
+            <a:schemeClr val="accent1"/>
+          </a:lnRef>
+          <a:fillRef idx="0">
+            <a:schemeClr val="accent1"/>
+          </a:fillRef>
+          <a:effectRef idx="0">
+            <a:schemeClr val="accent1"/>
+          </a:effectRef>
+          <a:fontRef idx="minor">
+            <a:schemeClr val="tx1"/>
+          </a:fontRef>
+        </p:style>
+      </p:cxnSp>
+      <p:cxnSp>
+        <p:nvCxnSpPr>
+          <p:cNvPr id="105" name="Straight Arrow Connector 104">
+            <a:extLst>
+              <a:ext uri="{FF2B5EF4-FFF2-40B4-BE49-F238E27FC236}">
+                <a16:creationId xmlns:a16="http://schemas.microsoft.com/office/drawing/2014/main" id="{E609815F-05AA-3834-D6E4-300E9B8DC7D2}"/>
+              </a:ext>
+            </a:extLst>
+          </p:cNvPr>
+          <p:cNvCxnSpPr>
+            <a:cxnSpLocks/>
+          </p:cNvCxnSpPr>
+          <p:nvPr/>
+        </p:nvCxnSpPr>
+        <p:spPr>
+          <a:xfrm>
+            <a:off x="8531269" y="3073400"/>
+            <a:ext cx="0" cy="3790950"/>
+          </a:xfrm>
+          <a:prstGeom prst="straightConnector1">
+            <a:avLst/>
+          </a:prstGeom>
+          <a:ln>
+            <a:tailEnd type="triangle"/>
+          </a:ln>
+        </p:spPr>
+        <p:style>
+          <a:lnRef idx="1">
+            <a:schemeClr val="accent1"/>
+          </a:lnRef>
+          <a:fillRef idx="0">
+            <a:schemeClr val="accent1"/>
+          </a:fillRef>
+          <a:effectRef idx="0">
+            <a:schemeClr val="accent1"/>
+          </a:effectRef>
+          <a:fontRef idx="minor">
+            <a:schemeClr val="tx1"/>
+          </a:fontRef>
+        </p:style>
+      </p:cxnSp>
+      <p:sp>
+        <p:nvSpPr>
+          <p:cNvPr id="109" name="Oval 108">
+            <a:extLst>
+              <a:ext uri="{FF2B5EF4-FFF2-40B4-BE49-F238E27FC236}">
+                <a16:creationId xmlns:a16="http://schemas.microsoft.com/office/drawing/2014/main" id="{A31D0DD5-6071-F473-ED86-EBE291DA59D9}"/>
+              </a:ext>
+            </a:extLst>
+          </p:cNvPr>
+          <p:cNvSpPr/>
+          <p:nvPr/>
+        </p:nvSpPr>
+        <p:spPr>
+          <a:xfrm>
+            <a:off x="8984993" y="6383383"/>
+            <a:ext cx="2257770" cy="374468"/>
+          </a:xfrm>
+          <a:prstGeom prst="ellipse">
+            <a:avLst/>
+          </a:prstGeom>
+        </p:spPr>
+        <p:style>
+          <a:lnRef idx="2">
+            <a:schemeClr val="accent1">
+              <a:shade val="15000"/>
+            </a:schemeClr>
+          </a:lnRef>
+          <a:fillRef idx="1">
+            <a:schemeClr val="accent1"/>
+          </a:fillRef>
+          <a:effectRef idx="0">
+            <a:schemeClr val="accent1"/>
+          </a:effectRef>
+          <a:fontRef idx="minor">
+            <a:schemeClr val="lt1"/>
+          </a:fontRef>
+        </p:style>
+        <p:txBody>
+          <a:bodyPr rtlCol="0" anchor="ctr"/>
+          <a:lstStyle/>
+          <a:p>
+            <a:pPr algn="ctr"/>
+            <a:r>
+              <a:rPr lang="en-US" dirty="0"/>
+              <a:t>Continue</a:t>
+            </a:r>
+          </a:p>
+        </p:txBody>
+      </p:sp>
+      <p:sp>
+        <p:nvSpPr>
+          <p:cNvPr id="110" name="Rectangle 109">
+            <a:extLst>
+              <a:ext uri="{FF2B5EF4-FFF2-40B4-BE49-F238E27FC236}">
+                <a16:creationId xmlns:a16="http://schemas.microsoft.com/office/drawing/2014/main" id="{701E3900-339B-3A36-43C9-DB04FD598779}"/>
+              </a:ext>
+            </a:extLst>
+          </p:cNvPr>
+          <p:cNvSpPr/>
+          <p:nvPr/>
+        </p:nvSpPr>
+        <p:spPr>
+          <a:xfrm>
+            <a:off x="2177136" y="4820193"/>
+            <a:ext cx="1009378" cy="357052"/>
+          </a:xfrm>
+          <a:prstGeom prst="rect">
+            <a:avLst/>
+          </a:prstGeom>
+        </p:spPr>
+        <p:style>
+          <a:lnRef idx="2">
+            <a:schemeClr val="accent1">
+              <a:shade val="15000"/>
+            </a:schemeClr>
+          </a:lnRef>
+          <a:fillRef idx="1">
+            <a:schemeClr val="accent1"/>
+          </a:fillRef>
+          <a:effectRef idx="0">
+            <a:schemeClr val="accent1"/>
+          </a:effectRef>
+          <a:fontRef idx="minor">
+            <a:schemeClr val="lt1"/>
+          </a:fontRef>
+        </p:style>
+        <p:txBody>
+          <a:bodyPr rtlCol="0" anchor="ctr"/>
+          <a:lstStyle/>
+          <a:p>
+            <a:pPr algn="ctr"/>
+            <a:r>
+              <a:rPr lang="en-US" sz="1400" dirty="0"/>
+              <a:t>Scan Asset</a:t>
+            </a:r>
+            <a:br>
+              <a:rPr lang="en-US" sz="1400" dirty="0"/>
+            </a:br>
+            <a:r>
+              <a:rPr lang="en-US" sz="1000" dirty="0"/>
+              <a:t>(button)</a:t>
+            </a:r>
+          </a:p>
+        </p:txBody>
+      </p:sp>
+      <p:sp>
+        <p:nvSpPr>
+          <p:cNvPr id="111" name="Rectangle 110">
+            <a:extLst>
+              <a:ext uri="{FF2B5EF4-FFF2-40B4-BE49-F238E27FC236}">
+                <a16:creationId xmlns:a16="http://schemas.microsoft.com/office/drawing/2014/main" id="{C7A71433-A1E2-F1D0-1E69-44A3A6289C30}"/>
+              </a:ext>
+            </a:extLst>
+          </p:cNvPr>
+          <p:cNvSpPr/>
+          <p:nvPr/>
+        </p:nvSpPr>
+        <p:spPr>
+          <a:xfrm>
+            <a:off x="2006434" y="5494016"/>
+            <a:ext cx="1350781" cy="357052"/>
+          </a:xfrm>
+          <a:prstGeom prst="rect">
+            <a:avLst/>
+          </a:prstGeom>
+        </p:spPr>
+        <p:style>
+          <a:lnRef idx="2">
+            <a:schemeClr val="accent1">
+              <a:shade val="15000"/>
+            </a:schemeClr>
+          </a:lnRef>
+          <a:fillRef idx="1">
+            <a:schemeClr val="accent1"/>
+          </a:fillRef>
+          <a:effectRef idx="0">
+            <a:schemeClr val="accent1"/>
+          </a:effectRef>
+          <a:fontRef idx="minor">
+            <a:schemeClr val="lt1"/>
+          </a:fontRef>
+        </p:style>
+        <p:txBody>
+          <a:bodyPr rtlCol="0" anchor="ctr"/>
+          <a:lstStyle/>
+          <a:p>
+            <a:pPr algn="ctr"/>
+            <a:r>
+              <a:rPr lang="en-US" sz="1400" dirty="0"/>
+              <a:t>Scan Location</a:t>
+            </a:r>
+            <a:br>
+              <a:rPr lang="en-US" sz="1400" dirty="0"/>
+            </a:br>
+            <a:r>
+              <a:rPr lang="en-US" sz="1000" dirty="0"/>
+              <a:t>(button)</a:t>
+            </a:r>
+          </a:p>
+        </p:txBody>
+      </p:sp>
+      <p:cxnSp>
+        <p:nvCxnSpPr>
+          <p:cNvPr id="112" name="Straight Arrow Connector 111">
+            <a:extLst>
+              <a:ext uri="{FF2B5EF4-FFF2-40B4-BE49-F238E27FC236}">
+                <a16:creationId xmlns:a16="http://schemas.microsoft.com/office/drawing/2014/main" id="{E5AF051C-AF2F-76E9-B95D-18969B043590}"/>
+              </a:ext>
+            </a:extLst>
+          </p:cNvPr>
+          <p:cNvCxnSpPr>
+            <a:cxnSpLocks/>
+            <a:endCxn id="110" idx="0"/>
+          </p:cNvCxnSpPr>
+          <p:nvPr/>
+        </p:nvCxnSpPr>
+        <p:spPr>
+          <a:xfrm>
+            <a:off x="2681822" y="4329112"/>
+            <a:ext cx="3" cy="491081"/>
+          </a:xfrm>
+          <a:prstGeom prst="straightConnector1">
+            <a:avLst/>
+          </a:prstGeom>
+          <a:ln>
+            <a:tailEnd type="triangle"/>
+          </a:ln>
+        </p:spPr>
+        <p:style>
+          <a:lnRef idx="1">
+            <a:schemeClr val="accent1"/>
+          </a:lnRef>
+          <a:fillRef idx="0">
+            <a:schemeClr val="accent1"/>
+          </a:fillRef>
+          <a:effectRef idx="0">
+            <a:schemeClr val="accent1"/>
+          </a:effectRef>
+          <a:fontRef idx="minor">
+            <a:schemeClr val="tx1"/>
+          </a:fontRef>
+        </p:style>
+      </p:cxnSp>
+      <p:cxnSp>
+        <p:nvCxnSpPr>
+          <p:cNvPr id="113" name="Straight Arrow Connector 112">
+            <a:extLst>
+              <a:ext uri="{FF2B5EF4-FFF2-40B4-BE49-F238E27FC236}">
+                <a16:creationId xmlns:a16="http://schemas.microsoft.com/office/drawing/2014/main" id="{46166135-0108-0FB9-188F-C17BC312229F}"/>
+              </a:ext>
+            </a:extLst>
+          </p:cNvPr>
+          <p:cNvCxnSpPr>
+            <a:cxnSpLocks/>
+            <a:endCxn id="111" idx="0"/>
+          </p:cNvCxnSpPr>
+          <p:nvPr/>
+        </p:nvCxnSpPr>
+        <p:spPr>
+          <a:xfrm>
+            <a:off x="2681819" y="5177245"/>
+            <a:ext cx="6" cy="316771"/>
+          </a:xfrm>
+          <a:prstGeom prst="straightConnector1">
+            <a:avLst/>
+          </a:prstGeom>
+          <a:ln>
+            <a:tailEnd type="triangle"/>
+          </a:ln>
+        </p:spPr>
+        <p:style>
+          <a:lnRef idx="1">
+            <a:schemeClr val="accent1"/>
+          </a:lnRef>
+          <a:fillRef idx="0">
+            <a:schemeClr val="accent1"/>
+          </a:fillRef>
+          <a:effectRef idx="0">
+            <a:schemeClr val="accent1"/>
+          </a:effectRef>
+          <a:fontRef idx="minor">
+            <a:schemeClr val="tx1"/>
+          </a:fontRef>
+        </p:style>
+      </p:cxnSp>
+      <p:sp>
+        <p:nvSpPr>
+          <p:cNvPr id="114" name="Rectangle 113">
+            <a:extLst>
+              <a:ext uri="{FF2B5EF4-FFF2-40B4-BE49-F238E27FC236}">
+                <a16:creationId xmlns:a16="http://schemas.microsoft.com/office/drawing/2014/main" id="{CCC2356D-AF07-C538-3E81-D05663F3CFD2}"/>
+              </a:ext>
+            </a:extLst>
+          </p:cNvPr>
+          <p:cNvSpPr/>
+          <p:nvPr/>
+        </p:nvSpPr>
+        <p:spPr>
+          <a:xfrm>
+            <a:off x="4007075" y="4815977"/>
+            <a:ext cx="1009378" cy="357052"/>
+          </a:xfrm>
+          <a:prstGeom prst="rect">
+            <a:avLst/>
+          </a:prstGeom>
+        </p:spPr>
+        <p:style>
+          <a:lnRef idx="2">
+            <a:schemeClr val="accent1">
+              <a:shade val="15000"/>
+            </a:schemeClr>
+          </a:lnRef>
+          <a:fillRef idx="1">
+            <a:schemeClr val="accent1"/>
+          </a:fillRef>
+          <a:effectRef idx="0">
+            <a:schemeClr val="accent1"/>
+          </a:effectRef>
+          <a:fontRef idx="minor">
+            <a:schemeClr val="lt1"/>
+          </a:fontRef>
+        </p:style>
+        <p:txBody>
+          <a:bodyPr rtlCol="0" anchor="ctr"/>
+          <a:lstStyle/>
+          <a:p>
+            <a:pPr algn="ctr"/>
+            <a:r>
+              <a:rPr lang="en-US" sz="1400" dirty="0"/>
+              <a:t>Scan Asset</a:t>
+            </a:r>
+            <a:br>
+              <a:rPr lang="en-US" sz="1400" dirty="0"/>
+            </a:br>
+            <a:r>
+              <a:rPr lang="en-US" sz="1000" dirty="0"/>
+              <a:t>(button)</a:t>
+            </a:r>
+          </a:p>
+        </p:txBody>
+      </p:sp>
+      <p:sp>
+        <p:nvSpPr>
+          <p:cNvPr id="115" name="Rectangle 114">
+            <a:extLst>
+              <a:ext uri="{FF2B5EF4-FFF2-40B4-BE49-F238E27FC236}">
+                <a16:creationId xmlns:a16="http://schemas.microsoft.com/office/drawing/2014/main" id="{2E22D61D-7670-04BF-0376-FE370FFC28E3}"/>
+              </a:ext>
+            </a:extLst>
+          </p:cNvPr>
+          <p:cNvSpPr/>
+          <p:nvPr/>
+        </p:nvSpPr>
+        <p:spPr>
+          <a:xfrm>
+            <a:off x="3836373" y="5489800"/>
+            <a:ext cx="1350781" cy="357052"/>
+          </a:xfrm>
+          <a:prstGeom prst="rect">
+            <a:avLst/>
+          </a:prstGeom>
+        </p:spPr>
+        <p:style>
+          <a:lnRef idx="2">
+            <a:schemeClr val="accent1">
+              <a:shade val="15000"/>
+            </a:schemeClr>
+          </a:lnRef>
+          <a:fillRef idx="1">
+            <a:schemeClr val="accent1"/>
+          </a:fillRef>
+          <a:effectRef idx="0">
+            <a:schemeClr val="accent1"/>
+          </a:effectRef>
+          <a:fontRef idx="minor">
+            <a:schemeClr val="lt1"/>
+          </a:fontRef>
+        </p:style>
+        <p:txBody>
+          <a:bodyPr rtlCol="0" anchor="ctr"/>
+          <a:lstStyle/>
+          <a:p>
+            <a:pPr algn="ctr"/>
+            <a:r>
+              <a:rPr lang="en-US" sz="1400" dirty="0"/>
+              <a:t>Scan Location</a:t>
+            </a:r>
+            <a:br>
+              <a:rPr lang="en-US" sz="1400" dirty="0"/>
+            </a:br>
+            <a:r>
+              <a:rPr lang="en-US" sz="1000" dirty="0"/>
+              <a:t>(button)</a:t>
+            </a:r>
+          </a:p>
+        </p:txBody>
+      </p:sp>
+      <p:cxnSp>
+        <p:nvCxnSpPr>
+          <p:cNvPr id="116" name="Straight Arrow Connector 115">
+            <a:extLst>
+              <a:ext uri="{FF2B5EF4-FFF2-40B4-BE49-F238E27FC236}">
+                <a16:creationId xmlns:a16="http://schemas.microsoft.com/office/drawing/2014/main" id="{3ECA6E4C-8D6A-124F-DA5A-D358ECF428FC}"/>
+              </a:ext>
+            </a:extLst>
+          </p:cNvPr>
+          <p:cNvCxnSpPr>
+            <a:cxnSpLocks/>
+            <a:endCxn id="114" idx="0"/>
+          </p:cNvCxnSpPr>
+          <p:nvPr/>
+        </p:nvCxnSpPr>
+        <p:spPr>
+          <a:xfrm>
+            <a:off x="4511761" y="4324896"/>
+            <a:ext cx="3" cy="491081"/>
+          </a:xfrm>
+          <a:prstGeom prst="straightConnector1">
+            <a:avLst/>
+          </a:prstGeom>
+          <a:ln>
+            <a:tailEnd type="triangle"/>
+          </a:ln>
+        </p:spPr>
+        <p:style>
+          <a:lnRef idx="1">
+            <a:schemeClr val="accent1"/>
+          </a:lnRef>
+          <a:fillRef idx="0">
+            <a:schemeClr val="accent1"/>
+          </a:fillRef>
+          <a:effectRef idx="0">
+            <a:schemeClr val="accent1"/>
+          </a:effectRef>
+          <a:fontRef idx="minor">
+            <a:schemeClr val="tx1"/>
+          </a:fontRef>
+        </p:style>
+      </p:cxnSp>
+      <p:cxnSp>
+        <p:nvCxnSpPr>
+          <p:cNvPr id="117" name="Straight Arrow Connector 116">
+            <a:extLst>
+              <a:ext uri="{FF2B5EF4-FFF2-40B4-BE49-F238E27FC236}">
+                <a16:creationId xmlns:a16="http://schemas.microsoft.com/office/drawing/2014/main" id="{3CD466C0-A082-E1BF-1840-E95F7CD5F13A}"/>
+              </a:ext>
+            </a:extLst>
+          </p:cNvPr>
+          <p:cNvCxnSpPr>
+            <a:cxnSpLocks/>
+            <a:endCxn id="115" idx="0"/>
+          </p:cNvCxnSpPr>
+          <p:nvPr/>
+        </p:nvCxnSpPr>
+        <p:spPr>
+          <a:xfrm>
+            <a:off x="4511758" y="5173029"/>
+            <a:ext cx="6" cy="316771"/>
+          </a:xfrm>
+          <a:prstGeom prst="straightConnector1">
+            <a:avLst/>
+          </a:prstGeom>
+          <a:ln>
+            <a:tailEnd type="triangle"/>
+          </a:ln>
+        </p:spPr>
+        <p:style>
+          <a:lnRef idx="1">
+            <a:schemeClr val="accent1"/>
+          </a:lnRef>
+          <a:fillRef idx="0">
+            <a:schemeClr val="accent1"/>
+          </a:fillRef>
+          <a:effectRef idx="0">
+            <a:schemeClr val="accent1"/>
+          </a:effectRef>
+          <a:fontRef idx="minor">
+            <a:schemeClr val="tx1"/>
+          </a:fontRef>
+        </p:style>
+      </p:cxnSp>
+      <p:sp>
+        <p:nvSpPr>
+          <p:cNvPr id="118" name="Rectangle 117">
+            <a:extLst>
+              <a:ext uri="{FF2B5EF4-FFF2-40B4-BE49-F238E27FC236}">
+                <a16:creationId xmlns:a16="http://schemas.microsoft.com/office/drawing/2014/main" id="{7E6515D5-94A4-0F33-C023-F56E09877D1B}"/>
+              </a:ext>
+            </a:extLst>
+          </p:cNvPr>
+          <p:cNvSpPr/>
+          <p:nvPr/>
+        </p:nvSpPr>
+        <p:spPr>
+          <a:xfrm>
+            <a:off x="5762349" y="5123118"/>
+            <a:ext cx="1009378" cy="357052"/>
+          </a:xfrm>
+          <a:prstGeom prst="rect">
+            <a:avLst/>
+          </a:prstGeom>
+        </p:spPr>
+        <p:style>
+          <a:lnRef idx="2">
+            <a:schemeClr val="accent1">
+              <a:shade val="15000"/>
+            </a:schemeClr>
+          </a:lnRef>
+          <a:fillRef idx="1">
+            <a:schemeClr val="accent1"/>
+          </a:fillRef>
+          <a:effectRef idx="0">
+            <a:schemeClr val="accent1"/>
+          </a:effectRef>
+          <a:fontRef idx="minor">
+            <a:schemeClr val="lt1"/>
+          </a:fontRef>
+        </p:style>
+        <p:txBody>
+          <a:bodyPr rtlCol="0" anchor="ctr"/>
+          <a:lstStyle/>
+          <a:p>
+            <a:pPr algn="ctr"/>
+            <a:r>
+              <a:rPr lang="en-US" sz="1000" dirty="0"/>
+              <a:t>Create Audit</a:t>
+            </a:r>
+          </a:p>
+        </p:txBody>
+      </p:sp>
+      <p:cxnSp>
+        <p:nvCxnSpPr>
+          <p:cNvPr id="119" name="Straight Arrow Connector 118">
+            <a:extLst>
+              <a:ext uri="{FF2B5EF4-FFF2-40B4-BE49-F238E27FC236}">
+                <a16:creationId xmlns:a16="http://schemas.microsoft.com/office/drawing/2014/main" id="{3BD7A059-6D7E-1742-850C-8F9D85E3806A}"/>
+              </a:ext>
+            </a:extLst>
+          </p:cNvPr>
+          <p:cNvCxnSpPr>
+            <a:cxnSpLocks/>
+            <a:stCxn id="13" idx="2"/>
+          </p:cNvCxnSpPr>
+          <p:nvPr/>
+        </p:nvCxnSpPr>
+        <p:spPr>
+          <a:xfrm>
+            <a:off x="6392905" y="4324896"/>
+            <a:ext cx="0" cy="491081"/>
+          </a:xfrm>
+          <a:prstGeom prst="straightConnector1">
+            <a:avLst/>
+          </a:prstGeom>
+          <a:ln>
+            <a:tailEnd type="triangle"/>
+          </a:ln>
+        </p:spPr>
+        <p:style>
+          <a:lnRef idx="1">
+            <a:schemeClr val="accent1"/>
+          </a:lnRef>
+          <a:fillRef idx="0">
+            <a:schemeClr val="accent1"/>
+          </a:fillRef>
+          <a:effectRef idx="0">
+            <a:schemeClr val="accent1"/>
+          </a:effectRef>
+          <a:fontRef idx="minor">
+            <a:schemeClr val="tx1"/>
+          </a:fontRef>
+        </p:style>
+      </p:cxnSp>
+      <p:cxnSp>
+        <p:nvCxnSpPr>
+          <p:cNvPr id="20" name="Straight Connector 19">
+            <a:extLst>
+              <a:ext uri="{FF2B5EF4-FFF2-40B4-BE49-F238E27FC236}">
+                <a16:creationId xmlns:a16="http://schemas.microsoft.com/office/drawing/2014/main" id="{4A3A343C-51A1-2812-8F0C-B919DE9CF51B}"/>
+              </a:ext>
+            </a:extLst>
+          </p:cNvPr>
+          <p:cNvCxnSpPr>
+            <a:cxnSpLocks/>
+          </p:cNvCxnSpPr>
+          <p:nvPr/>
+        </p:nvCxnSpPr>
+        <p:spPr>
+          <a:xfrm>
+            <a:off x="6262053" y="4815977"/>
+            <a:ext cx="1232300" cy="0"/>
+          </a:xfrm>
+          <a:prstGeom prst="line">
+            <a:avLst/>
+          </a:prstGeom>
+        </p:spPr>
+        <p:style>
+          <a:lnRef idx="1">
+            <a:schemeClr val="accent1"/>
+          </a:lnRef>
+          <a:fillRef idx="0">
+            <a:schemeClr val="accent1"/>
+          </a:fillRef>
+          <a:effectRef idx="0">
+            <a:schemeClr val="accent1"/>
+          </a:effectRef>
+          <a:fontRef idx="minor">
+            <a:schemeClr val="tx1"/>
+          </a:fontRef>
+        </p:style>
+      </p:cxnSp>
+      <p:cxnSp>
+        <p:nvCxnSpPr>
+          <p:cNvPr id="21" name="Straight Arrow Connector 20">
+            <a:extLst>
+              <a:ext uri="{FF2B5EF4-FFF2-40B4-BE49-F238E27FC236}">
+                <a16:creationId xmlns:a16="http://schemas.microsoft.com/office/drawing/2014/main" id="{F02C8714-5ED3-0EDB-F247-BAA1626684C0}"/>
+              </a:ext>
+            </a:extLst>
+          </p:cNvPr>
+          <p:cNvCxnSpPr>
+            <a:cxnSpLocks/>
+            <a:endCxn id="118" idx="0"/>
+          </p:cNvCxnSpPr>
+          <p:nvPr/>
+        </p:nvCxnSpPr>
+        <p:spPr>
+          <a:xfrm>
+            <a:off x="6262053" y="4815977"/>
+            <a:ext cx="4985" cy="307141"/>
+          </a:xfrm>
+          <a:prstGeom prst="straightConnector1">
+            <a:avLst/>
+          </a:prstGeom>
+          <a:ln>
+            <a:tailEnd type="triangle"/>
+          </a:ln>
+        </p:spPr>
+        <p:style>
+          <a:lnRef idx="1">
+            <a:schemeClr val="accent1"/>
+          </a:lnRef>
+          <a:fillRef idx="0">
+            <a:schemeClr val="accent1"/>
+          </a:fillRef>
+          <a:effectRef idx="0">
+            <a:schemeClr val="accent1"/>
+          </a:effectRef>
+          <a:fontRef idx="minor">
+            <a:schemeClr val="tx1"/>
+          </a:fontRef>
+        </p:style>
+      </p:cxnSp>
+      <p:sp>
+        <p:nvSpPr>
+          <p:cNvPr id="24" name="Rectangle 23">
+            <a:extLst>
+              <a:ext uri="{FF2B5EF4-FFF2-40B4-BE49-F238E27FC236}">
+                <a16:creationId xmlns:a16="http://schemas.microsoft.com/office/drawing/2014/main" id="{834BD7C5-2DAC-3B3B-5560-A6B51CAF2A91}"/>
+              </a:ext>
+            </a:extLst>
+          </p:cNvPr>
+          <p:cNvSpPr/>
+          <p:nvPr/>
+        </p:nvSpPr>
+        <p:spPr>
+          <a:xfrm>
+            <a:off x="6992370" y="5128533"/>
+            <a:ext cx="1009378" cy="357052"/>
+          </a:xfrm>
+          <a:prstGeom prst="rect">
+            <a:avLst/>
+          </a:prstGeom>
+        </p:spPr>
+        <p:style>
+          <a:lnRef idx="2">
+            <a:schemeClr val="accent1">
+              <a:shade val="15000"/>
+            </a:schemeClr>
+          </a:lnRef>
+          <a:fillRef idx="1">
+            <a:schemeClr val="accent1"/>
+          </a:fillRef>
+          <a:effectRef idx="0">
+            <a:schemeClr val="accent1"/>
+          </a:effectRef>
+          <a:fontRef idx="minor">
+            <a:schemeClr val="lt1"/>
+          </a:fontRef>
+        </p:style>
+        <p:txBody>
+          <a:bodyPr rtlCol="0" anchor="ctr"/>
+          <a:lstStyle/>
+          <a:p>
+            <a:pPr algn="ctr"/>
+            <a:r>
+              <a:rPr lang="en-US" sz="1000" dirty="0"/>
+              <a:t>Audit Report</a:t>
+            </a:r>
+          </a:p>
+        </p:txBody>
+      </p:sp>
+      <p:cxnSp>
+        <p:nvCxnSpPr>
+          <p:cNvPr id="25" name="Straight Arrow Connector 24">
+            <a:extLst>
+              <a:ext uri="{FF2B5EF4-FFF2-40B4-BE49-F238E27FC236}">
+                <a16:creationId xmlns:a16="http://schemas.microsoft.com/office/drawing/2014/main" id="{9CB9B626-08F6-55BF-6C11-1D0D71B9CF43}"/>
+              </a:ext>
+            </a:extLst>
+          </p:cNvPr>
+          <p:cNvCxnSpPr>
+            <a:cxnSpLocks/>
+            <a:endCxn id="24" idx="0"/>
+          </p:cNvCxnSpPr>
+          <p:nvPr/>
+        </p:nvCxnSpPr>
+        <p:spPr>
+          <a:xfrm>
+            <a:off x="7494353" y="4815977"/>
+            <a:ext cx="2706" cy="312556"/>
+          </a:xfrm>
+          <a:prstGeom prst="straightConnector1">
+            <a:avLst/>
+          </a:prstGeom>
+          <a:ln>
+            <a:tailEnd type="triangle"/>
+          </a:ln>
+        </p:spPr>
+        <p:style>
+          <a:lnRef idx="1">
+            <a:schemeClr val="accent1"/>
+          </a:lnRef>
+          <a:fillRef idx="0">
+            <a:schemeClr val="accent1"/>
+          </a:fillRef>
+          <a:effectRef idx="0">
+            <a:schemeClr val="accent1"/>
+          </a:effectRef>
+          <a:fontRef idx="minor">
+            <a:schemeClr val="tx1"/>
+          </a:fontRef>
+        </p:style>
+      </p:cxnSp>
+      <p:sp>
+        <p:nvSpPr>
+          <p:cNvPr id="34" name="Oval 33">
+            <a:extLst>
+              <a:ext uri="{FF2B5EF4-FFF2-40B4-BE49-F238E27FC236}">
+                <a16:creationId xmlns:a16="http://schemas.microsoft.com/office/drawing/2014/main" id="{3773D501-467E-D7E7-A2C6-102A8F0D0811}"/>
+              </a:ext>
+            </a:extLst>
+          </p:cNvPr>
+          <p:cNvSpPr/>
+          <p:nvPr/>
+        </p:nvSpPr>
+        <p:spPr>
+          <a:xfrm>
+            <a:off x="6119658" y="5698658"/>
+            <a:ext cx="1654076" cy="198964"/>
+          </a:xfrm>
+          <a:prstGeom prst="ellipse">
+            <a:avLst/>
+          </a:prstGeom>
+        </p:spPr>
+        <p:style>
+          <a:lnRef idx="2">
+            <a:schemeClr val="accent1">
+              <a:shade val="15000"/>
+            </a:schemeClr>
+          </a:lnRef>
+          <a:fillRef idx="1">
+            <a:schemeClr val="accent1"/>
+          </a:fillRef>
+          <a:effectRef idx="0">
+            <a:schemeClr val="accent1"/>
+          </a:effectRef>
+          <a:fontRef idx="minor">
+            <a:schemeClr val="lt1"/>
+          </a:fontRef>
+        </p:style>
+        <p:txBody>
+          <a:bodyPr rtlCol="0" anchor="ctr"/>
+          <a:lstStyle/>
+          <a:p>
+            <a:r>
+              <a:rPr lang="en-US" sz="1000" dirty="0"/>
+              <a:t>Not implemented</a:t>
+            </a:r>
+          </a:p>
+        </p:txBody>
+      </p:sp>
+    </p:spTree>
+    <p:extLst>
+      <p:ext uri="{BB962C8B-B14F-4D97-AF65-F5344CB8AC3E}">
+        <p14:creationId xmlns:p14="http://schemas.microsoft.com/office/powerpoint/2010/main" val="3627024928"/>
+      </p:ext>
+    </p:extLst>
+  </p:cSld>
+  <p:clrMapOvr>
+    <a:masterClrMapping/>
+  </p:clrMapOvr>
+</p:sld>
+</file>
+
+<file path=ppt/slides/slide7.xml><?xml version="1.0" encoding="utf-8"?>
+<p:sld xmlns:a="http://schemas.openxmlformats.org/drawingml/2006/main" xmlns:r="http://schemas.openxmlformats.org/officeDocument/2006/relationships" xmlns:p="http://schemas.openxmlformats.org/presentationml/2006/main">
+  <p:cSld>
+    <p:spTree>
+      <p:nvGrpSpPr>
+        <p:cNvPr id="1" name=""/>
+        <p:cNvGrpSpPr/>
+        <p:nvPr/>
+      </p:nvGrpSpPr>
+      <p:grpSpPr>
+        <a:xfrm>
+          <a:off x="0" y="0"/>
+          <a:ext cx="0" cy="0"/>
+          <a:chOff x="0" y="0"/>
+          <a:chExt cx="0" cy="0"/>
+        </a:xfrm>
+      </p:grpSpPr>
+      <p:grpSp>
+        <p:nvGrpSpPr>
+          <p:cNvPr id="6" name="Group 5">
+            <a:extLst>
+              <a:ext uri="{FF2B5EF4-FFF2-40B4-BE49-F238E27FC236}">
+                <a16:creationId xmlns:a16="http://schemas.microsoft.com/office/drawing/2014/main" id="{7A6414E4-E7AC-73DD-C9D4-3D50C1BCEE84}"/>
+              </a:ext>
+            </a:extLst>
+          </p:cNvPr>
+          <p:cNvGrpSpPr/>
+          <p:nvPr/>
+        </p:nvGrpSpPr>
+        <p:grpSpPr>
+          <a:xfrm>
+            <a:off x="592182" y="1706881"/>
+            <a:ext cx="5503818" cy="757646"/>
+            <a:chOff x="914399" y="1898469"/>
+            <a:chExt cx="8656321" cy="757646"/>
+          </a:xfrm>
+        </p:grpSpPr>
+        <p:sp>
+          <p:nvSpPr>
+            <p:cNvPr id="3" name="Rectangle: Rounded Corners 2">
+              <a:extLst>
+                <a:ext uri="{FF2B5EF4-FFF2-40B4-BE49-F238E27FC236}">
+                  <a16:creationId xmlns:a16="http://schemas.microsoft.com/office/drawing/2014/main" id="{FCDC180F-3018-8ECC-6335-EBEFFDC01D89}"/>
+                </a:ext>
+              </a:extLst>
+            </p:cNvPr>
+            <p:cNvSpPr/>
+            <p:nvPr/>
+          </p:nvSpPr>
+          <p:spPr>
+            <a:xfrm>
+              <a:off x="914399" y="1898469"/>
+              <a:ext cx="2246812" cy="757646"/>
+            </a:xfrm>
+            <a:prstGeom prst="roundRect">
+              <a:avLst/>
+            </a:prstGeom>
+          </p:spPr>
+          <p:style>
+            <a:lnRef idx="2">
+              <a:schemeClr val="accent1">
+                <a:shade val="15000"/>
+              </a:schemeClr>
+            </a:lnRef>
+            <a:fillRef idx="1">
+              <a:schemeClr val="accent1"/>
+            </a:fillRef>
+            <a:effectRef idx="0">
+              <a:schemeClr val="accent1"/>
+            </a:effectRef>
+            <a:fontRef idx="minor">
+              <a:schemeClr val="lt1"/>
+            </a:fontRef>
+          </p:style>
+          <p:txBody>
+            <a:bodyPr rtlCol="0" anchor="ctr"/>
+            <a:lstStyle/>
+            <a:p>
+              <a:pPr algn="ctr"/>
+              <a:r>
+                <a:rPr lang="en-US" dirty="0"/>
+                <a:t>Asset List</a:t>
+              </a:r>
+            </a:p>
+          </p:txBody>
+        </p:sp>
+        <p:sp>
+          <p:nvSpPr>
+            <p:cNvPr id="4" name="Rectangle: Rounded Corners 3">
+              <a:extLst>
+                <a:ext uri="{FF2B5EF4-FFF2-40B4-BE49-F238E27FC236}">
+                  <a16:creationId xmlns:a16="http://schemas.microsoft.com/office/drawing/2014/main" id="{B3A0BF01-769D-1F15-516B-4C07A9A7921B}"/>
+                </a:ext>
+              </a:extLst>
+            </p:cNvPr>
+            <p:cNvSpPr/>
+            <p:nvPr/>
+          </p:nvSpPr>
+          <p:spPr>
+            <a:xfrm>
+              <a:off x="4079965" y="1898469"/>
+              <a:ext cx="2246813" cy="757646"/>
+            </a:xfrm>
+            <a:prstGeom prst="roundRect">
+              <a:avLst/>
+            </a:prstGeom>
+          </p:spPr>
+          <p:style>
+            <a:lnRef idx="2">
+              <a:schemeClr val="accent1">
+                <a:shade val="15000"/>
+              </a:schemeClr>
+            </a:lnRef>
+            <a:fillRef idx="1">
+              <a:schemeClr val="accent1"/>
+            </a:fillRef>
+            <a:effectRef idx="0">
+              <a:schemeClr val="accent1"/>
+            </a:effectRef>
+            <a:fontRef idx="minor">
+              <a:schemeClr val="lt1"/>
+            </a:fontRef>
+          </p:style>
+          <p:txBody>
+            <a:bodyPr rtlCol="0" anchor="ctr"/>
+            <a:lstStyle/>
+            <a:p>
+              <a:pPr algn="ctr"/>
+              <a:r>
+                <a:rPr lang="en-US" dirty="0"/>
+                <a:t>Download QR</a:t>
+              </a:r>
+            </a:p>
+          </p:txBody>
+        </p:sp>
+        <p:sp>
+          <p:nvSpPr>
+            <p:cNvPr id="5" name="Rectangle: Rounded Corners 4">
+              <a:extLst>
+                <a:ext uri="{FF2B5EF4-FFF2-40B4-BE49-F238E27FC236}">
+                  <a16:creationId xmlns:a16="http://schemas.microsoft.com/office/drawing/2014/main" id="{F3068F96-1188-270F-FB4E-D20256879CC8}"/>
+                </a:ext>
+              </a:extLst>
+            </p:cNvPr>
+            <p:cNvSpPr/>
+            <p:nvPr/>
+          </p:nvSpPr>
+          <p:spPr>
+            <a:xfrm>
+              <a:off x="7323908" y="1898469"/>
+              <a:ext cx="2246812" cy="757646"/>
+            </a:xfrm>
+            <a:prstGeom prst="roundRect">
+              <a:avLst/>
+            </a:prstGeom>
+          </p:spPr>
+          <p:style>
+            <a:lnRef idx="2">
+              <a:schemeClr val="accent1">
+                <a:shade val="15000"/>
+              </a:schemeClr>
+            </a:lnRef>
+            <a:fillRef idx="1">
+              <a:schemeClr val="accent1"/>
+            </a:fillRef>
+            <a:effectRef idx="0">
+              <a:schemeClr val="accent1"/>
+            </a:effectRef>
+            <a:fontRef idx="minor">
+              <a:schemeClr val="lt1"/>
+            </a:fontRef>
+          </p:style>
+          <p:txBody>
+            <a:bodyPr rtlCol="0" anchor="ctr"/>
+            <a:lstStyle/>
+            <a:p>
+              <a:pPr algn="ctr"/>
+              <a:r>
+                <a:rPr lang="en-US" dirty="0"/>
+                <a:t>Add Asset</a:t>
+              </a:r>
+            </a:p>
+          </p:txBody>
+        </p:sp>
+      </p:grpSp>
+      <p:grpSp>
+        <p:nvGrpSpPr>
+          <p:cNvPr id="23" name="Group 22">
+            <a:extLst>
+              <a:ext uri="{FF2B5EF4-FFF2-40B4-BE49-F238E27FC236}">
+                <a16:creationId xmlns:a16="http://schemas.microsoft.com/office/drawing/2014/main" id="{9243B149-0F67-297D-F06B-8A5CCD0F366D}"/>
+              </a:ext>
+            </a:extLst>
+          </p:cNvPr>
+          <p:cNvGrpSpPr/>
+          <p:nvPr/>
+        </p:nvGrpSpPr>
+        <p:grpSpPr>
+          <a:xfrm>
+            <a:off x="471222" y="3429000"/>
+            <a:ext cx="4764324" cy="1336765"/>
+            <a:chOff x="1121466" y="3326674"/>
+            <a:chExt cx="4764324" cy="1336765"/>
+          </a:xfrm>
+        </p:grpSpPr>
+        <p:grpSp>
+          <p:nvGrpSpPr>
+            <p:cNvPr id="15" name="Group 14">
+              <a:extLst>
+                <a:ext uri="{FF2B5EF4-FFF2-40B4-BE49-F238E27FC236}">
+                  <a16:creationId xmlns:a16="http://schemas.microsoft.com/office/drawing/2014/main" id="{0C9618AD-D304-F693-6594-7ACD7229F71B}"/>
+                </a:ext>
+              </a:extLst>
+            </p:cNvPr>
+            <p:cNvGrpSpPr/>
+            <p:nvPr/>
+          </p:nvGrpSpPr>
+          <p:grpSpPr>
+            <a:xfrm>
+              <a:off x="2020739" y="3326674"/>
+              <a:ext cx="2704012" cy="391886"/>
+              <a:chOff x="2272937" y="3317965"/>
+              <a:chExt cx="2704012" cy="391886"/>
+            </a:xfrm>
+          </p:grpSpPr>
+          <p:sp>
+            <p:nvSpPr>
+              <p:cNvPr id="13" name="Rectangle 12">
+                <a:extLst>
+                  <a:ext uri="{FF2B5EF4-FFF2-40B4-BE49-F238E27FC236}">
+                    <a16:creationId xmlns:a16="http://schemas.microsoft.com/office/drawing/2014/main" id="{F0E8E465-C67D-7755-235F-818F11383A7E}"/>
+                  </a:ext>
+                </a:extLst>
+              </p:cNvPr>
+              <p:cNvSpPr/>
+              <p:nvPr/>
+            </p:nvSpPr>
+            <p:spPr>
+              <a:xfrm>
+                <a:off x="2272937" y="3317966"/>
+                <a:ext cx="1062446" cy="391885"/>
+              </a:xfrm>
+              <a:prstGeom prst="rect">
+                <a:avLst/>
+              </a:prstGeom>
+            </p:spPr>
+            <p:style>
+              <a:lnRef idx="2">
+                <a:schemeClr val="accent1">
+                  <a:shade val="15000"/>
+                </a:schemeClr>
+              </a:lnRef>
+              <a:fillRef idx="1">
+                <a:schemeClr val="accent1"/>
+              </a:fillRef>
+              <a:effectRef idx="0">
+                <a:schemeClr val="accent1"/>
+              </a:effectRef>
+              <a:fontRef idx="minor">
+                <a:schemeClr val="lt1"/>
+              </a:fontRef>
+            </p:style>
+            <p:txBody>
+              <a:bodyPr rtlCol="0" anchor="ctr"/>
+              <a:lstStyle/>
+              <a:p>
+                <a:pPr algn="ctr"/>
+                <a:r>
+                  <a:rPr lang="en-US" sz="1200" dirty="0"/>
+                  <a:t>Asset QR</a:t>
+                </a:r>
+              </a:p>
+            </p:txBody>
+          </p:sp>
+          <p:sp>
+            <p:nvSpPr>
+              <p:cNvPr id="14" name="Rectangle 13">
+                <a:extLst>
+                  <a:ext uri="{FF2B5EF4-FFF2-40B4-BE49-F238E27FC236}">
+                    <a16:creationId xmlns:a16="http://schemas.microsoft.com/office/drawing/2014/main" id="{3724CBC9-E099-C1BB-7EF8-3E7658D5B3EB}"/>
+                  </a:ext>
+                </a:extLst>
+              </p:cNvPr>
+              <p:cNvSpPr/>
+              <p:nvPr/>
+            </p:nvSpPr>
+            <p:spPr>
+              <a:xfrm>
+                <a:off x="3914503" y="3317965"/>
+                <a:ext cx="1062446" cy="391885"/>
+              </a:xfrm>
+              <a:prstGeom prst="rect">
+                <a:avLst/>
+              </a:prstGeom>
+            </p:spPr>
+            <p:style>
+              <a:lnRef idx="2">
+                <a:schemeClr val="accent1">
+                  <a:shade val="15000"/>
+                </a:schemeClr>
+              </a:lnRef>
+              <a:fillRef idx="1">
+                <a:schemeClr val="accent1"/>
+              </a:fillRef>
+              <a:effectRef idx="0">
+                <a:schemeClr val="accent1"/>
+              </a:effectRef>
+              <a:fontRef idx="minor">
+                <a:schemeClr val="lt1"/>
+              </a:fontRef>
+            </p:style>
+            <p:txBody>
+              <a:bodyPr rtlCol="0" anchor="ctr"/>
+              <a:lstStyle/>
+              <a:p>
+                <a:pPr algn="ctr"/>
+                <a:r>
+                  <a:rPr lang="en-US" sz="1200" dirty="0"/>
+                  <a:t>Location QR</a:t>
+                </a:r>
+              </a:p>
+            </p:txBody>
+          </p:sp>
+        </p:grpSp>
+        <p:grpSp>
+          <p:nvGrpSpPr>
+            <p:cNvPr id="19" name="Group 18">
+              <a:extLst>
+                <a:ext uri="{FF2B5EF4-FFF2-40B4-BE49-F238E27FC236}">
+                  <a16:creationId xmlns:a16="http://schemas.microsoft.com/office/drawing/2014/main" id="{613B74F8-36C2-AC99-75DE-9DDB83E7B6B0}"/>
+                </a:ext>
+              </a:extLst>
+            </p:cNvPr>
+            <p:cNvGrpSpPr/>
+            <p:nvPr/>
+          </p:nvGrpSpPr>
+          <p:grpSpPr>
+            <a:xfrm>
+              <a:off x="1121466" y="4393474"/>
+              <a:ext cx="2197708" cy="269965"/>
+              <a:chOff x="1464597" y="3979818"/>
+              <a:chExt cx="2197708" cy="269965"/>
+            </a:xfrm>
+          </p:grpSpPr>
+          <p:sp>
+            <p:nvSpPr>
+              <p:cNvPr id="17" name="Rectangle: Rounded Corners 16">
+                <a:extLst>
+                  <a:ext uri="{FF2B5EF4-FFF2-40B4-BE49-F238E27FC236}">
+                    <a16:creationId xmlns:a16="http://schemas.microsoft.com/office/drawing/2014/main" id="{A6EAB6DE-A4DA-31AF-680C-588D9AB5BCF4}"/>
+                  </a:ext>
+                </a:extLst>
+              </p:cNvPr>
+              <p:cNvSpPr/>
+              <p:nvPr/>
+            </p:nvSpPr>
+            <p:spPr>
+              <a:xfrm>
+                <a:off x="1464597" y="3979818"/>
+                <a:ext cx="914400" cy="269965"/>
+              </a:xfrm>
+              <a:prstGeom prst="roundRect">
+                <a:avLst/>
+              </a:prstGeom>
+            </p:spPr>
+            <p:style>
+              <a:lnRef idx="2">
+                <a:schemeClr val="accent1">
+                  <a:shade val="15000"/>
+                </a:schemeClr>
+              </a:lnRef>
+              <a:fillRef idx="1">
+                <a:schemeClr val="accent1"/>
+              </a:fillRef>
+              <a:effectRef idx="0">
+                <a:schemeClr val="accent1"/>
+              </a:effectRef>
+              <a:fontRef idx="minor">
+                <a:schemeClr val="lt1"/>
+              </a:fontRef>
+            </p:style>
+            <p:txBody>
+              <a:bodyPr rtlCol="0" anchor="ctr"/>
+              <a:lstStyle/>
+              <a:p>
+                <a:pPr algn="ctr"/>
+                <a:r>
+                  <a:rPr lang="en-US" sz="900" dirty="0"/>
+                  <a:t>Generate by ID</a:t>
+                </a:r>
+              </a:p>
+            </p:txBody>
+          </p:sp>
+          <p:sp>
+            <p:nvSpPr>
+              <p:cNvPr id="18" name="Rectangle: Rounded Corners 17">
+                <a:extLst>
+                  <a:ext uri="{FF2B5EF4-FFF2-40B4-BE49-F238E27FC236}">
+                    <a16:creationId xmlns:a16="http://schemas.microsoft.com/office/drawing/2014/main" id="{F009FBD3-BDE7-FC0A-B081-1D25803D1D78}"/>
+                  </a:ext>
+                </a:extLst>
+              </p:cNvPr>
+              <p:cNvSpPr/>
+              <p:nvPr/>
+            </p:nvSpPr>
+            <p:spPr>
+              <a:xfrm>
+                <a:off x="2747905" y="3979818"/>
+                <a:ext cx="914400" cy="269965"/>
+              </a:xfrm>
+              <a:prstGeom prst="roundRect">
+                <a:avLst/>
+              </a:prstGeom>
+            </p:spPr>
+            <p:style>
+              <a:lnRef idx="2">
+                <a:schemeClr val="accent1">
+                  <a:shade val="15000"/>
+                </a:schemeClr>
+              </a:lnRef>
+              <a:fillRef idx="1">
+                <a:schemeClr val="accent1"/>
+              </a:fillRef>
+              <a:effectRef idx="0">
+                <a:schemeClr val="accent1"/>
+              </a:effectRef>
+              <a:fontRef idx="minor">
+                <a:schemeClr val="lt1"/>
+              </a:fontRef>
+            </p:style>
+            <p:txBody>
+              <a:bodyPr rtlCol="0" anchor="ctr"/>
+              <a:lstStyle/>
+              <a:p>
+                <a:pPr algn="ctr"/>
+                <a:r>
+                  <a:rPr lang="en-US" sz="900" dirty="0"/>
+                  <a:t>Manual</a:t>
+                </a:r>
+              </a:p>
+            </p:txBody>
+          </p:sp>
+        </p:grpSp>
+        <p:grpSp>
+          <p:nvGrpSpPr>
+            <p:cNvPr id="20" name="Group 19">
+              <a:extLst>
+                <a:ext uri="{FF2B5EF4-FFF2-40B4-BE49-F238E27FC236}">
+                  <a16:creationId xmlns:a16="http://schemas.microsoft.com/office/drawing/2014/main" id="{97A9CB2B-039F-40B8-7AF0-52A6BB996BED}"/>
+                </a:ext>
+              </a:extLst>
+            </p:cNvPr>
+            <p:cNvGrpSpPr/>
+            <p:nvPr/>
+          </p:nvGrpSpPr>
+          <p:grpSpPr>
+            <a:xfrm>
+              <a:off x="3688082" y="4393473"/>
+              <a:ext cx="2197708" cy="269965"/>
+              <a:chOff x="1464597" y="3979818"/>
+              <a:chExt cx="2197708" cy="269965"/>
+            </a:xfrm>
+          </p:grpSpPr>
+          <p:sp>
+            <p:nvSpPr>
+              <p:cNvPr id="21" name="Rectangle: Rounded Corners 20">
+                <a:extLst>
+                  <a:ext uri="{FF2B5EF4-FFF2-40B4-BE49-F238E27FC236}">
+                    <a16:creationId xmlns:a16="http://schemas.microsoft.com/office/drawing/2014/main" id="{2A1552C0-6617-ECAC-1114-5E3D7E7C68D6}"/>
+                  </a:ext>
+                </a:extLst>
+              </p:cNvPr>
+              <p:cNvSpPr/>
+              <p:nvPr/>
+            </p:nvSpPr>
+            <p:spPr>
+              <a:xfrm>
+                <a:off x="1464597" y="3979818"/>
+                <a:ext cx="914400" cy="269965"/>
+              </a:xfrm>
+              <a:prstGeom prst="roundRect">
+                <a:avLst/>
+              </a:prstGeom>
+            </p:spPr>
+            <p:style>
+              <a:lnRef idx="2">
+                <a:schemeClr val="accent1">
+                  <a:shade val="15000"/>
+                </a:schemeClr>
+              </a:lnRef>
+              <a:fillRef idx="1">
+                <a:schemeClr val="accent1"/>
+              </a:fillRef>
+              <a:effectRef idx="0">
+                <a:schemeClr val="accent1"/>
+              </a:effectRef>
+              <a:fontRef idx="minor">
+                <a:schemeClr val="lt1"/>
+              </a:fontRef>
+            </p:style>
+            <p:txBody>
+              <a:bodyPr rtlCol="0" anchor="ctr"/>
+              <a:lstStyle/>
+              <a:p>
+                <a:r>
+                  <a:rPr lang="en-US" sz="900" dirty="0"/>
+                  <a:t>Generate by ID</a:t>
+                </a:r>
+              </a:p>
+            </p:txBody>
+          </p:sp>
+          <p:sp>
+            <p:nvSpPr>
+              <p:cNvPr id="22" name="Rectangle: Rounded Corners 21">
+                <a:extLst>
+                  <a:ext uri="{FF2B5EF4-FFF2-40B4-BE49-F238E27FC236}">
+                    <a16:creationId xmlns:a16="http://schemas.microsoft.com/office/drawing/2014/main" id="{AA3F948A-E450-3CBD-AFB4-EF748A128EC1}"/>
+                  </a:ext>
+                </a:extLst>
+              </p:cNvPr>
+              <p:cNvSpPr/>
+              <p:nvPr/>
+            </p:nvSpPr>
+            <p:spPr>
+              <a:xfrm>
+                <a:off x="2747905" y="3979818"/>
+                <a:ext cx="914400" cy="269965"/>
+              </a:xfrm>
+              <a:prstGeom prst="roundRect">
+                <a:avLst/>
+              </a:prstGeom>
+            </p:spPr>
+            <p:style>
+              <a:lnRef idx="2">
+                <a:schemeClr val="accent1">
+                  <a:shade val="15000"/>
+                </a:schemeClr>
+              </a:lnRef>
+              <a:fillRef idx="1">
+                <a:schemeClr val="accent1"/>
+              </a:fillRef>
+              <a:effectRef idx="0">
+                <a:schemeClr val="accent1"/>
+              </a:effectRef>
+              <a:fontRef idx="minor">
+                <a:schemeClr val="lt1"/>
+              </a:fontRef>
+            </p:style>
+            <p:txBody>
+              <a:bodyPr rtlCol="0" anchor="ctr"/>
+              <a:lstStyle/>
+              <a:p>
+                <a:pPr algn="ctr"/>
+                <a:r>
+                  <a:rPr lang="en-US" sz="900" dirty="0"/>
+                  <a:t>Manual</a:t>
+                </a:r>
+              </a:p>
+            </p:txBody>
+          </p:sp>
+        </p:grpSp>
+      </p:grpSp>
+      <p:cxnSp>
+        <p:nvCxnSpPr>
+          <p:cNvPr id="28" name="Straight Connector 27">
+            <a:extLst>
+              <a:ext uri="{FF2B5EF4-FFF2-40B4-BE49-F238E27FC236}">
+                <a16:creationId xmlns:a16="http://schemas.microsoft.com/office/drawing/2014/main" id="{37C3075E-DB52-46A3-3E99-035B80CCBF00}"/>
+              </a:ext>
+            </a:extLst>
+          </p:cNvPr>
+          <p:cNvCxnSpPr>
+            <a:cxnSpLocks/>
+            <a:stCxn id="4" idx="2"/>
+          </p:cNvCxnSpPr>
+          <p:nvPr/>
+        </p:nvCxnSpPr>
+        <p:spPr>
+          <a:xfrm flipH="1">
+            <a:off x="3319174" y="2464527"/>
+            <a:ext cx="1" cy="431073"/>
+          </a:xfrm>
+          <a:prstGeom prst="line">
+            <a:avLst/>
+          </a:prstGeom>
+        </p:spPr>
+        <p:style>
+          <a:lnRef idx="1">
+            <a:schemeClr val="accent1"/>
+          </a:lnRef>
+          <a:fillRef idx="0">
+            <a:schemeClr val="accent1"/>
+          </a:fillRef>
+          <a:effectRef idx="0">
+            <a:schemeClr val="accent1"/>
+          </a:effectRef>
+          <a:fontRef idx="minor">
+            <a:schemeClr val="tx1"/>
+          </a:fontRef>
+        </p:style>
+      </p:cxnSp>
+      <p:cxnSp>
+        <p:nvCxnSpPr>
+          <p:cNvPr id="29" name="Straight Connector 28">
+            <a:extLst>
+              <a:ext uri="{FF2B5EF4-FFF2-40B4-BE49-F238E27FC236}">
+                <a16:creationId xmlns:a16="http://schemas.microsoft.com/office/drawing/2014/main" id="{5167EBA4-461B-7314-8C8A-DA378AEC1F89}"/>
+              </a:ext>
+            </a:extLst>
+          </p:cNvPr>
+          <p:cNvCxnSpPr>
+            <a:cxnSpLocks/>
+          </p:cNvCxnSpPr>
+          <p:nvPr/>
+        </p:nvCxnSpPr>
+        <p:spPr>
+          <a:xfrm>
+            <a:off x="1901718" y="2886892"/>
+            <a:ext cx="1751281" cy="0"/>
+          </a:xfrm>
+          <a:prstGeom prst="line">
+            <a:avLst/>
+          </a:prstGeom>
+        </p:spPr>
+        <p:style>
+          <a:lnRef idx="1">
+            <a:schemeClr val="accent1"/>
+          </a:lnRef>
+          <a:fillRef idx="0">
+            <a:schemeClr val="accent1"/>
+          </a:fillRef>
+          <a:effectRef idx="0">
+            <a:schemeClr val="accent1"/>
+          </a:effectRef>
+          <a:fontRef idx="minor">
+            <a:schemeClr val="tx1"/>
+          </a:fontRef>
+        </p:style>
+      </p:cxnSp>
+      <p:cxnSp>
+        <p:nvCxnSpPr>
+          <p:cNvPr id="40" name="Straight Arrow Connector 39">
+            <a:extLst>
+              <a:ext uri="{FF2B5EF4-FFF2-40B4-BE49-F238E27FC236}">
+                <a16:creationId xmlns:a16="http://schemas.microsoft.com/office/drawing/2014/main" id="{A3889C89-7BC2-23E8-FB30-ED7AE94CC1EE}"/>
+              </a:ext>
+            </a:extLst>
+          </p:cNvPr>
+          <p:cNvCxnSpPr>
+            <a:cxnSpLocks/>
+            <a:endCxn id="14" idx="0"/>
+          </p:cNvCxnSpPr>
+          <p:nvPr/>
+        </p:nvCxnSpPr>
+        <p:spPr>
+          <a:xfrm>
+            <a:off x="3543284" y="2886892"/>
+            <a:ext cx="0" cy="542108"/>
+          </a:xfrm>
+          <a:prstGeom prst="straightConnector1">
+            <a:avLst/>
+          </a:prstGeom>
+          <a:ln>
+            <a:tailEnd type="triangle"/>
+          </a:ln>
+        </p:spPr>
+        <p:style>
+          <a:lnRef idx="1">
+            <a:schemeClr val="accent1"/>
+          </a:lnRef>
+          <a:fillRef idx="0">
+            <a:schemeClr val="accent1"/>
+          </a:fillRef>
+          <a:effectRef idx="0">
+            <a:schemeClr val="accent1"/>
+          </a:effectRef>
+          <a:fontRef idx="minor">
+            <a:schemeClr val="tx1"/>
+          </a:fontRef>
+        </p:style>
+      </p:cxnSp>
+      <p:cxnSp>
+        <p:nvCxnSpPr>
+          <p:cNvPr id="45" name="Straight Arrow Connector 44">
+            <a:extLst>
+              <a:ext uri="{FF2B5EF4-FFF2-40B4-BE49-F238E27FC236}">
+                <a16:creationId xmlns:a16="http://schemas.microsoft.com/office/drawing/2014/main" id="{E06900A0-5DC3-B26B-BCD0-531BC351C39D}"/>
+              </a:ext>
+            </a:extLst>
+          </p:cNvPr>
+          <p:cNvCxnSpPr>
+            <a:cxnSpLocks/>
+            <a:endCxn id="13" idx="0"/>
+          </p:cNvCxnSpPr>
+          <p:nvPr/>
+        </p:nvCxnSpPr>
+        <p:spPr>
+          <a:xfrm>
+            <a:off x="1901718" y="2886892"/>
+            <a:ext cx="0" cy="542109"/>
+          </a:xfrm>
+          <a:prstGeom prst="straightConnector1">
+            <a:avLst/>
+          </a:prstGeom>
+          <a:ln>
+            <a:tailEnd type="triangle"/>
+          </a:ln>
+        </p:spPr>
+        <p:style>
+          <a:lnRef idx="1">
+            <a:schemeClr val="accent1"/>
+          </a:lnRef>
+          <a:fillRef idx="0">
+            <a:schemeClr val="accent1"/>
+          </a:fillRef>
+          <a:effectRef idx="0">
+            <a:schemeClr val="accent1"/>
+          </a:effectRef>
+          <a:fontRef idx="minor">
+            <a:schemeClr val="tx1"/>
+          </a:fontRef>
+        </p:style>
+      </p:cxnSp>
+      <p:cxnSp>
+        <p:nvCxnSpPr>
+          <p:cNvPr id="50" name="Straight Connector 49">
+            <a:extLst>
+              <a:ext uri="{FF2B5EF4-FFF2-40B4-BE49-F238E27FC236}">
+                <a16:creationId xmlns:a16="http://schemas.microsoft.com/office/drawing/2014/main" id="{A9A20BEF-26DE-49F2-A5DC-02DE9DD41E15}"/>
+              </a:ext>
+            </a:extLst>
+          </p:cNvPr>
+          <p:cNvCxnSpPr>
+            <a:cxnSpLocks/>
+            <a:stCxn id="13" idx="2"/>
+          </p:cNvCxnSpPr>
+          <p:nvPr/>
+        </p:nvCxnSpPr>
+        <p:spPr>
+          <a:xfrm>
+            <a:off x="1901718" y="3820886"/>
+            <a:ext cx="0" cy="243840"/>
+          </a:xfrm>
+          <a:prstGeom prst="line">
+            <a:avLst/>
+          </a:prstGeom>
+        </p:spPr>
+        <p:style>
+          <a:lnRef idx="1">
+            <a:schemeClr val="accent1"/>
+          </a:lnRef>
+          <a:fillRef idx="0">
+            <a:schemeClr val="accent1"/>
+          </a:fillRef>
+          <a:effectRef idx="0">
+            <a:schemeClr val="accent1"/>
+          </a:effectRef>
+          <a:fontRef idx="minor">
+            <a:schemeClr val="tx1"/>
+          </a:fontRef>
+        </p:style>
+      </p:cxnSp>
+      <p:cxnSp>
+        <p:nvCxnSpPr>
+          <p:cNvPr id="53" name="Straight Connector 52">
+            <a:extLst>
+              <a:ext uri="{FF2B5EF4-FFF2-40B4-BE49-F238E27FC236}">
+                <a16:creationId xmlns:a16="http://schemas.microsoft.com/office/drawing/2014/main" id="{DF59C869-CCA5-BE6F-A8FC-DDA63872ECC7}"/>
+              </a:ext>
+            </a:extLst>
+          </p:cNvPr>
+          <p:cNvCxnSpPr>
+            <a:cxnSpLocks/>
+          </p:cNvCxnSpPr>
+          <p:nvPr/>
+        </p:nvCxnSpPr>
+        <p:spPr>
+          <a:xfrm>
+            <a:off x="926007" y="4064726"/>
+            <a:ext cx="1285723" cy="0"/>
+          </a:xfrm>
+          <a:prstGeom prst="line">
+            <a:avLst/>
+          </a:prstGeom>
+        </p:spPr>
+        <p:style>
+          <a:lnRef idx="1">
+            <a:schemeClr val="accent1"/>
+          </a:lnRef>
+          <a:fillRef idx="0">
+            <a:schemeClr val="accent1"/>
+          </a:fillRef>
+          <a:effectRef idx="0">
+            <a:schemeClr val="accent1"/>
+          </a:effectRef>
+          <a:fontRef idx="minor">
+            <a:schemeClr val="tx1"/>
+          </a:fontRef>
+        </p:style>
+      </p:cxnSp>
+      <p:cxnSp>
+        <p:nvCxnSpPr>
+          <p:cNvPr id="55" name="Straight Arrow Connector 54">
+            <a:extLst>
+              <a:ext uri="{FF2B5EF4-FFF2-40B4-BE49-F238E27FC236}">
+                <a16:creationId xmlns:a16="http://schemas.microsoft.com/office/drawing/2014/main" id="{36CF0C19-31B3-9A2A-60F4-8A89C272EB3A}"/>
+              </a:ext>
+            </a:extLst>
+          </p:cNvPr>
+          <p:cNvCxnSpPr>
+            <a:cxnSpLocks/>
+            <a:endCxn id="18" idx="0"/>
+          </p:cNvCxnSpPr>
+          <p:nvPr/>
+        </p:nvCxnSpPr>
+        <p:spPr>
+          <a:xfrm>
+            <a:off x="2211730" y="4064726"/>
+            <a:ext cx="0" cy="431074"/>
+          </a:xfrm>
+          <a:prstGeom prst="straightConnector1">
+            <a:avLst/>
+          </a:prstGeom>
+          <a:ln>
+            <a:tailEnd type="triangle"/>
+          </a:ln>
+        </p:spPr>
+        <p:style>
+          <a:lnRef idx="1">
+            <a:schemeClr val="accent1"/>
+          </a:lnRef>
+          <a:fillRef idx="0">
+            <a:schemeClr val="accent1"/>
+          </a:fillRef>
+          <a:effectRef idx="0">
+            <a:schemeClr val="accent1"/>
+          </a:effectRef>
+          <a:fontRef idx="minor">
+            <a:schemeClr val="tx1"/>
+          </a:fontRef>
+        </p:style>
+      </p:cxnSp>
+      <p:cxnSp>
+        <p:nvCxnSpPr>
+          <p:cNvPr id="58" name="Straight Arrow Connector 57">
+            <a:extLst>
+              <a:ext uri="{FF2B5EF4-FFF2-40B4-BE49-F238E27FC236}">
+                <a16:creationId xmlns:a16="http://schemas.microsoft.com/office/drawing/2014/main" id="{71E3141B-0384-4274-764F-96112B8F8B22}"/>
+              </a:ext>
+            </a:extLst>
+          </p:cNvPr>
+          <p:cNvCxnSpPr>
+            <a:cxnSpLocks/>
+            <a:endCxn id="17" idx="0"/>
+          </p:cNvCxnSpPr>
+          <p:nvPr/>
+        </p:nvCxnSpPr>
+        <p:spPr>
+          <a:xfrm>
+            <a:off x="928422" y="4064726"/>
+            <a:ext cx="0" cy="431074"/>
+          </a:xfrm>
+          <a:prstGeom prst="straightConnector1">
+            <a:avLst/>
+          </a:prstGeom>
+          <a:ln>
+            <a:tailEnd type="triangle"/>
+          </a:ln>
+        </p:spPr>
+        <p:style>
+          <a:lnRef idx="1">
+            <a:schemeClr val="accent1"/>
+          </a:lnRef>
+          <a:fillRef idx="0">
+            <a:schemeClr val="accent1"/>
+          </a:fillRef>
+          <a:effectRef idx="0">
+            <a:schemeClr val="accent1"/>
+          </a:effectRef>
+          <a:fontRef idx="minor">
+            <a:schemeClr val="tx1"/>
+          </a:fontRef>
+        </p:style>
+      </p:cxnSp>
+      <p:cxnSp>
+        <p:nvCxnSpPr>
+          <p:cNvPr id="67" name="Straight Connector 66">
+            <a:extLst>
+              <a:ext uri="{FF2B5EF4-FFF2-40B4-BE49-F238E27FC236}">
+                <a16:creationId xmlns:a16="http://schemas.microsoft.com/office/drawing/2014/main" id="{24ED0F59-633B-BDCD-B1A8-3D52B5B674AF}"/>
+              </a:ext>
+            </a:extLst>
+          </p:cNvPr>
+          <p:cNvCxnSpPr>
+            <a:cxnSpLocks/>
+          </p:cNvCxnSpPr>
+          <p:nvPr/>
+        </p:nvCxnSpPr>
+        <p:spPr>
+          <a:xfrm>
+            <a:off x="3492484" y="4064725"/>
+            <a:ext cx="1285723" cy="0"/>
+          </a:xfrm>
+          <a:prstGeom prst="line">
+            <a:avLst/>
+          </a:prstGeom>
+        </p:spPr>
+        <p:style>
+          <a:lnRef idx="1">
+            <a:schemeClr val="accent1"/>
+          </a:lnRef>
+          <a:fillRef idx="0">
+            <a:schemeClr val="accent1"/>
+          </a:fillRef>
+          <a:effectRef idx="0">
+            <a:schemeClr val="accent1"/>
+          </a:effectRef>
+          <a:fontRef idx="minor">
+            <a:schemeClr val="tx1"/>
+          </a:fontRef>
+        </p:style>
+      </p:cxnSp>
+      <p:cxnSp>
+        <p:nvCxnSpPr>
+          <p:cNvPr id="68" name="Straight Arrow Connector 67">
+            <a:extLst>
+              <a:ext uri="{FF2B5EF4-FFF2-40B4-BE49-F238E27FC236}">
+                <a16:creationId xmlns:a16="http://schemas.microsoft.com/office/drawing/2014/main" id="{B24616DA-921D-6578-CAB9-915756ADC7B2}"/>
+              </a:ext>
+            </a:extLst>
+          </p:cNvPr>
+          <p:cNvCxnSpPr>
+            <a:cxnSpLocks/>
+          </p:cNvCxnSpPr>
+          <p:nvPr/>
+        </p:nvCxnSpPr>
+        <p:spPr>
+          <a:xfrm>
+            <a:off x="4778207" y="4064725"/>
+            <a:ext cx="0" cy="431074"/>
+          </a:xfrm>
+          <a:prstGeom prst="straightConnector1">
+            <a:avLst/>
+          </a:prstGeom>
+          <a:ln>
+            <a:tailEnd type="triangle"/>
+          </a:ln>
+        </p:spPr>
+        <p:style>
+          <a:lnRef idx="1">
+            <a:schemeClr val="accent1"/>
+          </a:lnRef>
+          <a:fillRef idx="0">
+            <a:schemeClr val="accent1"/>
+          </a:fillRef>
+          <a:effectRef idx="0">
+            <a:schemeClr val="accent1"/>
+          </a:effectRef>
+          <a:fontRef idx="minor">
+            <a:schemeClr val="tx1"/>
+          </a:fontRef>
+        </p:style>
+      </p:cxnSp>
+      <p:cxnSp>
+        <p:nvCxnSpPr>
+          <p:cNvPr id="69" name="Straight Arrow Connector 68">
+            <a:extLst>
+              <a:ext uri="{FF2B5EF4-FFF2-40B4-BE49-F238E27FC236}">
+                <a16:creationId xmlns:a16="http://schemas.microsoft.com/office/drawing/2014/main" id="{32287239-7EB4-CDDD-A245-EB4828E529C4}"/>
+              </a:ext>
+            </a:extLst>
+          </p:cNvPr>
+          <p:cNvCxnSpPr>
+            <a:cxnSpLocks/>
+          </p:cNvCxnSpPr>
+          <p:nvPr/>
+        </p:nvCxnSpPr>
+        <p:spPr>
+          <a:xfrm>
+            <a:off x="3494899" y="4064725"/>
+            <a:ext cx="0" cy="431074"/>
+          </a:xfrm>
+          <a:prstGeom prst="straightConnector1">
+            <a:avLst/>
+          </a:prstGeom>
+          <a:ln>
+            <a:tailEnd type="triangle"/>
+          </a:ln>
+        </p:spPr>
+        <p:style>
+          <a:lnRef idx="1">
+            <a:schemeClr val="accent1"/>
+          </a:lnRef>
+          <a:fillRef idx="0">
+            <a:schemeClr val="accent1"/>
+          </a:fillRef>
+          <a:effectRef idx="0">
+            <a:schemeClr val="accent1"/>
+          </a:effectRef>
+          <a:fontRef idx="minor">
+            <a:schemeClr val="tx1"/>
+          </a:fontRef>
+        </p:style>
+      </p:cxnSp>
+      <p:cxnSp>
+        <p:nvCxnSpPr>
+          <p:cNvPr id="70" name="Straight Connector 69">
+            <a:extLst>
+              <a:ext uri="{FF2B5EF4-FFF2-40B4-BE49-F238E27FC236}">
+                <a16:creationId xmlns:a16="http://schemas.microsoft.com/office/drawing/2014/main" id="{6B6222F9-86FF-2B5C-5453-2D8A935B5DB4}"/>
+              </a:ext>
+            </a:extLst>
+          </p:cNvPr>
+          <p:cNvCxnSpPr>
+            <a:cxnSpLocks/>
+            <a:stCxn id="14" idx="2"/>
+          </p:cNvCxnSpPr>
+          <p:nvPr/>
+        </p:nvCxnSpPr>
+        <p:spPr>
+          <a:xfrm>
+            <a:off x="3543284" y="3820885"/>
+            <a:ext cx="0" cy="243840"/>
+          </a:xfrm>
+          <a:prstGeom prst="line">
+            <a:avLst/>
+          </a:prstGeom>
+        </p:spPr>
+        <p:style>
+          <a:lnRef idx="1">
+            <a:schemeClr val="accent1"/>
+          </a:lnRef>
+          <a:fillRef idx="0">
+            <a:schemeClr val="accent1"/>
+          </a:fillRef>
+          <a:effectRef idx="0">
+            <a:schemeClr val="accent1"/>
+          </a:effectRef>
+          <a:fontRef idx="minor">
+            <a:schemeClr val="tx1"/>
+          </a:fontRef>
+        </p:style>
+      </p:cxnSp>
+      <p:cxnSp>
+        <p:nvCxnSpPr>
+          <p:cNvPr id="7" name="Straight Connector 6">
+            <a:extLst>
+              <a:ext uri="{FF2B5EF4-FFF2-40B4-BE49-F238E27FC236}">
+                <a16:creationId xmlns:a16="http://schemas.microsoft.com/office/drawing/2014/main" id="{6F7E1618-4067-8F31-AF8B-595B15C1CD69}"/>
+              </a:ext>
+            </a:extLst>
+          </p:cNvPr>
+          <p:cNvCxnSpPr>
+            <a:cxnSpLocks/>
+            <a:stCxn id="5" idx="2"/>
+          </p:cNvCxnSpPr>
+          <p:nvPr/>
+        </p:nvCxnSpPr>
+        <p:spPr>
+          <a:xfrm flipH="1">
+            <a:off x="5381721" y="2464527"/>
+            <a:ext cx="1" cy="435791"/>
+          </a:xfrm>
+          <a:prstGeom prst="line">
+            <a:avLst/>
+          </a:prstGeom>
+        </p:spPr>
+        <p:style>
+          <a:lnRef idx="1">
+            <a:schemeClr val="accent1"/>
+          </a:lnRef>
+          <a:fillRef idx="0">
+            <a:schemeClr val="accent1"/>
+          </a:fillRef>
+          <a:effectRef idx="0">
+            <a:schemeClr val="accent1"/>
+          </a:effectRef>
+          <a:fontRef idx="minor">
+            <a:schemeClr val="tx1"/>
+          </a:fontRef>
+        </p:style>
+      </p:cxnSp>
+      <p:cxnSp>
+        <p:nvCxnSpPr>
+          <p:cNvPr id="25" name="Straight Connector 24">
+            <a:extLst>
+              <a:ext uri="{FF2B5EF4-FFF2-40B4-BE49-F238E27FC236}">
+                <a16:creationId xmlns:a16="http://schemas.microsoft.com/office/drawing/2014/main" id="{F2431A8F-3E90-4CE5-B7E1-264BF65B4E46}"/>
+              </a:ext>
+            </a:extLst>
+          </p:cNvPr>
+          <p:cNvCxnSpPr>
+            <a:cxnSpLocks/>
+          </p:cNvCxnSpPr>
+          <p:nvPr/>
+        </p:nvCxnSpPr>
+        <p:spPr>
+          <a:xfrm>
+            <a:off x="5381721" y="2900318"/>
+            <a:ext cx="2702452" cy="0"/>
+          </a:xfrm>
+          <a:prstGeom prst="line">
+            <a:avLst/>
+          </a:prstGeom>
+        </p:spPr>
+        <p:style>
+          <a:lnRef idx="1">
+            <a:schemeClr val="accent1"/>
+          </a:lnRef>
+          <a:fillRef idx="0">
+            <a:schemeClr val="accent1"/>
+          </a:fillRef>
+          <a:effectRef idx="0">
+            <a:schemeClr val="accent1"/>
+          </a:effectRef>
+          <a:fontRef idx="minor">
+            <a:schemeClr val="tx1"/>
+          </a:fontRef>
+        </p:style>
+      </p:cxnSp>
+      <p:sp>
+        <p:nvSpPr>
+          <p:cNvPr id="27" name="Rectangle 26">
+            <a:extLst>
+              <a:ext uri="{FF2B5EF4-FFF2-40B4-BE49-F238E27FC236}">
+                <a16:creationId xmlns:a16="http://schemas.microsoft.com/office/drawing/2014/main" id="{C15B8F7A-8830-D49C-74AA-4A40D3112FC9}"/>
+              </a:ext>
+            </a:extLst>
+          </p:cNvPr>
+          <p:cNvSpPr/>
+          <p:nvPr/>
+        </p:nvSpPr>
+        <p:spPr>
+          <a:xfrm>
+            <a:off x="4916849" y="3446054"/>
+            <a:ext cx="1062446" cy="391885"/>
+          </a:xfrm>
+          <a:prstGeom prst="rect">
+            <a:avLst/>
+          </a:prstGeom>
+        </p:spPr>
+        <p:style>
+          <a:lnRef idx="2">
+            <a:schemeClr val="accent1">
+              <a:shade val="15000"/>
+            </a:schemeClr>
+          </a:lnRef>
+          <a:fillRef idx="1">
+            <a:schemeClr val="accent1"/>
+          </a:fillRef>
+          <a:effectRef idx="0">
+            <a:schemeClr val="accent1"/>
+          </a:effectRef>
+          <a:fontRef idx="minor">
+            <a:schemeClr val="lt1"/>
+          </a:fontRef>
+        </p:style>
+        <p:txBody>
+          <a:bodyPr rtlCol="0" anchor="ctr"/>
+          <a:lstStyle/>
+          <a:p>
+            <a:pPr algn="ctr"/>
+            <a:r>
+              <a:rPr lang="en-US" sz="1200" dirty="0"/>
+              <a:t>Add Asset Manual</a:t>
+            </a:r>
+          </a:p>
+        </p:txBody>
+      </p:sp>
+      <p:cxnSp>
+        <p:nvCxnSpPr>
+          <p:cNvPr id="30" name="Straight Arrow Connector 29">
+            <a:extLst>
+              <a:ext uri="{FF2B5EF4-FFF2-40B4-BE49-F238E27FC236}">
+                <a16:creationId xmlns:a16="http://schemas.microsoft.com/office/drawing/2014/main" id="{6D5629CB-C7AD-5168-8335-1431D1A0D1BF}"/>
+              </a:ext>
+            </a:extLst>
+          </p:cNvPr>
+          <p:cNvCxnSpPr>
+            <a:cxnSpLocks/>
+            <a:endCxn id="27" idx="0"/>
+          </p:cNvCxnSpPr>
+          <p:nvPr/>
+        </p:nvCxnSpPr>
+        <p:spPr>
+          <a:xfrm>
+            <a:off x="5448072" y="2900318"/>
+            <a:ext cx="0" cy="545736"/>
+          </a:xfrm>
+          <a:prstGeom prst="straightConnector1">
+            <a:avLst/>
+          </a:prstGeom>
+          <a:ln>
+            <a:tailEnd type="triangle"/>
+          </a:ln>
+        </p:spPr>
+        <p:style>
+          <a:lnRef idx="1">
+            <a:schemeClr val="accent1"/>
+          </a:lnRef>
+          <a:fillRef idx="0">
+            <a:schemeClr val="accent1"/>
+          </a:fillRef>
+          <a:effectRef idx="0">
+            <a:schemeClr val="accent1"/>
+          </a:effectRef>
+          <a:fontRef idx="minor">
+            <a:schemeClr val="tx1"/>
+          </a:fontRef>
+        </p:style>
+      </p:cxnSp>
+      <p:cxnSp>
+        <p:nvCxnSpPr>
+          <p:cNvPr id="31" name="Straight Arrow Connector 30">
+            <a:extLst>
+              <a:ext uri="{FF2B5EF4-FFF2-40B4-BE49-F238E27FC236}">
+                <a16:creationId xmlns:a16="http://schemas.microsoft.com/office/drawing/2014/main" id="{0A9B2D4A-E6F0-A085-0786-48E4DBA26F1E}"/>
+              </a:ext>
+            </a:extLst>
+          </p:cNvPr>
+          <p:cNvCxnSpPr>
+            <a:cxnSpLocks/>
+            <a:endCxn id="33" idx="0"/>
+          </p:cNvCxnSpPr>
+          <p:nvPr/>
+        </p:nvCxnSpPr>
+        <p:spPr>
+          <a:xfrm>
+            <a:off x="6830469" y="2903946"/>
+            <a:ext cx="4286" cy="542108"/>
+          </a:xfrm>
+          <a:prstGeom prst="straightConnector1">
+            <a:avLst/>
+          </a:prstGeom>
+          <a:ln>
+            <a:tailEnd type="triangle"/>
+          </a:ln>
+        </p:spPr>
+        <p:style>
+          <a:lnRef idx="1">
+            <a:schemeClr val="accent1"/>
+          </a:lnRef>
+          <a:fillRef idx="0">
+            <a:schemeClr val="accent1"/>
+          </a:fillRef>
+          <a:effectRef idx="0">
+            <a:schemeClr val="accent1"/>
+          </a:effectRef>
+          <a:fontRef idx="minor">
+            <a:schemeClr val="tx1"/>
+          </a:fontRef>
+        </p:style>
+      </p:cxnSp>
+      <p:sp>
+        <p:nvSpPr>
+          <p:cNvPr id="33" name="Rectangle 32">
+            <a:extLst>
+              <a:ext uri="{FF2B5EF4-FFF2-40B4-BE49-F238E27FC236}">
+                <a16:creationId xmlns:a16="http://schemas.microsoft.com/office/drawing/2014/main" id="{CBC394EF-F8E9-0E7C-26B0-1F19E92B2296}"/>
+              </a:ext>
+            </a:extLst>
+          </p:cNvPr>
+          <p:cNvSpPr/>
+          <p:nvPr/>
+        </p:nvSpPr>
+        <p:spPr>
+          <a:xfrm>
+            <a:off x="6303532" y="3446054"/>
+            <a:ext cx="1062446" cy="391885"/>
+          </a:xfrm>
+          <a:prstGeom prst="rect">
+            <a:avLst/>
+          </a:prstGeom>
+        </p:spPr>
+        <p:style>
+          <a:lnRef idx="2">
+            <a:schemeClr val="accent1">
+              <a:shade val="15000"/>
+            </a:schemeClr>
+          </a:lnRef>
+          <a:fillRef idx="1">
+            <a:schemeClr val="accent1"/>
+          </a:fillRef>
+          <a:effectRef idx="0">
+            <a:schemeClr val="accent1"/>
+          </a:effectRef>
+          <a:fontRef idx="minor">
+            <a:schemeClr val="lt1"/>
+          </a:fontRef>
+        </p:style>
+        <p:txBody>
+          <a:bodyPr rtlCol="0" anchor="ctr"/>
+          <a:lstStyle/>
+          <a:p>
+            <a:pPr algn="ctr"/>
+            <a:r>
+              <a:rPr lang="en-US" sz="1200" dirty="0"/>
+              <a:t>Download Template</a:t>
+            </a:r>
+          </a:p>
+        </p:txBody>
+      </p:sp>
+      <p:sp>
+        <p:nvSpPr>
+          <p:cNvPr id="34" name="Rectangle 33">
+            <a:extLst>
+              <a:ext uri="{FF2B5EF4-FFF2-40B4-BE49-F238E27FC236}">
+                <a16:creationId xmlns:a16="http://schemas.microsoft.com/office/drawing/2014/main" id="{8924E5E8-974F-CF70-75D8-BFF9765AE87A}"/>
+              </a:ext>
+            </a:extLst>
+          </p:cNvPr>
+          <p:cNvSpPr/>
+          <p:nvPr/>
+        </p:nvSpPr>
+        <p:spPr>
+          <a:xfrm>
+            <a:off x="7552950" y="3438796"/>
+            <a:ext cx="1062446" cy="391885"/>
+          </a:xfrm>
+          <a:prstGeom prst="rect">
+            <a:avLst/>
+          </a:prstGeom>
+        </p:spPr>
+        <p:style>
+          <a:lnRef idx="2">
+            <a:schemeClr val="accent1">
+              <a:shade val="15000"/>
+            </a:schemeClr>
+          </a:lnRef>
+          <a:fillRef idx="1">
+            <a:schemeClr val="accent1"/>
+          </a:fillRef>
+          <a:effectRef idx="0">
+            <a:schemeClr val="accent1"/>
+          </a:effectRef>
+          <a:fontRef idx="minor">
+            <a:schemeClr val="lt1"/>
+          </a:fontRef>
+        </p:style>
+        <p:txBody>
+          <a:bodyPr rtlCol="0" anchor="ctr"/>
+          <a:lstStyle/>
+          <a:p>
+            <a:pPr algn="ctr"/>
+            <a:r>
+              <a:rPr lang="en-US" sz="1200" dirty="0"/>
+              <a:t>Upload File</a:t>
+            </a:r>
+          </a:p>
+        </p:txBody>
+      </p:sp>
+      <p:cxnSp>
+        <p:nvCxnSpPr>
+          <p:cNvPr id="38" name="Straight Arrow Connector 37">
+            <a:extLst>
+              <a:ext uri="{FF2B5EF4-FFF2-40B4-BE49-F238E27FC236}">
+                <a16:creationId xmlns:a16="http://schemas.microsoft.com/office/drawing/2014/main" id="{A4E516C2-A869-293B-721E-1DA63261531C}"/>
+              </a:ext>
+            </a:extLst>
+          </p:cNvPr>
+          <p:cNvCxnSpPr>
+            <a:cxnSpLocks/>
+            <a:endCxn id="34" idx="0"/>
+          </p:cNvCxnSpPr>
+          <p:nvPr/>
+        </p:nvCxnSpPr>
+        <p:spPr>
+          <a:xfrm>
+            <a:off x="8084173" y="2900318"/>
+            <a:ext cx="0" cy="538478"/>
+          </a:xfrm>
+          <a:prstGeom prst="straightConnector1">
+            <a:avLst/>
+          </a:prstGeom>
+          <a:ln>
+            <a:tailEnd type="triangle"/>
+          </a:ln>
+        </p:spPr>
+        <p:style>
+          <a:lnRef idx="1">
+            <a:schemeClr val="accent1"/>
+          </a:lnRef>
+          <a:fillRef idx="0">
+            <a:schemeClr val="accent1"/>
+          </a:fillRef>
+          <a:effectRef idx="0">
+            <a:schemeClr val="accent1"/>
+          </a:effectRef>
+          <a:fontRef idx="minor">
+            <a:schemeClr val="tx1"/>
+          </a:fontRef>
+        </p:style>
+      </p:cxnSp>
+      <p:cxnSp>
+        <p:nvCxnSpPr>
+          <p:cNvPr id="44" name="Straight Arrow Connector 43">
+            <a:extLst>
+              <a:ext uri="{FF2B5EF4-FFF2-40B4-BE49-F238E27FC236}">
+                <a16:creationId xmlns:a16="http://schemas.microsoft.com/office/drawing/2014/main" id="{1F5C852E-DD64-6510-FE77-B66636392828}"/>
+              </a:ext>
+            </a:extLst>
+          </p:cNvPr>
+          <p:cNvCxnSpPr>
+            <a:cxnSpLocks/>
+          </p:cNvCxnSpPr>
+          <p:nvPr/>
+        </p:nvCxnSpPr>
+        <p:spPr>
+          <a:xfrm>
+            <a:off x="8084173" y="3837939"/>
+            <a:ext cx="0" cy="538478"/>
+          </a:xfrm>
+          <a:prstGeom prst="straightConnector1">
+            <a:avLst/>
+          </a:prstGeom>
+          <a:ln>
+            <a:tailEnd type="triangle"/>
+          </a:ln>
+        </p:spPr>
+        <p:style>
+          <a:lnRef idx="1">
+            <a:schemeClr val="accent1"/>
+          </a:lnRef>
+          <a:fillRef idx="0">
+            <a:schemeClr val="accent1"/>
+          </a:fillRef>
+          <a:effectRef idx="0">
+            <a:schemeClr val="accent1"/>
+          </a:effectRef>
+          <a:fontRef idx="minor">
+            <a:schemeClr val="tx1"/>
+          </a:fontRef>
+        </p:style>
+      </p:cxnSp>
+      <p:sp>
+        <p:nvSpPr>
+          <p:cNvPr id="46" name="Rectangle 45">
+            <a:extLst>
+              <a:ext uri="{FF2B5EF4-FFF2-40B4-BE49-F238E27FC236}">
+                <a16:creationId xmlns:a16="http://schemas.microsoft.com/office/drawing/2014/main" id="{6D9CC7BE-200C-B90A-5616-E67FB7EBC73C}"/>
+              </a:ext>
+            </a:extLst>
+          </p:cNvPr>
+          <p:cNvSpPr/>
+          <p:nvPr/>
+        </p:nvSpPr>
+        <p:spPr>
+          <a:xfrm>
+            <a:off x="7552950" y="4376417"/>
+            <a:ext cx="1062446" cy="391885"/>
+          </a:xfrm>
+          <a:prstGeom prst="rect">
+            <a:avLst/>
+          </a:prstGeom>
+        </p:spPr>
+        <p:style>
+          <a:lnRef idx="2">
+            <a:schemeClr val="accent1">
+              <a:shade val="15000"/>
+            </a:schemeClr>
+          </a:lnRef>
+          <a:fillRef idx="1">
+            <a:schemeClr val="accent1"/>
+          </a:fillRef>
+          <a:effectRef idx="0">
+            <a:schemeClr val="accent1"/>
+          </a:effectRef>
+          <a:fontRef idx="minor">
+            <a:schemeClr val="lt1"/>
+          </a:fontRef>
+        </p:style>
+        <p:txBody>
+          <a:bodyPr rtlCol="0" anchor="ctr"/>
+          <a:lstStyle/>
+          <a:p>
+            <a:pPr algn="ctr"/>
+            <a:r>
+              <a:rPr lang="en-US" sz="1200" dirty="0"/>
+              <a:t>Add To Database</a:t>
+            </a:r>
+          </a:p>
+        </p:txBody>
+      </p:sp>
+      <p:grpSp>
+        <p:nvGrpSpPr>
+          <p:cNvPr id="64" name="Group 63">
+            <a:extLst>
+              <a:ext uri="{FF2B5EF4-FFF2-40B4-BE49-F238E27FC236}">
+                <a16:creationId xmlns:a16="http://schemas.microsoft.com/office/drawing/2014/main" id="{113DDF54-7D7C-3007-9A2C-133B98E93B18}"/>
+              </a:ext>
+            </a:extLst>
+          </p:cNvPr>
+          <p:cNvGrpSpPr/>
+          <p:nvPr/>
+        </p:nvGrpSpPr>
+        <p:grpSpPr>
+          <a:xfrm>
+            <a:off x="1306460" y="1269278"/>
+            <a:ext cx="4075262" cy="437603"/>
+            <a:chOff x="1306460" y="1269278"/>
+            <a:chExt cx="4075262" cy="437603"/>
+          </a:xfrm>
+        </p:grpSpPr>
+        <p:cxnSp>
+          <p:nvCxnSpPr>
+            <p:cNvPr id="8" name="Straight Arrow Connector 7">
+              <a:extLst>
+                <a:ext uri="{FF2B5EF4-FFF2-40B4-BE49-F238E27FC236}">
+                  <a16:creationId xmlns:a16="http://schemas.microsoft.com/office/drawing/2014/main" id="{0156AEEF-094A-815A-B079-2A9BB5214E2E}"/>
+                </a:ext>
+              </a:extLst>
+            </p:cNvPr>
+            <p:cNvCxnSpPr>
+              <a:cxnSpLocks/>
+              <a:endCxn id="3" idx="0"/>
+            </p:cNvCxnSpPr>
+            <p:nvPr/>
+          </p:nvCxnSpPr>
+          <p:spPr>
+            <a:xfrm>
+              <a:off x="1306460" y="1282640"/>
+              <a:ext cx="1" cy="424241"/>
+            </a:xfrm>
+            <a:prstGeom prst="straightConnector1">
+              <a:avLst/>
+            </a:prstGeom>
+            <a:ln>
+              <a:tailEnd type="triangle"/>
+            </a:ln>
+          </p:spPr>
+          <p:style>
+            <a:lnRef idx="1">
+              <a:schemeClr val="accent1"/>
+            </a:lnRef>
+            <a:fillRef idx="0">
+              <a:schemeClr val="accent1"/>
+            </a:fillRef>
+            <a:effectRef idx="0">
+              <a:schemeClr val="accent1"/>
+            </a:effectRef>
+            <a:fontRef idx="minor">
+              <a:schemeClr val="tx1"/>
+            </a:fontRef>
+          </p:style>
+        </p:cxnSp>
+        <p:cxnSp>
+          <p:nvCxnSpPr>
+            <p:cNvPr id="10" name="Straight Arrow Connector 9">
+              <a:extLst>
+                <a:ext uri="{FF2B5EF4-FFF2-40B4-BE49-F238E27FC236}">
+                  <a16:creationId xmlns:a16="http://schemas.microsoft.com/office/drawing/2014/main" id="{F868722B-8A1F-55E1-538D-D5D8F7BD5B88}"/>
+                </a:ext>
+              </a:extLst>
+            </p:cNvPr>
+            <p:cNvCxnSpPr>
+              <a:cxnSpLocks/>
+              <a:endCxn id="5" idx="0"/>
+            </p:cNvCxnSpPr>
+            <p:nvPr/>
+          </p:nvCxnSpPr>
+          <p:spPr>
+            <a:xfrm>
+              <a:off x="5381721" y="1281250"/>
+              <a:ext cx="1" cy="425631"/>
+            </a:xfrm>
+            <a:prstGeom prst="straightConnector1">
+              <a:avLst/>
+            </a:prstGeom>
+            <a:ln>
+              <a:tailEnd type="triangle"/>
+            </a:ln>
+          </p:spPr>
+          <p:style>
+            <a:lnRef idx="1">
+              <a:schemeClr val="accent1"/>
+            </a:lnRef>
+            <a:fillRef idx="0">
+              <a:schemeClr val="accent1"/>
+            </a:fillRef>
+            <a:effectRef idx="0">
+              <a:schemeClr val="accent1"/>
+            </a:effectRef>
+            <a:fontRef idx="minor">
+              <a:schemeClr val="tx1"/>
+            </a:fontRef>
+          </p:style>
+        </p:cxnSp>
+        <p:cxnSp>
+          <p:nvCxnSpPr>
+            <p:cNvPr id="16" name="Straight Arrow Connector 15">
+              <a:extLst>
+                <a:ext uri="{FF2B5EF4-FFF2-40B4-BE49-F238E27FC236}">
+                  <a16:creationId xmlns:a16="http://schemas.microsoft.com/office/drawing/2014/main" id="{9F777084-A469-9805-7DEB-52BFAFB33D35}"/>
+                </a:ext>
+              </a:extLst>
+            </p:cNvPr>
+            <p:cNvCxnSpPr>
+              <a:cxnSpLocks/>
+              <a:endCxn id="4" idx="0"/>
+            </p:cNvCxnSpPr>
+            <p:nvPr/>
+          </p:nvCxnSpPr>
+          <p:spPr>
+            <a:xfrm>
+              <a:off x="3319174" y="1277985"/>
+              <a:ext cx="1" cy="428896"/>
+            </a:xfrm>
+            <a:prstGeom prst="straightConnector1">
+              <a:avLst/>
+            </a:prstGeom>
+            <a:ln>
+              <a:tailEnd type="triangle"/>
+            </a:ln>
+          </p:spPr>
+          <p:style>
+            <a:lnRef idx="1">
+              <a:schemeClr val="accent1"/>
+            </a:lnRef>
+            <a:fillRef idx="0">
+              <a:schemeClr val="accent1"/>
+            </a:fillRef>
+            <a:effectRef idx="0">
+              <a:schemeClr val="accent1"/>
+            </a:effectRef>
+            <a:fontRef idx="minor">
+              <a:schemeClr val="tx1"/>
+            </a:fontRef>
+          </p:style>
+        </p:cxnSp>
+        <p:cxnSp>
+          <p:nvCxnSpPr>
+            <p:cNvPr id="49" name="Straight Connector 48">
+              <a:extLst>
+                <a:ext uri="{FF2B5EF4-FFF2-40B4-BE49-F238E27FC236}">
+                  <a16:creationId xmlns:a16="http://schemas.microsoft.com/office/drawing/2014/main" id="{5EA3F46F-251E-B900-782C-6A7E9E40B3D4}"/>
+                </a:ext>
+              </a:extLst>
+            </p:cNvPr>
+            <p:cNvCxnSpPr>
+              <a:cxnSpLocks/>
+            </p:cNvCxnSpPr>
+            <p:nvPr/>
+          </p:nvCxnSpPr>
+          <p:spPr>
+            <a:xfrm flipV="1">
+              <a:off x="1306460" y="1269278"/>
+              <a:ext cx="4075261" cy="13361"/>
+            </a:xfrm>
+            <a:prstGeom prst="line">
+              <a:avLst/>
+            </a:prstGeom>
+          </p:spPr>
+          <p:style>
+            <a:lnRef idx="1">
+              <a:schemeClr val="accent1"/>
+            </a:lnRef>
+            <a:fillRef idx="0">
+              <a:schemeClr val="accent1"/>
+            </a:fillRef>
+            <a:effectRef idx="0">
+              <a:schemeClr val="accent1"/>
+            </a:effectRef>
+            <a:fontRef idx="minor">
+              <a:schemeClr val="tx1"/>
+            </a:fontRef>
+          </p:style>
+        </p:cxnSp>
+      </p:grpSp>
+    </p:spTree>
+    <p:extLst>
+      <p:ext uri="{BB962C8B-B14F-4D97-AF65-F5344CB8AC3E}">
+        <p14:creationId xmlns:p14="http://schemas.microsoft.com/office/powerpoint/2010/main" val="1374645834"/>
+      </p:ext>
+    </p:extLst>
+  </p:cSld>
+  <p:clrMapOvr>
+    <a:masterClrMapping/>
+  </p:clrMapOvr>
+</p:sld>
+</file>
+
+<file path=ppt/slides/slide8.xml><?xml version="1.0" encoding="utf-8"?>
+<p:sld xmlns:a="http://schemas.openxmlformats.org/drawingml/2006/main" xmlns:r="http://schemas.openxmlformats.org/officeDocument/2006/relationships" xmlns:p="http://schemas.openxmlformats.org/presentationml/2006/main">
+  <p:cSld>
+    <p:spTree>
+      <p:nvGrpSpPr>
+        <p:cNvPr id="1" name=""/>
+        <p:cNvGrpSpPr/>
+        <p:nvPr/>
+      </p:nvGrpSpPr>
+      <p:grpSpPr>
+        <a:xfrm>
+          <a:off x="0" y="0"/>
+          <a:ext cx="0" cy="0"/>
+          <a:chOff x="0" y="0"/>
+          <a:chExt cx="0" cy="0"/>
+        </a:xfrm>
+      </p:grpSpPr>
+      <p:grpSp>
+        <p:nvGrpSpPr>
+          <p:cNvPr id="4" name="Group 3">
+            <a:extLst>
+              <a:ext uri="{FF2B5EF4-FFF2-40B4-BE49-F238E27FC236}">
+                <a16:creationId xmlns:a16="http://schemas.microsoft.com/office/drawing/2014/main" id="{BFFA0A5C-BD04-0B78-3ACE-58F2727A8705}"/>
+              </a:ext>
+            </a:extLst>
+          </p:cNvPr>
+          <p:cNvGrpSpPr/>
+          <p:nvPr/>
+        </p:nvGrpSpPr>
+        <p:grpSpPr>
+          <a:xfrm>
+            <a:off x="4764404" y="303689"/>
+            <a:ext cx="1393372" cy="1525111"/>
+            <a:chOff x="5294811" y="1984443"/>
+            <a:chExt cx="1393372" cy="1525111"/>
+          </a:xfrm>
+        </p:grpSpPr>
+        <p:sp>
+          <p:nvSpPr>
+            <p:cNvPr id="2" name="Oval 1">
+              <a:extLst>
+                <a:ext uri="{FF2B5EF4-FFF2-40B4-BE49-F238E27FC236}">
+                  <a16:creationId xmlns:a16="http://schemas.microsoft.com/office/drawing/2014/main" id="{81BB8621-7C29-580F-7053-892E3AB63E32}"/>
+                </a:ext>
+              </a:extLst>
+            </p:cNvPr>
+            <p:cNvSpPr/>
+            <p:nvPr/>
+          </p:nvSpPr>
+          <p:spPr>
+            <a:xfrm>
+              <a:off x="5429794" y="1984443"/>
+              <a:ext cx="1123406" cy="568800"/>
+            </a:xfrm>
+            <a:prstGeom prst="ellipse">
+              <a:avLst/>
+            </a:prstGeom>
+          </p:spPr>
+          <p:style>
+            <a:lnRef idx="2">
+              <a:schemeClr val="accent1">
+                <a:shade val="15000"/>
+              </a:schemeClr>
+            </a:lnRef>
+            <a:fillRef idx="1">
+              <a:schemeClr val="accent1"/>
+            </a:fillRef>
+            <a:effectRef idx="0">
+              <a:schemeClr val="accent1"/>
+            </a:effectRef>
+            <a:fontRef idx="minor">
+              <a:schemeClr val="lt1"/>
+            </a:fontRef>
+          </p:style>
+          <p:txBody>
+            <a:bodyPr rtlCol="0" anchor="ctr"/>
+            <a:lstStyle/>
+            <a:p>
+              <a:pPr algn="ctr"/>
+              <a:r>
+                <a:rPr lang="en-US" dirty="0"/>
+                <a:t>start</a:t>
+              </a:r>
+            </a:p>
+          </p:txBody>
+        </p:sp>
+        <p:sp>
+          <p:nvSpPr>
+            <p:cNvPr id="3" name="Rectangle: Rounded Corners 2">
+              <a:extLst>
+                <a:ext uri="{FF2B5EF4-FFF2-40B4-BE49-F238E27FC236}">
+                  <a16:creationId xmlns:a16="http://schemas.microsoft.com/office/drawing/2014/main" id="{FDE5C258-C08A-3110-54EA-4D07DD90530B}"/>
+                </a:ext>
+              </a:extLst>
+            </p:cNvPr>
+            <p:cNvSpPr/>
+            <p:nvPr/>
+          </p:nvSpPr>
+          <p:spPr>
+            <a:xfrm>
+              <a:off x="5294811" y="2940754"/>
+              <a:ext cx="1393372" cy="568800"/>
+            </a:xfrm>
+            <a:prstGeom prst="roundRect">
+              <a:avLst/>
+            </a:prstGeom>
+          </p:spPr>
+          <p:style>
+            <a:lnRef idx="2">
+              <a:schemeClr val="accent1">
+                <a:shade val="15000"/>
+              </a:schemeClr>
+            </a:lnRef>
+            <a:fillRef idx="1">
+              <a:schemeClr val="accent1"/>
+            </a:fillRef>
+            <a:effectRef idx="0">
+              <a:schemeClr val="accent1"/>
+            </a:effectRef>
+            <a:fontRef idx="minor">
+              <a:schemeClr val="lt1"/>
+            </a:fontRef>
+          </p:style>
+          <p:txBody>
+            <a:bodyPr rtlCol="0" anchor="ctr"/>
+            <a:lstStyle/>
+            <a:p>
+              <a:pPr algn="ctr"/>
+              <a:r>
+                <a:rPr lang="en-US" dirty="0"/>
+                <a:t>Login</a:t>
+              </a:r>
+              <a:br>
+                <a:rPr lang="en-US" dirty="0"/>
+              </a:br>
+              <a:r>
+                <a:rPr lang="en-US" dirty="0"/>
+                <a:t>(admin3)</a:t>
+              </a:r>
+            </a:p>
+          </p:txBody>
+        </p:sp>
+      </p:grpSp>
+      <p:sp>
+        <p:nvSpPr>
+          <p:cNvPr id="5" name="Rectangle 4">
+            <a:extLst>
+              <a:ext uri="{FF2B5EF4-FFF2-40B4-BE49-F238E27FC236}">
+                <a16:creationId xmlns:a16="http://schemas.microsoft.com/office/drawing/2014/main" id="{2BA1EA92-3FCC-526A-6D35-835F6C713725}"/>
+              </a:ext>
+            </a:extLst>
+          </p:cNvPr>
+          <p:cNvSpPr/>
+          <p:nvPr/>
+        </p:nvSpPr>
+        <p:spPr>
+          <a:xfrm>
+            <a:off x="4378975" y="2216311"/>
+            <a:ext cx="2164230" cy="583474"/>
+          </a:xfrm>
+          <a:prstGeom prst="rect">
+            <a:avLst/>
+          </a:prstGeom>
+        </p:spPr>
+        <p:style>
+          <a:lnRef idx="2">
+            <a:schemeClr val="accent1">
+              <a:shade val="15000"/>
+            </a:schemeClr>
+          </a:lnRef>
+          <a:fillRef idx="1">
+            <a:schemeClr val="accent1"/>
+          </a:fillRef>
+          <a:effectRef idx="0">
+            <a:schemeClr val="accent1"/>
+          </a:effectRef>
+          <a:fontRef idx="minor">
+            <a:schemeClr val="lt1"/>
+          </a:fontRef>
+        </p:style>
+        <p:txBody>
+          <a:bodyPr rtlCol="0" anchor="ctr"/>
+          <a:lstStyle/>
+          <a:p>
+            <a:pPr algn="ctr"/>
+            <a:r>
+              <a:rPr lang="en-US" dirty="0"/>
+              <a:t>HOME</a:t>
+            </a:r>
+          </a:p>
+        </p:txBody>
+      </p:sp>
+      <p:cxnSp>
+        <p:nvCxnSpPr>
+          <p:cNvPr id="19" name="Straight Arrow Connector 18">
+            <a:extLst>
+              <a:ext uri="{FF2B5EF4-FFF2-40B4-BE49-F238E27FC236}">
+                <a16:creationId xmlns:a16="http://schemas.microsoft.com/office/drawing/2014/main" id="{71E67E37-E7EC-E42E-329F-630E0B356F67}"/>
+              </a:ext>
+            </a:extLst>
+          </p:cNvPr>
+          <p:cNvCxnSpPr>
+            <a:cxnSpLocks/>
+            <a:stCxn id="2" idx="4"/>
+            <a:endCxn id="3" idx="0"/>
+          </p:cNvCxnSpPr>
+          <p:nvPr/>
+        </p:nvCxnSpPr>
+        <p:spPr>
+          <a:xfrm>
+            <a:off x="5461090" y="872489"/>
+            <a:ext cx="0" cy="387511"/>
+          </a:xfrm>
+          <a:prstGeom prst="straightConnector1">
+            <a:avLst/>
+          </a:prstGeom>
+          <a:ln>
+            <a:tailEnd type="triangle"/>
+          </a:ln>
+        </p:spPr>
+        <p:style>
+          <a:lnRef idx="1">
+            <a:schemeClr val="accent4"/>
+          </a:lnRef>
+          <a:fillRef idx="0">
+            <a:schemeClr val="accent4"/>
+          </a:fillRef>
+          <a:effectRef idx="0">
+            <a:schemeClr val="accent4"/>
+          </a:effectRef>
+          <a:fontRef idx="minor">
+            <a:schemeClr val="tx1"/>
+          </a:fontRef>
+        </p:style>
+      </p:cxnSp>
+      <p:cxnSp>
+        <p:nvCxnSpPr>
+          <p:cNvPr id="26" name="Straight Connector 25">
+            <a:extLst>
+              <a:ext uri="{FF2B5EF4-FFF2-40B4-BE49-F238E27FC236}">
+                <a16:creationId xmlns:a16="http://schemas.microsoft.com/office/drawing/2014/main" id="{68C3ABA8-DD3B-5A58-B739-758591EE17F3}"/>
+              </a:ext>
+            </a:extLst>
+          </p:cNvPr>
+          <p:cNvCxnSpPr>
+            <a:cxnSpLocks/>
+            <a:stCxn id="3" idx="2"/>
+          </p:cNvCxnSpPr>
+          <p:nvPr/>
+        </p:nvCxnSpPr>
+        <p:spPr>
+          <a:xfrm>
+            <a:off x="5461090" y="1828800"/>
+            <a:ext cx="0" cy="165463"/>
+          </a:xfrm>
+          <a:prstGeom prst="line">
+            <a:avLst/>
+          </a:prstGeom>
+        </p:spPr>
+        <p:style>
+          <a:lnRef idx="1">
+            <a:schemeClr val="accent1"/>
+          </a:lnRef>
+          <a:fillRef idx="0">
+            <a:schemeClr val="accent1"/>
+          </a:fillRef>
+          <a:effectRef idx="0">
+            <a:schemeClr val="accent1"/>
+          </a:effectRef>
+          <a:fontRef idx="minor">
+            <a:schemeClr val="tx1"/>
+          </a:fontRef>
+        </p:style>
+      </p:cxnSp>
+      <p:cxnSp>
+        <p:nvCxnSpPr>
+          <p:cNvPr id="29" name="Straight Connector 28">
+            <a:extLst>
+              <a:ext uri="{FF2B5EF4-FFF2-40B4-BE49-F238E27FC236}">
+                <a16:creationId xmlns:a16="http://schemas.microsoft.com/office/drawing/2014/main" id="{6BB71CF4-DA42-CD01-699D-CC9559D20B7A}"/>
+              </a:ext>
+            </a:extLst>
+          </p:cNvPr>
+          <p:cNvCxnSpPr>
+            <a:cxnSpLocks/>
+          </p:cNvCxnSpPr>
+          <p:nvPr/>
+        </p:nvCxnSpPr>
+        <p:spPr>
+          <a:xfrm>
+            <a:off x="2264574" y="1994263"/>
+            <a:ext cx="6720419" cy="3879"/>
+          </a:xfrm>
+          <a:prstGeom prst="line">
+            <a:avLst/>
+          </a:prstGeom>
+        </p:spPr>
+        <p:style>
+          <a:lnRef idx="1">
+            <a:schemeClr val="accent1"/>
+          </a:lnRef>
+          <a:fillRef idx="0">
+            <a:schemeClr val="accent1"/>
+          </a:fillRef>
+          <a:effectRef idx="0">
+            <a:schemeClr val="accent1"/>
+          </a:effectRef>
+          <a:fontRef idx="minor">
+            <a:schemeClr val="tx1"/>
+          </a:fontRef>
+        </p:style>
+      </p:cxnSp>
+      <p:cxnSp>
+        <p:nvCxnSpPr>
+          <p:cNvPr id="35" name="Straight Arrow Connector 34">
+            <a:extLst>
+              <a:ext uri="{FF2B5EF4-FFF2-40B4-BE49-F238E27FC236}">
+                <a16:creationId xmlns:a16="http://schemas.microsoft.com/office/drawing/2014/main" id="{F65ADC27-FF95-3970-10DB-CD666DC68070}"/>
+              </a:ext>
+            </a:extLst>
+          </p:cNvPr>
+          <p:cNvCxnSpPr>
+            <a:cxnSpLocks/>
+            <a:endCxn id="5" idx="0"/>
+          </p:cNvCxnSpPr>
+          <p:nvPr/>
+        </p:nvCxnSpPr>
+        <p:spPr>
+          <a:xfrm>
+            <a:off x="5461090" y="1994263"/>
+            <a:ext cx="0" cy="222048"/>
+          </a:xfrm>
+          <a:prstGeom prst="straightConnector1">
+            <a:avLst/>
+          </a:prstGeom>
+          <a:ln>
+            <a:tailEnd type="triangle"/>
+          </a:ln>
+        </p:spPr>
+        <p:style>
+          <a:lnRef idx="1">
+            <a:schemeClr val="accent1"/>
+          </a:lnRef>
+          <a:fillRef idx="0">
+            <a:schemeClr val="accent1"/>
+          </a:fillRef>
+          <a:effectRef idx="0">
+            <a:schemeClr val="accent1"/>
+          </a:effectRef>
+          <a:fontRef idx="minor">
+            <a:schemeClr val="tx1"/>
+          </a:fontRef>
+        </p:style>
+      </p:cxnSp>
+      <p:cxnSp>
+        <p:nvCxnSpPr>
+          <p:cNvPr id="48" name="Straight Connector 47">
+            <a:extLst>
+              <a:ext uri="{FF2B5EF4-FFF2-40B4-BE49-F238E27FC236}">
+                <a16:creationId xmlns:a16="http://schemas.microsoft.com/office/drawing/2014/main" id="{123510B8-6165-4C73-9C91-0EF08452381F}"/>
+              </a:ext>
+            </a:extLst>
+          </p:cNvPr>
+          <p:cNvCxnSpPr>
+            <a:cxnSpLocks/>
+            <a:stCxn id="5" idx="2"/>
+          </p:cNvCxnSpPr>
+          <p:nvPr/>
+        </p:nvCxnSpPr>
+        <p:spPr>
+          <a:xfrm>
+            <a:off x="5461090" y="2799785"/>
+            <a:ext cx="0" cy="607692"/>
+          </a:xfrm>
+          <a:prstGeom prst="line">
+            <a:avLst/>
+          </a:prstGeom>
+        </p:spPr>
+        <p:style>
+          <a:lnRef idx="1">
+            <a:schemeClr val="accent1"/>
+          </a:lnRef>
+          <a:fillRef idx="0">
+            <a:schemeClr val="accent1"/>
+          </a:fillRef>
+          <a:effectRef idx="0">
+            <a:schemeClr val="accent1"/>
+          </a:effectRef>
+          <a:fontRef idx="minor">
+            <a:schemeClr val="tx1"/>
+          </a:fontRef>
+        </p:style>
+      </p:cxnSp>
+      <p:grpSp>
+        <p:nvGrpSpPr>
+          <p:cNvPr id="14" name="Group 13">
+            <a:extLst>
+              <a:ext uri="{FF2B5EF4-FFF2-40B4-BE49-F238E27FC236}">
+                <a16:creationId xmlns:a16="http://schemas.microsoft.com/office/drawing/2014/main" id="{A142C400-568B-DCC5-699F-479F4966661A}"/>
+              </a:ext>
+            </a:extLst>
+          </p:cNvPr>
+          <p:cNvGrpSpPr/>
+          <p:nvPr/>
+        </p:nvGrpSpPr>
+        <p:grpSpPr>
+          <a:xfrm>
+            <a:off x="2101317" y="3758571"/>
+            <a:ext cx="6761388" cy="583474"/>
+            <a:chOff x="283846" y="3322320"/>
+            <a:chExt cx="6761388" cy="583474"/>
+          </a:xfrm>
+        </p:grpSpPr>
+        <p:sp>
+          <p:nvSpPr>
+            <p:cNvPr id="10" name="Rectangle: Rounded Corners 9">
+              <a:extLst>
+                <a:ext uri="{FF2B5EF4-FFF2-40B4-BE49-F238E27FC236}">
+                  <a16:creationId xmlns:a16="http://schemas.microsoft.com/office/drawing/2014/main" id="{32DC4C0E-8522-8B8B-C4BF-4580C51825CC}"/>
+                </a:ext>
+              </a:extLst>
+            </p:cNvPr>
+            <p:cNvSpPr/>
+            <p:nvPr/>
+          </p:nvSpPr>
+          <p:spPr>
+            <a:xfrm>
+              <a:off x="283846" y="3322320"/>
+              <a:ext cx="1267099" cy="583474"/>
+            </a:xfrm>
+            <a:prstGeom prst="roundRect">
+              <a:avLst/>
+            </a:prstGeom>
+          </p:spPr>
+          <p:style>
+            <a:lnRef idx="2">
+              <a:schemeClr val="accent1">
+                <a:shade val="15000"/>
+              </a:schemeClr>
+            </a:lnRef>
+            <a:fillRef idx="1">
+              <a:schemeClr val="accent1"/>
+            </a:fillRef>
+            <a:effectRef idx="0">
+              <a:schemeClr val="accent1"/>
+            </a:effectRef>
+            <a:fontRef idx="minor">
+              <a:schemeClr val="lt1"/>
+            </a:fontRef>
+          </p:style>
+          <p:txBody>
+            <a:bodyPr rtlCol="0" anchor="ctr"/>
+            <a:lstStyle/>
+            <a:p>
+              <a:pPr algn="ctr"/>
+              <a:r>
+                <a:rPr lang="en-US" dirty="0"/>
+                <a:t>Assign Location</a:t>
+              </a:r>
+            </a:p>
+          </p:txBody>
+        </p:sp>
+        <p:sp>
+          <p:nvSpPr>
+            <p:cNvPr id="11" name="Rectangle: Rounded Corners 10">
+              <a:extLst>
+                <a:ext uri="{FF2B5EF4-FFF2-40B4-BE49-F238E27FC236}">
+                  <a16:creationId xmlns:a16="http://schemas.microsoft.com/office/drawing/2014/main" id="{5E7C840D-299B-EF74-2D35-89866D7FC349}"/>
+                </a:ext>
+              </a:extLst>
+            </p:cNvPr>
+            <p:cNvSpPr/>
+            <p:nvPr/>
+          </p:nvSpPr>
+          <p:spPr>
+            <a:xfrm>
+              <a:off x="2109515" y="3322320"/>
+              <a:ext cx="1261112" cy="583474"/>
+            </a:xfrm>
+            <a:prstGeom prst="roundRect">
+              <a:avLst/>
+            </a:prstGeom>
+          </p:spPr>
+          <p:style>
+            <a:lnRef idx="2">
+              <a:schemeClr val="accent1">
+                <a:shade val="15000"/>
+              </a:schemeClr>
+            </a:lnRef>
+            <a:fillRef idx="1">
+              <a:schemeClr val="accent1"/>
+            </a:fillRef>
+            <a:effectRef idx="0">
+              <a:schemeClr val="accent1"/>
+            </a:effectRef>
+            <a:fontRef idx="minor">
+              <a:schemeClr val="lt1"/>
+            </a:fontRef>
+          </p:style>
+          <p:txBody>
+            <a:bodyPr rtlCol="0" anchor="ctr"/>
+            <a:lstStyle/>
+            <a:p>
+              <a:pPr algn="ctr"/>
+              <a:r>
+                <a:rPr lang="en-US" dirty="0"/>
+                <a:t>Move </a:t>
+              </a:r>
+              <a:br>
+                <a:rPr lang="en-US" dirty="0"/>
+              </a:br>
+              <a:r>
+                <a:rPr lang="en-US" dirty="0"/>
+                <a:t>Asset</a:t>
+              </a:r>
+            </a:p>
+          </p:txBody>
+        </p:sp>
+        <p:sp>
+          <p:nvSpPr>
+            <p:cNvPr id="12" name="Rectangle: Rounded Corners 11">
+              <a:extLst>
+                <a:ext uri="{FF2B5EF4-FFF2-40B4-BE49-F238E27FC236}">
+                  <a16:creationId xmlns:a16="http://schemas.microsoft.com/office/drawing/2014/main" id="{3F09FA54-EB98-8FA4-FCF6-C6C67BCBC0D7}"/>
+                </a:ext>
+              </a:extLst>
+            </p:cNvPr>
+            <p:cNvSpPr/>
+            <p:nvPr/>
+          </p:nvSpPr>
+          <p:spPr>
+            <a:xfrm>
+              <a:off x="3964440" y="3322320"/>
+              <a:ext cx="1261112" cy="583474"/>
+            </a:xfrm>
+            <a:prstGeom prst="roundRect">
+              <a:avLst/>
+            </a:prstGeom>
+          </p:spPr>
+          <p:style>
+            <a:lnRef idx="2">
+              <a:schemeClr val="accent1">
+                <a:shade val="15000"/>
+              </a:schemeClr>
+            </a:lnRef>
+            <a:fillRef idx="1">
+              <a:schemeClr val="accent1"/>
+            </a:fillRef>
+            <a:effectRef idx="0">
+              <a:schemeClr val="accent1"/>
+            </a:effectRef>
+            <a:fontRef idx="minor">
+              <a:schemeClr val="lt1"/>
+            </a:fontRef>
+          </p:style>
+          <p:txBody>
+            <a:bodyPr rtlCol="0" anchor="ctr"/>
+            <a:lstStyle/>
+            <a:p>
+              <a:pPr algn="ctr"/>
+              <a:r>
+                <a:rPr lang="en-US" dirty="0"/>
+                <a:t>Release Asset</a:t>
+              </a:r>
+            </a:p>
+          </p:txBody>
+        </p:sp>
+        <p:sp>
+          <p:nvSpPr>
+            <p:cNvPr id="13" name="Rectangle: Rounded Corners 12">
+              <a:extLst>
+                <a:ext uri="{FF2B5EF4-FFF2-40B4-BE49-F238E27FC236}">
+                  <a16:creationId xmlns:a16="http://schemas.microsoft.com/office/drawing/2014/main" id="{9A057B16-C558-B82B-6A27-06211F05329E}"/>
+                </a:ext>
+              </a:extLst>
+            </p:cNvPr>
+            <p:cNvSpPr/>
+            <p:nvPr/>
+          </p:nvSpPr>
+          <p:spPr>
+            <a:xfrm>
+              <a:off x="5784122" y="3322320"/>
+              <a:ext cx="1261112" cy="583474"/>
+            </a:xfrm>
+            <a:prstGeom prst="roundRect">
+              <a:avLst/>
+            </a:prstGeom>
+          </p:spPr>
+          <p:style>
+            <a:lnRef idx="2">
+              <a:schemeClr val="accent1">
+                <a:shade val="15000"/>
+              </a:schemeClr>
+            </a:lnRef>
+            <a:fillRef idx="1">
+              <a:schemeClr val="accent1"/>
+            </a:fillRef>
+            <a:effectRef idx="0">
+              <a:schemeClr val="accent1"/>
+            </a:effectRef>
+            <a:fontRef idx="minor">
+              <a:schemeClr val="lt1"/>
+            </a:fontRef>
+          </p:style>
+          <p:txBody>
+            <a:bodyPr rtlCol="0" anchor="ctr"/>
+            <a:lstStyle/>
+            <a:p>
+              <a:pPr algn="ctr"/>
+              <a:r>
+                <a:rPr lang="en-US" dirty="0"/>
+                <a:t>Audit </a:t>
+              </a:r>
+              <a:br>
+                <a:rPr lang="en-US" dirty="0"/>
+              </a:br>
+              <a:r>
+                <a:rPr lang="en-US" dirty="0"/>
+                <a:t>Asset</a:t>
+              </a:r>
+            </a:p>
+          </p:txBody>
+        </p:sp>
+      </p:grpSp>
+      <p:sp>
+        <p:nvSpPr>
+          <p:cNvPr id="16" name="Rectangle 15">
+            <a:extLst>
+              <a:ext uri="{FF2B5EF4-FFF2-40B4-BE49-F238E27FC236}">
+                <a16:creationId xmlns:a16="http://schemas.microsoft.com/office/drawing/2014/main" id="{9D3B9256-E7FA-B86C-EBCD-B4498D745D32}"/>
+              </a:ext>
+            </a:extLst>
+          </p:cNvPr>
+          <p:cNvSpPr/>
+          <p:nvPr/>
+        </p:nvSpPr>
+        <p:spPr>
+          <a:xfrm>
+            <a:off x="2230177" y="4837342"/>
+            <a:ext cx="1009378" cy="357052"/>
+          </a:xfrm>
+          <a:prstGeom prst="rect">
+            <a:avLst/>
+          </a:prstGeom>
+        </p:spPr>
+        <p:style>
+          <a:lnRef idx="2">
+            <a:schemeClr val="accent1">
+              <a:shade val="15000"/>
+            </a:schemeClr>
+          </a:lnRef>
+          <a:fillRef idx="1">
+            <a:schemeClr val="accent1"/>
+          </a:fillRef>
+          <a:effectRef idx="0">
+            <a:schemeClr val="accent1"/>
+          </a:effectRef>
+          <a:fontRef idx="minor">
+            <a:schemeClr val="lt1"/>
+          </a:fontRef>
+        </p:style>
+        <p:txBody>
+          <a:bodyPr rtlCol="0" anchor="ctr"/>
+          <a:lstStyle/>
+          <a:p>
+            <a:pPr algn="ctr"/>
+            <a:r>
+              <a:rPr lang="en-US" sz="1400" dirty="0"/>
+              <a:t>Scan Asset</a:t>
+            </a:r>
+            <a:br>
+              <a:rPr lang="en-US" sz="1400" dirty="0"/>
+            </a:br>
+            <a:r>
+              <a:rPr lang="en-US" sz="1000" dirty="0"/>
+              <a:t>(button)</a:t>
+            </a:r>
+          </a:p>
+        </p:txBody>
+      </p:sp>
+      <p:sp>
+        <p:nvSpPr>
+          <p:cNvPr id="17" name="Rectangle 16">
+            <a:extLst>
+              <a:ext uri="{FF2B5EF4-FFF2-40B4-BE49-F238E27FC236}">
+                <a16:creationId xmlns:a16="http://schemas.microsoft.com/office/drawing/2014/main" id="{33737F8F-B5EC-84C7-2CC3-2BB963C04DED}"/>
+              </a:ext>
+            </a:extLst>
+          </p:cNvPr>
+          <p:cNvSpPr/>
+          <p:nvPr/>
+        </p:nvSpPr>
+        <p:spPr>
+          <a:xfrm>
+            <a:off x="2059475" y="5511165"/>
+            <a:ext cx="1350781" cy="357052"/>
+          </a:xfrm>
+          <a:prstGeom prst="rect">
+            <a:avLst/>
+          </a:prstGeom>
+        </p:spPr>
+        <p:style>
+          <a:lnRef idx="2">
+            <a:schemeClr val="accent1">
+              <a:shade val="15000"/>
+            </a:schemeClr>
+          </a:lnRef>
+          <a:fillRef idx="1">
+            <a:schemeClr val="accent1"/>
+          </a:fillRef>
+          <a:effectRef idx="0">
+            <a:schemeClr val="accent1"/>
+          </a:effectRef>
+          <a:fontRef idx="minor">
+            <a:schemeClr val="lt1"/>
+          </a:fontRef>
+        </p:style>
+        <p:txBody>
+          <a:bodyPr rtlCol="0" anchor="ctr"/>
+          <a:lstStyle/>
+          <a:p>
+            <a:pPr algn="ctr"/>
+            <a:r>
+              <a:rPr lang="en-US" sz="1400" dirty="0"/>
+              <a:t>Scan Location</a:t>
+            </a:r>
+            <a:br>
+              <a:rPr lang="en-US" sz="1400" dirty="0"/>
+            </a:br>
+            <a:r>
+              <a:rPr lang="en-US" sz="1000" dirty="0"/>
+              <a:t>(button)</a:t>
+            </a:r>
+          </a:p>
+        </p:txBody>
+      </p:sp>
+      <p:cxnSp>
+        <p:nvCxnSpPr>
+          <p:cNvPr id="53" name="Straight Connector 52">
+            <a:extLst>
+              <a:ext uri="{FF2B5EF4-FFF2-40B4-BE49-F238E27FC236}">
+                <a16:creationId xmlns:a16="http://schemas.microsoft.com/office/drawing/2014/main" id="{385CEC61-7101-0378-4C83-F4E30233393F}"/>
+              </a:ext>
+            </a:extLst>
+          </p:cNvPr>
+          <p:cNvCxnSpPr>
+            <a:cxnSpLocks/>
+          </p:cNvCxnSpPr>
+          <p:nvPr/>
+        </p:nvCxnSpPr>
+        <p:spPr>
+          <a:xfrm>
+            <a:off x="2734865" y="3409952"/>
+            <a:ext cx="5462898" cy="0"/>
+          </a:xfrm>
+          <a:prstGeom prst="line">
+            <a:avLst/>
+          </a:prstGeom>
+        </p:spPr>
+        <p:style>
+          <a:lnRef idx="1">
+            <a:schemeClr val="accent1"/>
+          </a:lnRef>
+          <a:fillRef idx="0">
+            <a:schemeClr val="accent1"/>
+          </a:fillRef>
+          <a:effectRef idx="0">
+            <a:schemeClr val="accent1"/>
+          </a:effectRef>
+          <a:fontRef idx="minor">
+            <a:schemeClr val="tx1"/>
+          </a:fontRef>
+        </p:style>
+      </p:cxnSp>
+      <p:cxnSp>
+        <p:nvCxnSpPr>
+          <p:cNvPr id="58" name="Straight Arrow Connector 57">
+            <a:extLst>
+              <a:ext uri="{FF2B5EF4-FFF2-40B4-BE49-F238E27FC236}">
+                <a16:creationId xmlns:a16="http://schemas.microsoft.com/office/drawing/2014/main" id="{C1490FB1-1C94-2BD2-8225-E030D2D1BC4E}"/>
+              </a:ext>
+            </a:extLst>
+          </p:cNvPr>
+          <p:cNvCxnSpPr>
+            <a:cxnSpLocks/>
+          </p:cNvCxnSpPr>
+          <p:nvPr/>
+        </p:nvCxnSpPr>
+        <p:spPr>
+          <a:xfrm>
+            <a:off x="2734865" y="3409951"/>
+            <a:ext cx="2" cy="348619"/>
+          </a:xfrm>
+          <a:prstGeom prst="straightConnector1">
+            <a:avLst/>
+          </a:prstGeom>
+          <a:ln>
+            <a:tailEnd type="triangle"/>
+          </a:ln>
+        </p:spPr>
+        <p:style>
+          <a:lnRef idx="1">
+            <a:schemeClr val="accent1"/>
+          </a:lnRef>
+          <a:fillRef idx="0">
+            <a:schemeClr val="accent1"/>
+          </a:fillRef>
+          <a:effectRef idx="0">
+            <a:schemeClr val="accent1"/>
+          </a:effectRef>
+          <a:fontRef idx="minor">
+            <a:schemeClr val="tx1"/>
+          </a:fontRef>
+        </p:style>
+      </p:cxnSp>
+      <p:cxnSp>
+        <p:nvCxnSpPr>
+          <p:cNvPr id="59" name="Straight Arrow Connector 58">
+            <a:extLst>
+              <a:ext uri="{FF2B5EF4-FFF2-40B4-BE49-F238E27FC236}">
+                <a16:creationId xmlns:a16="http://schemas.microsoft.com/office/drawing/2014/main" id="{E1301399-3EFD-1B38-A20E-3FE21616A56C}"/>
+              </a:ext>
+            </a:extLst>
+          </p:cNvPr>
+          <p:cNvCxnSpPr>
+            <a:cxnSpLocks/>
+          </p:cNvCxnSpPr>
+          <p:nvPr/>
+        </p:nvCxnSpPr>
+        <p:spPr>
+          <a:xfrm>
+            <a:off x="4557539" y="3409951"/>
+            <a:ext cx="2" cy="348619"/>
+          </a:xfrm>
+          <a:prstGeom prst="straightConnector1">
+            <a:avLst/>
+          </a:prstGeom>
+          <a:ln>
+            <a:tailEnd type="triangle"/>
+          </a:ln>
+        </p:spPr>
+        <p:style>
+          <a:lnRef idx="1">
+            <a:schemeClr val="accent1"/>
+          </a:lnRef>
+          <a:fillRef idx="0">
+            <a:schemeClr val="accent1"/>
+          </a:fillRef>
+          <a:effectRef idx="0">
+            <a:schemeClr val="accent1"/>
+          </a:effectRef>
+          <a:fontRef idx="minor">
+            <a:schemeClr val="tx1"/>
+          </a:fontRef>
+        </p:style>
+      </p:cxnSp>
+      <p:cxnSp>
+        <p:nvCxnSpPr>
+          <p:cNvPr id="60" name="Straight Arrow Connector 59">
+            <a:extLst>
+              <a:ext uri="{FF2B5EF4-FFF2-40B4-BE49-F238E27FC236}">
+                <a16:creationId xmlns:a16="http://schemas.microsoft.com/office/drawing/2014/main" id="{FA06B3F4-6EE4-0466-95F6-CA488D0E2622}"/>
+              </a:ext>
+            </a:extLst>
+          </p:cNvPr>
+          <p:cNvCxnSpPr>
+            <a:cxnSpLocks/>
+          </p:cNvCxnSpPr>
+          <p:nvPr/>
+        </p:nvCxnSpPr>
+        <p:spPr>
+          <a:xfrm>
+            <a:off x="6375085" y="3409951"/>
+            <a:ext cx="2" cy="348619"/>
+          </a:xfrm>
+          <a:prstGeom prst="straightConnector1">
+            <a:avLst/>
+          </a:prstGeom>
+          <a:ln>
+            <a:tailEnd type="triangle"/>
+          </a:ln>
+        </p:spPr>
+        <p:style>
+          <a:lnRef idx="1">
+            <a:schemeClr val="accent1"/>
+          </a:lnRef>
+          <a:fillRef idx="0">
+            <a:schemeClr val="accent1"/>
+          </a:fillRef>
+          <a:effectRef idx="0">
+            <a:schemeClr val="accent1"/>
+          </a:effectRef>
+          <a:fontRef idx="minor">
+            <a:schemeClr val="tx1"/>
+          </a:fontRef>
+        </p:style>
+      </p:cxnSp>
+      <p:cxnSp>
+        <p:nvCxnSpPr>
+          <p:cNvPr id="74" name="Straight Arrow Connector 73">
+            <a:extLst>
+              <a:ext uri="{FF2B5EF4-FFF2-40B4-BE49-F238E27FC236}">
+                <a16:creationId xmlns:a16="http://schemas.microsoft.com/office/drawing/2014/main" id="{4362E24E-B36C-FA2D-ADDE-80EFA2313746}"/>
+              </a:ext>
+            </a:extLst>
+          </p:cNvPr>
+          <p:cNvCxnSpPr>
+            <a:cxnSpLocks/>
+            <a:endCxn id="16" idx="0"/>
+          </p:cNvCxnSpPr>
+          <p:nvPr/>
+        </p:nvCxnSpPr>
+        <p:spPr>
+          <a:xfrm>
+            <a:off x="2734863" y="4346261"/>
+            <a:ext cx="3" cy="491081"/>
+          </a:xfrm>
+          <a:prstGeom prst="straightConnector1">
+            <a:avLst/>
+          </a:prstGeom>
+          <a:ln>
+            <a:tailEnd type="triangle"/>
+          </a:ln>
+        </p:spPr>
+        <p:style>
+          <a:lnRef idx="1">
+            <a:schemeClr val="accent1"/>
+          </a:lnRef>
+          <a:fillRef idx="0">
+            <a:schemeClr val="accent1"/>
+          </a:fillRef>
+          <a:effectRef idx="0">
+            <a:schemeClr val="accent1"/>
+          </a:effectRef>
+          <a:fontRef idx="minor">
+            <a:schemeClr val="tx1"/>
+          </a:fontRef>
+        </p:style>
+      </p:cxnSp>
+      <p:cxnSp>
+        <p:nvCxnSpPr>
+          <p:cNvPr id="76" name="Straight Arrow Connector 75">
+            <a:extLst>
+              <a:ext uri="{FF2B5EF4-FFF2-40B4-BE49-F238E27FC236}">
+                <a16:creationId xmlns:a16="http://schemas.microsoft.com/office/drawing/2014/main" id="{E9EB579D-68E1-ADED-82CC-F1C6DFEE3E31}"/>
+              </a:ext>
+            </a:extLst>
+          </p:cNvPr>
+          <p:cNvCxnSpPr>
+            <a:cxnSpLocks/>
+            <a:endCxn id="17" idx="0"/>
+          </p:cNvCxnSpPr>
+          <p:nvPr/>
+        </p:nvCxnSpPr>
+        <p:spPr>
+          <a:xfrm>
+            <a:off x="2734860" y="5194394"/>
+            <a:ext cx="6" cy="316771"/>
+          </a:xfrm>
+          <a:prstGeom prst="straightConnector1">
+            <a:avLst/>
+          </a:prstGeom>
+          <a:ln>
+            <a:tailEnd type="triangle"/>
+          </a:ln>
+        </p:spPr>
+        <p:style>
+          <a:lnRef idx="1">
+            <a:schemeClr val="accent1"/>
+          </a:lnRef>
+          <a:fillRef idx="0">
+            <a:schemeClr val="accent1"/>
+          </a:fillRef>
+          <a:effectRef idx="0">
+            <a:schemeClr val="accent1"/>
+          </a:effectRef>
+          <a:fontRef idx="minor">
+            <a:schemeClr val="tx1"/>
+          </a:fontRef>
+        </p:style>
+      </p:cxnSp>
+      <p:sp>
+        <p:nvSpPr>
+          <p:cNvPr id="110" name="Rectangle 109">
+            <a:extLst>
+              <a:ext uri="{FF2B5EF4-FFF2-40B4-BE49-F238E27FC236}">
+                <a16:creationId xmlns:a16="http://schemas.microsoft.com/office/drawing/2014/main" id="{701E3900-339B-3A36-43C9-DB04FD598779}"/>
+              </a:ext>
+            </a:extLst>
+          </p:cNvPr>
+          <p:cNvSpPr/>
+          <p:nvPr/>
+        </p:nvSpPr>
+        <p:spPr>
+          <a:xfrm>
+            <a:off x="4016380" y="4837342"/>
+            <a:ext cx="1009378" cy="357052"/>
+          </a:xfrm>
+          <a:prstGeom prst="rect">
+            <a:avLst/>
+          </a:prstGeom>
+        </p:spPr>
+        <p:style>
+          <a:lnRef idx="2">
+            <a:schemeClr val="accent1">
+              <a:shade val="15000"/>
+            </a:schemeClr>
+          </a:lnRef>
+          <a:fillRef idx="1">
+            <a:schemeClr val="accent1"/>
+          </a:fillRef>
+          <a:effectRef idx="0">
+            <a:schemeClr val="accent1"/>
+          </a:effectRef>
+          <a:fontRef idx="minor">
+            <a:schemeClr val="lt1"/>
+          </a:fontRef>
+        </p:style>
+        <p:txBody>
+          <a:bodyPr rtlCol="0" anchor="ctr"/>
+          <a:lstStyle/>
+          <a:p>
+            <a:pPr algn="ctr"/>
+            <a:r>
+              <a:rPr lang="en-US" sz="1400" dirty="0"/>
+              <a:t>Scan Asset</a:t>
+            </a:r>
+            <a:br>
+              <a:rPr lang="en-US" sz="1400" dirty="0"/>
+            </a:br>
+            <a:r>
+              <a:rPr lang="en-US" sz="1000" dirty="0"/>
+              <a:t>(button)</a:t>
+            </a:r>
+          </a:p>
+        </p:txBody>
+      </p:sp>
+      <p:sp>
+        <p:nvSpPr>
+          <p:cNvPr id="111" name="Rectangle 110">
+            <a:extLst>
+              <a:ext uri="{FF2B5EF4-FFF2-40B4-BE49-F238E27FC236}">
+                <a16:creationId xmlns:a16="http://schemas.microsoft.com/office/drawing/2014/main" id="{C7A71433-A1E2-F1D0-1E69-44A3A6289C30}"/>
+              </a:ext>
+            </a:extLst>
+          </p:cNvPr>
+          <p:cNvSpPr/>
+          <p:nvPr/>
+        </p:nvSpPr>
+        <p:spPr>
+          <a:xfrm>
+            <a:off x="3845678" y="5511165"/>
+            <a:ext cx="1350781" cy="357052"/>
+          </a:xfrm>
+          <a:prstGeom prst="rect">
+            <a:avLst/>
+          </a:prstGeom>
+        </p:spPr>
+        <p:style>
+          <a:lnRef idx="2">
+            <a:schemeClr val="accent1">
+              <a:shade val="15000"/>
+            </a:schemeClr>
+          </a:lnRef>
+          <a:fillRef idx="1">
+            <a:schemeClr val="accent1"/>
+          </a:fillRef>
+          <a:effectRef idx="0">
+            <a:schemeClr val="accent1"/>
+          </a:effectRef>
+          <a:fontRef idx="minor">
+            <a:schemeClr val="lt1"/>
+          </a:fontRef>
+        </p:style>
+        <p:txBody>
+          <a:bodyPr rtlCol="0" anchor="ctr"/>
+          <a:lstStyle/>
+          <a:p>
+            <a:pPr algn="ctr"/>
+            <a:r>
+              <a:rPr lang="en-US" sz="1400" dirty="0"/>
+              <a:t>Scan Location</a:t>
+            </a:r>
+            <a:br>
+              <a:rPr lang="en-US" sz="1400" dirty="0"/>
+            </a:br>
+            <a:r>
+              <a:rPr lang="en-US" sz="1000" dirty="0"/>
+              <a:t>(button)</a:t>
+            </a:r>
+          </a:p>
+        </p:txBody>
+      </p:sp>
+      <p:cxnSp>
+        <p:nvCxnSpPr>
+          <p:cNvPr id="112" name="Straight Arrow Connector 111">
+            <a:extLst>
+              <a:ext uri="{FF2B5EF4-FFF2-40B4-BE49-F238E27FC236}">
+                <a16:creationId xmlns:a16="http://schemas.microsoft.com/office/drawing/2014/main" id="{E5AF051C-AF2F-76E9-B95D-18969B043590}"/>
+              </a:ext>
+            </a:extLst>
+          </p:cNvPr>
+          <p:cNvCxnSpPr>
+            <a:cxnSpLocks/>
+            <a:endCxn id="110" idx="0"/>
+          </p:cNvCxnSpPr>
+          <p:nvPr/>
+        </p:nvCxnSpPr>
+        <p:spPr>
+          <a:xfrm>
+            <a:off x="4521066" y="4346261"/>
+            <a:ext cx="3" cy="491081"/>
+          </a:xfrm>
+          <a:prstGeom prst="straightConnector1">
+            <a:avLst/>
+          </a:prstGeom>
+          <a:ln>
+            <a:tailEnd type="triangle"/>
+          </a:ln>
+        </p:spPr>
+        <p:style>
+          <a:lnRef idx="1">
+            <a:schemeClr val="accent1"/>
+          </a:lnRef>
+          <a:fillRef idx="0">
+            <a:schemeClr val="accent1"/>
+          </a:fillRef>
+          <a:effectRef idx="0">
+            <a:schemeClr val="accent1"/>
+          </a:effectRef>
+          <a:fontRef idx="minor">
+            <a:schemeClr val="tx1"/>
+          </a:fontRef>
+        </p:style>
+      </p:cxnSp>
+      <p:cxnSp>
+        <p:nvCxnSpPr>
+          <p:cNvPr id="113" name="Straight Arrow Connector 112">
+            <a:extLst>
+              <a:ext uri="{FF2B5EF4-FFF2-40B4-BE49-F238E27FC236}">
+                <a16:creationId xmlns:a16="http://schemas.microsoft.com/office/drawing/2014/main" id="{46166135-0108-0FB9-188F-C17BC312229F}"/>
+              </a:ext>
+            </a:extLst>
+          </p:cNvPr>
+          <p:cNvCxnSpPr>
+            <a:cxnSpLocks/>
+            <a:endCxn id="111" idx="0"/>
+          </p:cNvCxnSpPr>
+          <p:nvPr/>
+        </p:nvCxnSpPr>
+        <p:spPr>
+          <a:xfrm>
+            <a:off x="4521063" y="5194394"/>
+            <a:ext cx="6" cy="316771"/>
+          </a:xfrm>
+          <a:prstGeom prst="straightConnector1">
+            <a:avLst/>
+          </a:prstGeom>
+          <a:ln>
+            <a:tailEnd type="triangle"/>
+          </a:ln>
+        </p:spPr>
+        <p:style>
+          <a:lnRef idx="1">
+            <a:schemeClr val="accent1"/>
+          </a:lnRef>
+          <a:fillRef idx="0">
+            <a:schemeClr val="accent1"/>
+          </a:fillRef>
+          <a:effectRef idx="0">
+            <a:schemeClr val="accent1"/>
+          </a:effectRef>
+          <a:fontRef idx="minor">
+            <a:schemeClr val="tx1"/>
+          </a:fontRef>
+        </p:style>
+      </p:cxnSp>
+      <p:sp>
+        <p:nvSpPr>
+          <p:cNvPr id="114" name="Rectangle 113">
+            <a:extLst>
+              <a:ext uri="{FF2B5EF4-FFF2-40B4-BE49-F238E27FC236}">
+                <a16:creationId xmlns:a16="http://schemas.microsoft.com/office/drawing/2014/main" id="{CCC2356D-AF07-C538-3E81-D05663F3CFD2}"/>
+              </a:ext>
+            </a:extLst>
+          </p:cNvPr>
+          <p:cNvSpPr/>
+          <p:nvPr/>
+        </p:nvSpPr>
+        <p:spPr>
+          <a:xfrm>
+            <a:off x="5846319" y="4833126"/>
+            <a:ext cx="1009378" cy="357052"/>
+          </a:xfrm>
+          <a:prstGeom prst="rect">
+            <a:avLst/>
+          </a:prstGeom>
+        </p:spPr>
+        <p:style>
+          <a:lnRef idx="2">
+            <a:schemeClr val="accent1">
+              <a:shade val="15000"/>
+            </a:schemeClr>
+          </a:lnRef>
+          <a:fillRef idx="1">
+            <a:schemeClr val="accent1"/>
+          </a:fillRef>
+          <a:effectRef idx="0">
+            <a:schemeClr val="accent1"/>
+          </a:effectRef>
+          <a:fontRef idx="minor">
+            <a:schemeClr val="lt1"/>
+          </a:fontRef>
+        </p:style>
+        <p:txBody>
+          <a:bodyPr rtlCol="0" anchor="ctr"/>
+          <a:lstStyle/>
+          <a:p>
+            <a:pPr algn="ctr"/>
+            <a:r>
+              <a:rPr lang="en-US" sz="1400" dirty="0"/>
+              <a:t>Scan Asset</a:t>
+            </a:r>
+            <a:br>
+              <a:rPr lang="en-US" sz="1400" dirty="0"/>
+            </a:br>
+            <a:r>
+              <a:rPr lang="en-US" sz="1000" dirty="0"/>
+              <a:t>(button)</a:t>
+            </a:r>
+          </a:p>
+        </p:txBody>
+      </p:sp>
+      <p:sp>
+        <p:nvSpPr>
+          <p:cNvPr id="115" name="Rectangle 114">
+            <a:extLst>
+              <a:ext uri="{FF2B5EF4-FFF2-40B4-BE49-F238E27FC236}">
+                <a16:creationId xmlns:a16="http://schemas.microsoft.com/office/drawing/2014/main" id="{2E22D61D-7670-04BF-0376-FE370FFC28E3}"/>
+              </a:ext>
+            </a:extLst>
+          </p:cNvPr>
+          <p:cNvSpPr/>
+          <p:nvPr/>
+        </p:nvSpPr>
+        <p:spPr>
+          <a:xfrm>
+            <a:off x="5675617" y="5506949"/>
+            <a:ext cx="1350781" cy="357052"/>
+          </a:xfrm>
+          <a:prstGeom prst="rect">
+            <a:avLst/>
+          </a:prstGeom>
+        </p:spPr>
+        <p:style>
+          <a:lnRef idx="2">
+            <a:schemeClr val="accent1">
+              <a:shade val="15000"/>
+            </a:schemeClr>
+          </a:lnRef>
+          <a:fillRef idx="1">
+            <a:schemeClr val="accent1"/>
+          </a:fillRef>
+          <a:effectRef idx="0">
+            <a:schemeClr val="accent1"/>
+          </a:effectRef>
+          <a:fontRef idx="minor">
+            <a:schemeClr val="lt1"/>
+          </a:fontRef>
+        </p:style>
+        <p:txBody>
+          <a:bodyPr rtlCol="0" anchor="ctr"/>
+          <a:lstStyle/>
+          <a:p>
+            <a:pPr algn="ctr"/>
+            <a:r>
+              <a:rPr lang="en-US" sz="1400" dirty="0"/>
+              <a:t>Scan Location</a:t>
+            </a:r>
+            <a:br>
+              <a:rPr lang="en-US" sz="1400" dirty="0"/>
+            </a:br>
+            <a:r>
+              <a:rPr lang="en-US" sz="1000" dirty="0"/>
+              <a:t>(button)</a:t>
+            </a:r>
+          </a:p>
+        </p:txBody>
+      </p:sp>
+      <p:cxnSp>
+        <p:nvCxnSpPr>
+          <p:cNvPr id="116" name="Straight Arrow Connector 115">
+            <a:extLst>
+              <a:ext uri="{FF2B5EF4-FFF2-40B4-BE49-F238E27FC236}">
+                <a16:creationId xmlns:a16="http://schemas.microsoft.com/office/drawing/2014/main" id="{3ECA6E4C-8D6A-124F-DA5A-D358ECF428FC}"/>
+              </a:ext>
+            </a:extLst>
+          </p:cNvPr>
+          <p:cNvCxnSpPr>
+            <a:cxnSpLocks/>
+            <a:endCxn id="114" idx="0"/>
+          </p:cNvCxnSpPr>
+          <p:nvPr/>
+        </p:nvCxnSpPr>
+        <p:spPr>
+          <a:xfrm>
+            <a:off x="6351005" y="4342045"/>
+            <a:ext cx="3" cy="491081"/>
+          </a:xfrm>
+          <a:prstGeom prst="straightConnector1">
+            <a:avLst/>
+          </a:prstGeom>
+          <a:ln>
+            <a:tailEnd type="triangle"/>
+          </a:ln>
+        </p:spPr>
+        <p:style>
+          <a:lnRef idx="1">
+            <a:schemeClr val="accent1"/>
+          </a:lnRef>
+          <a:fillRef idx="0">
+            <a:schemeClr val="accent1"/>
+          </a:fillRef>
+          <a:effectRef idx="0">
+            <a:schemeClr val="accent1"/>
+          </a:effectRef>
+          <a:fontRef idx="minor">
+            <a:schemeClr val="tx1"/>
+          </a:fontRef>
+        </p:style>
+      </p:cxnSp>
+      <p:cxnSp>
+        <p:nvCxnSpPr>
+          <p:cNvPr id="117" name="Straight Arrow Connector 116">
+            <a:extLst>
+              <a:ext uri="{FF2B5EF4-FFF2-40B4-BE49-F238E27FC236}">
+                <a16:creationId xmlns:a16="http://schemas.microsoft.com/office/drawing/2014/main" id="{3CD466C0-A082-E1BF-1840-E95F7CD5F13A}"/>
+              </a:ext>
+            </a:extLst>
+          </p:cNvPr>
+          <p:cNvCxnSpPr>
+            <a:cxnSpLocks/>
+            <a:endCxn id="115" idx="0"/>
+          </p:cNvCxnSpPr>
+          <p:nvPr/>
+        </p:nvCxnSpPr>
+        <p:spPr>
+          <a:xfrm>
+            <a:off x="6351002" y="5190178"/>
+            <a:ext cx="6" cy="316771"/>
+          </a:xfrm>
+          <a:prstGeom prst="straightConnector1">
+            <a:avLst/>
+          </a:prstGeom>
+          <a:ln>
+            <a:tailEnd type="triangle"/>
+          </a:ln>
+        </p:spPr>
+        <p:style>
+          <a:lnRef idx="1">
+            <a:schemeClr val="accent1"/>
+          </a:lnRef>
+          <a:fillRef idx="0">
+            <a:schemeClr val="accent1"/>
+          </a:fillRef>
+          <a:effectRef idx="0">
+            <a:schemeClr val="accent1"/>
+          </a:effectRef>
+          <a:fontRef idx="minor">
+            <a:schemeClr val="tx1"/>
+          </a:fontRef>
+        </p:style>
+      </p:cxnSp>
+      <p:sp>
+        <p:nvSpPr>
+          <p:cNvPr id="118" name="Rectangle 117">
+            <a:extLst>
+              <a:ext uri="{FF2B5EF4-FFF2-40B4-BE49-F238E27FC236}">
+                <a16:creationId xmlns:a16="http://schemas.microsoft.com/office/drawing/2014/main" id="{7E6515D5-94A4-0F33-C023-F56E09877D1B}"/>
+              </a:ext>
+            </a:extLst>
+          </p:cNvPr>
+          <p:cNvSpPr/>
+          <p:nvPr/>
+        </p:nvSpPr>
+        <p:spPr>
+          <a:xfrm>
+            <a:off x="7717399" y="4833921"/>
+            <a:ext cx="1009378" cy="357052"/>
+          </a:xfrm>
+          <a:prstGeom prst="rect">
+            <a:avLst/>
+          </a:prstGeom>
+        </p:spPr>
+        <p:style>
+          <a:lnRef idx="2">
+            <a:schemeClr val="accent1">
+              <a:shade val="15000"/>
+            </a:schemeClr>
+          </a:lnRef>
+          <a:fillRef idx="1">
+            <a:schemeClr val="accent1"/>
+          </a:fillRef>
+          <a:effectRef idx="0">
+            <a:schemeClr val="accent1"/>
+          </a:effectRef>
+          <a:fontRef idx="minor">
+            <a:schemeClr val="lt1"/>
+          </a:fontRef>
+        </p:style>
+        <p:txBody>
+          <a:bodyPr rtlCol="0" anchor="ctr"/>
+          <a:lstStyle/>
+          <a:p>
+            <a:pPr algn="ctr"/>
+            <a:r>
+              <a:rPr lang="en-US" sz="1000" dirty="0"/>
+              <a:t>Not Implemented</a:t>
+            </a:r>
+          </a:p>
+        </p:txBody>
+      </p:sp>
+      <p:cxnSp>
+        <p:nvCxnSpPr>
+          <p:cNvPr id="119" name="Straight Arrow Connector 118">
+            <a:extLst>
+              <a:ext uri="{FF2B5EF4-FFF2-40B4-BE49-F238E27FC236}">
+                <a16:creationId xmlns:a16="http://schemas.microsoft.com/office/drawing/2014/main" id="{3BD7A059-6D7E-1742-850C-8F9D85E3806A}"/>
+              </a:ext>
+            </a:extLst>
+          </p:cNvPr>
+          <p:cNvCxnSpPr>
+            <a:cxnSpLocks/>
+            <a:endCxn id="118" idx="0"/>
+          </p:cNvCxnSpPr>
+          <p:nvPr/>
+        </p:nvCxnSpPr>
+        <p:spPr>
+          <a:xfrm>
+            <a:off x="8222085" y="4342840"/>
+            <a:ext cx="3" cy="491081"/>
+          </a:xfrm>
+          <a:prstGeom prst="straightConnector1">
+            <a:avLst/>
+          </a:prstGeom>
+          <a:ln>
+            <a:tailEnd type="triangle"/>
+          </a:ln>
+        </p:spPr>
+        <p:style>
+          <a:lnRef idx="1">
+            <a:schemeClr val="accent1"/>
+          </a:lnRef>
+          <a:fillRef idx="0">
+            <a:schemeClr val="accent1"/>
+          </a:fillRef>
+          <a:effectRef idx="0">
+            <a:schemeClr val="accent1"/>
+          </a:effectRef>
+          <a:fontRef idx="minor">
+            <a:schemeClr val="tx1"/>
+          </a:fontRef>
+        </p:style>
+      </p:cxnSp>
+    </p:spTree>
+    <p:extLst>
+      <p:ext uri="{BB962C8B-B14F-4D97-AF65-F5344CB8AC3E}">
+        <p14:creationId xmlns:p14="http://schemas.microsoft.com/office/powerpoint/2010/main" val="572747179"/>
+      </p:ext>
+    </p:extLst>
+  </p:cSld>
+  <p:clrMapOvr>
+    <a:masterClrMapping/>
+  </p:clrMapOvr>
+</p:sld>
+</file>
+
+<file path=ppt/slides/slide9.xml><?xml version="1.0" encoding="utf-8"?>
+<p:sld xmlns:a="http://schemas.openxmlformats.org/drawingml/2006/main" xmlns:r="http://schemas.openxmlformats.org/officeDocument/2006/relationships" xmlns:p="http://schemas.openxmlformats.org/presentationml/2006/main">
+  <p:cSld>
+    <p:spTree>
+      <p:nvGrpSpPr>
+        <p:cNvPr id="1" name=""/>
+        <p:cNvGrpSpPr/>
+        <p:nvPr/>
+      </p:nvGrpSpPr>
+      <p:grpSpPr>
+        <a:xfrm>
+          <a:off x="0" y="0"/>
+          <a:ext cx="0" cy="0"/>
+          <a:chOff x="0" y="0"/>
+          <a:chExt cx="0" cy="0"/>
+        </a:xfrm>
+      </p:grpSpPr>
+    </p:spTree>
+    <p:extLst>
+      <p:ext uri="{BB962C8B-B14F-4D97-AF65-F5344CB8AC3E}">
+        <p14:creationId xmlns:p14="http://schemas.microsoft.com/office/powerpoint/2010/main" val="1824174430"/>
       </p:ext>
     </p:extLst>
   </p:cSld>
